--- a/slides/Chapter2_Algorithm_Analysis.pptx
+++ b/slides/Chapter2_Algorithm_Analysis.pptx
@@ -11,9 +11,14 @@
     <p:sldId id="259" r:id="rId5"/>
     <p:sldId id="260" r:id="rId6"/>
     <p:sldId id="261" r:id="rId7"/>
-    <p:sldId id="262" r:id="rId8"/>
-    <p:sldId id="263" r:id="rId9"/>
-    <p:sldId id="264" r:id="rId10"/>
+    <p:sldId id="263" r:id="rId8"/>
+    <p:sldId id="262" r:id="rId9"/>
+    <p:sldId id="265" r:id="rId10"/>
+    <p:sldId id="268" r:id="rId11"/>
+    <p:sldId id="269" r:id="rId12"/>
+    <p:sldId id="266" r:id="rId13"/>
+    <p:sldId id="267" r:id="rId14"/>
+    <p:sldId id="264" r:id="rId15"/>
   </p:sldIdLst>
   <p:sldSz cx="12192000" cy="6858000"/>
   <p:notesSz cx="6858000" cy="9144000"/>
@@ -9948,10 +9953,3168 @@
           </a:p>
         </p:txBody>
       </p:sp>
+      <p:grpSp>
+        <p:nvGrpSpPr>
+          <p:cNvPr id="5" name="Group 4">
+            <a:extLst>
+              <a:ext uri="{FF2B5EF4-FFF2-40B4-BE49-F238E27FC236}">
+                <a16:creationId xmlns:a16="http://schemas.microsoft.com/office/drawing/2014/main" id="{1950E5A1-074E-C6A8-AEA1-5CFA7ABA54D4}"/>
+              </a:ext>
+            </a:extLst>
+          </p:cNvPr>
+          <p:cNvGrpSpPr/>
+          <p:nvPr/>
+        </p:nvGrpSpPr>
+        <p:grpSpPr>
+          <a:xfrm>
+            <a:off x="430870" y="6173333"/>
+            <a:ext cx="3980417" cy="430887"/>
+            <a:chOff x="430870" y="6173333"/>
+            <a:chExt cx="3980417" cy="430887"/>
+          </a:xfrm>
+        </p:grpSpPr>
+        <p:sp>
+          <p:nvSpPr>
+            <p:cNvPr id="4" name="Rectangle 1">
+              <a:extLst>
+                <a:ext uri="{FF2B5EF4-FFF2-40B4-BE49-F238E27FC236}">
+                  <a16:creationId xmlns:a16="http://schemas.microsoft.com/office/drawing/2014/main" id="{A0BCFBAB-C803-5F14-1B96-2D8166E33666}"/>
+                </a:ext>
+              </a:extLst>
+            </p:cNvPr>
+            <p:cNvSpPr>
+              <a:spLocks noChangeArrowheads="1"/>
+            </p:cNvSpPr>
+            <p:nvPr/>
+          </p:nvSpPr>
+          <p:spPr bwMode="auto">
+            <a:xfrm>
+              <a:off x="1138006" y="6173333"/>
+              <a:ext cx="3273281" cy="430887"/>
+            </a:xfrm>
+            <a:prstGeom prst="rect">
+              <a:avLst/>
+            </a:prstGeom>
+            <a:noFill/>
+            <a:ln>
+              <a:noFill/>
+            </a:ln>
+            <a:effectLst/>
+          </p:spPr>
+          <p:txBody>
+            <a:bodyPr vert="horz" wrap="square" lIns="91440" tIns="45720" rIns="91440" bIns="45720" numCol="1" anchor="ctr" anchorCtr="0" compatLnSpc="1">
+              <a:prstTxWarp prst="textNoShape">
+                <a:avLst/>
+              </a:prstTxWarp>
+              <a:spAutoFit/>
+            </a:bodyPr>
+            <a:lstStyle>
+              <a:lvl1pPr eaLnBrk="0" fontAlgn="base" hangingPunct="0">
+                <a:spcBef>
+                  <a:spcPct val="0"/>
+                </a:spcBef>
+                <a:spcAft>
+                  <a:spcPct val="0"/>
+                </a:spcAft>
+                <a:defRPr>
+                  <a:solidFill>
+                    <a:schemeClr val="tx1"/>
+                  </a:solidFill>
+                  <a:latin typeface="Arial" panose="020B0604020202020204" pitchFamily="34" charset="0"/>
+                </a:defRPr>
+              </a:lvl1pPr>
+              <a:lvl2pPr eaLnBrk="0" fontAlgn="base" hangingPunct="0">
+                <a:spcBef>
+                  <a:spcPct val="0"/>
+                </a:spcBef>
+                <a:spcAft>
+                  <a:spcPct val="0"/>
+                </a:spcAft>
+                <a:defRPr>
+                  <a:solidFill>
+                    <a:schemeClr val="tx1"/>
+                  </a:solidFill>
+                  <a:latin typeface="Arial" panose="020B0604020202020204" pitchFamily="34" charset="0"/>
+                </a:defRPr>
+              </a:lvl2pPr>
+              <a:lvl3pPr eaLnBrk="0" fontAlgn="base" hangingPunct="0">
+                <a:spcBef>
+                  <a:spcPct val="0"/>
+                </a:spcBef>
+                <a:spcAft>
+                  <a:spcPct val="0"/>
+                </a:spcAft>
+                <a:defRPr>
+                  <a:solidFill>
+                    <a:schemeClr val="tx1"/>
+                  </a:solidFill>
+                  <a:latin typeface="Arial" panose="020B0604020202020204" pitchFamily="34" charset="0"/>
+                </a:defRPr>
+              </a:lvl3pPr>
+              <a:lvl4pPr eaLnBrk="0" fontAlgn="base" hangingPunct="0">
+                <a:spcBef>
+                  <a:spcPct val="0"/>
+                </a:spcBef>
+                <a:spcAft>
+                  <a:spcPct val="0"/>
+                </a:spcAft>
+                <a:defRPr>
+                  <a:solidFill>
+                    <a:schemeClr val="tx1"/>
+                  </a:solidFill>
+                  <a:latin typeface="Arial" panose="020B0604020202020204" pitchFamily="34" charset="0"/>
+                </a:defRPr>
+              </a:lvl4pPr>
+              <a:lvl5pPr eaLnBrk="0" fontAlgn="base" hangingPunct="0">
+                <a:spcBef>
+                  <a:spcPct val="0"/>
+                </a:spcBef>
+                <a:spcAft>
+                  <a:spcPct val="0"/>
+                </a:spcAft>
+                <a:defRPr>
+                  <a:solidFill>
+                    <a:schemeClr val="tx1"/>
+                  </a:solidFill>
+                  <a:latin typeface="Arial" panose="020B0604020202020204" pitchFamily="34" charset="0"/>
+                </a:defRPr>
+              </a:lvl5pPr>
+              <a:lvl6pPr eaLnBrk="0" fontAlgn="base" hangingPunct="0">
+                <a:spcBef>
+                  <a:spcPct val="0"/>
+                </a:spcBef>
+                <a:spcAft>
+                  <a:spcPct val="0"/>
+                </a:spcAft>
+                <a:defRPr>
+                  <a:solidFill>
+                    <a:schemeClr val="tx1"/>
+                  </a:solidFill>
+                  <a:latin typeface="Arial" panose="020B0604020202020204" pitchFamily="34" charset="0"/>
+                </a:defRPr>
+              </a:lvl6pPr>
+              <a:lvl7pPr eaLnBrk="0" fontAlgn="base" hangingPunct="0">
+                <a:spcBef>
+                  <a:spcPct val="0"/>
+                </a:spcBef>
+                <a:spcAft>
+                  <a:spcPct val="0"/>
+                </a:spcAft>
+                <a:defRPr>
+                  <a:solidFill>
+                    <a:schemeClr val="tx1"/>
+                  </a:solidFill>
+                  <a:latin typeface="Arial" panose="020B0604020202020204" pitchFamily="34" charset="0"/>
+                </a:defRPr>
+              </a:lvl7pPr>
+              <a:lvl8pPr eaLnBrk="0" fontAlgn="base" hangingPunct="0">
+                <a:spcBef>
+                  <a:spcPct val="0"/>
+                </a:spcBef>
+                <a:spcAft>
+                  <a:spcPct val="0"/>
+                </a:spcAft>
+                <a:defRPr>
+                  <a:solidFill>
+                    <a:schemeClr val="tx1"/>
+                  </a:solidFill>
+                  <a:latin typeface="Arial" panose="020B0604020202020204" pitchFamily="34" charset="0"/>
+                </a:defRPr>
+              </a:lvl8pPr>
+              <a:lvl9pPr eaLnBrk="0" fontAlgn="base" hangingPunct="0">
+                <a:spcBef>
+                  <a:spcPct val="0"/>
+                </a:spcBef>
+                <a:spcAft>
+                  <a:spcPct val="0"/>
+                </a:spcAft>
+                <a:defRPr>
+                  <a:solidFill>
+                    <a:schemeClr val="tx1"/>
+                  </a:solidFill>
+                  <a:latin typeface="Arial" panose="020B0604020202020204" pitchFamily="34" charset="0"/>
+                </a:defRPr>
+              </a:lvl9pPr>
+            </a:lstStyle>
+            <a:p>
+              <a:pPr marL="0" marR="0" lvl="0" indent="0" algn="ctr" defTabSz="914400" rtl="0" eaLnBrk="0" fontAlgn="base" latinLnBrk="0" hangingPunct="0">
+                <a:lnSpc>
+                  <a:spcPct val="100000"/>
+                </a:lnSpc>
+                <a:spcBef>
+                  <a:spcPct val="0"/>
+                </a:spcBef>
+                <a:spcAft>
+                  <a:spcPct val="0"/>
+                </a:spcAft>
+                <a:buClrTx/>
+                <a:buSzTx/>
+                <a:buFontTx/>
+                <a:buNone/>
+                <a:tabLst/>
+              </a:pPr>
+              <a:r>
+                <a:rPr kumimoji="0" lang="en-US" altLang="en-US" sz="1100" b="0" i="0" u="none" strike="noStrike" cap="none" normalizeH="0" baseline="0" dirty="0">
+                  <a:ln>
+                    <a:noFill/>
+                  </a:ln>
+                  <a:solidFill>
+                    <a:srgbClr val="464646"/>
+                  </a:solidFill>
+                  <a:effectLst/>
+                  <a:latin typeface="Source Sans Pro" panose="020B0503030403020204" pitchFamily="34" charset="0"/>
+                </a:rPr>
+                <a:t>This work is licensed under a </a:t>
+              </a:r>
+              <a:r>
+                <a:rPr kumimoji="0" lang="en-US" altLang="en-US" sz="1100" b="0" i="0" u="sng" strike="noStrike" cap="none" normalizeH="0" baseline="0" dirty="0">
+                  <a:ln>
+                    <a:noFill/>
+                  </a:ln>
+                  <a:solidFill>
+                    <a:srgbClr val="464646"/>
+                  </a:solidFill>
+                  <a:effectLst/>
+                  <a:latin typeface="Source Sans Pro" panose="020B0503030403020204" pitchFamily="34" charset="0"/>
+                  <a:hlinkClick r:id="rId3"/>
+                </a:rPr>
+                <a:t>Creative Commons Attribution-</a:t>
+              </a:r>
+              <a:r>
+                <a:rPr kumimoji="0" lang="en-US" altLang="en-US" sz="1100" b="0" i="0" u="sng" strike="noStrike" cap="none" normalizeH="0" baseline="0" dirty="0" err="1">
+                  <a:ln>
+                    <a:noFill/>
+                  </a:ln>
+                  <a:solidFill>
+                    <a:srgbClr val="464646"/>
+                  </a:solidFill>
+                  <a:effectLst/>
+                  <a:latin typeface="Source Sans Pro" panose="020B0503030403020204" pitchFamily="34" charset="0"/>
+                  <a:hlinkClick r:id="rId3"/>
+                </a:rPr>
+                <a:t>ShareAlike</a:t>
+              </a:r>
+              <a:r>
+                <a:rPr kumimoji="0" lang="en-US" altLang="en-US" sz="1100" b="0" i="0" u="sng" strike="noStrike" cap="none" normalizeH="0" baseline="0" dirty="0">
+                  <a:ln>
+                    <a:noFill/>
+                  </a:ln>
+                  <a:solidFill>
+                    <a:srgbClr val="464646"/>
+                  </a:solidFill>
+                  <a:effectLst/>
+                  <a:latin typeface="Source Sans Pro" panose="020B0503030403020204" pitchFamily="34" charset="0"/>
+                  <a:hlinkClick r:id="rId3"/>
+                </a:rPr>
+                <a:t> 4.0 International License</a:t>
+              </a:r>
+              <a:r>
+                <a:rPr kumimoji="0" lang="en-US" altLang="en-US" sz="1100" b="0" i="0" u="none" strike="noStrike" cap="none" normalizeH="0" baseline="0" dirty="0">
+                  <a:ln>
+                    <a:noFill/>
+                  </a:ln>
+                  <a:solidFill>
+                    <a:srgbClr val="464646"/>
+                  </a:solidFill>
+                  <a:effectLst/>
+                  <a:latin typeface="Source Sans Pro" panose="020B0503030403020204" pitchFamily="34" charset="0"/>
+                </a:rPr>
+                <a:t>.</a:t>
+              </a:r>
+              <a:r>
+                <a:rPr kumimoji="0" lang="en-US" altLang="en-US" sz="600" b="0" i="0" u="none" strike="noStrike" cap="none" normalizeH="0" baseline="0" dirty="0">
+                  <a:ln>
+                    <a:noFill/>
+                  </a:ln>
+                  <a:solidFill>
+                    <a:schemeClr val="tx1"/>
+                  </a:solidFill>
+                  <a:effectLst/>
+                </a:rPr>
+                <a:t> </a:t>
+              </a:r>
+              <a:endParaRPr kumimoji="0" lang="en-US" altLang="en-US" sz="1400" b="0" i="0" u="none" strike="noStrike" cap="none" normalizeH="0" baseline="0" dirty="0">
+                <a:ln>
+                  <a:noFill/>
+                </a:ln>
+                <a:solidFill>
+                  <a:schemeClr val="tx1"/>
+                </a:solidFill>
+                <a:effectLst/>
+                <a:latin typeface="Arial" panose="020B0604020202020204" pitchFamily="34" charset="0"/>
+              </a:endParaRPr>
+            </a:p>
+          </p:txBody>
+        </p:sp>
+        <p:pic>
+          <p:nvPicPr>
+            <p:cNvPr id="1026" name="Picture 2" descr="Creative Commons License">
+              <a:hlinkClick r:id="rId3"/>
+              <a:extLst>
+                <a:ext uri="{FF2B5EF4-FFF2-40B4-BE49-F238E27FC236}">
+                  <a16:creationId xmlns:a16="http://schemas.microsoft.com/office/drawing/2014/main" id="{8A1B7297-7ABB-195A-D12F-BA8372152F73}"/>
+                </a:ext>
+              </a:extLst>
+            </p:cNvPr>
+            <p:cNvPicPr>
+              <a:picLocks noChangeAspect="1" noChangeArrowheads="1"/>
+            </p:cNvPicPr>
+            <p:nvPr/>
+          </p:nvPicPr>
+          <p:blipFill>
+            <a:blip r:embed="rId4">
+              <a:extLst>
+                <a:ext uri="{28A0092B-C50C-407E-A947-70E740481C1C}">
+                  <a14:useLocalDpi xmlns:a14="http://schemas.microsoft.com/office/drawing/2010/main" val="0"/>
+                </a:ext>
+              </a:extLst>
+            </a:blip>
+            <a:srcRect/>
+            <a:stretch>
+              <a:fillRect/>
+            </a:stretch>
+          </p:blipFill>
+          <p:spPr bwMode="auto">
+            <a:xfrm>
+              <a:off x="430870" y="6265667"/>
+              <a:ext cx="838200" cy="295275"/>
+            </a:xfrm>
+            <a:prstGeom prst="rect">
+              <a:avLst/>
+            </a:prstGeom>
+            <a:noFill/>
+            <a:extLst>
+              <a:ext uri="{909E8E84-426E-40DD-AFC4-6F175D3DCCD1}">
+                <a14:hiddenFill xmlns:a14="http://schemas.microsoft.com/office/drawing/2010/main">
+                  <a:solidFill>
+                    <a:srgbClr val="FFFFFF"/>
+                  </a:solidFill>
+                </a14:hiddenFill>
+              </a:ext>
+            </a:extLst>
+          </p:spPr>
+        </p:pic>
+      </p:grpSp>
     </p:spTree>
     <p:extLst>
       <p:ext uri="{BB962C8B-B14F-4D97-AF65-F5344CB8AC3E}">
         <p14:creationId xmlns:p14="http://schemas.microsoft.com/office/powerpoint/2010/main" val="2903381839"/>
+      </p:ext>
+    </p:extLst>
+  </p:cSld>
+  <p:clrMapOvr>
+    <a:masterClrMapping/>
+  </p:clrMapOvr>
+</p:sld>
+</file>
+
+<file path=ppt/slides/slide10.xml><?xml version="1.0" encoding="utf-8"?>
+<p:sld xmlns:a="http://schemas.openxmlformats.org/drawingml/2006/main" xmlns:r="http://schemas.openxmlformats.org/officeDocument/2006/relationships" xmlns:p="http://schemas.openxmlformats.org/presentationml/2006/main">
+  <p:cSld>
+    <p:spTree>
+      <p:nvGrpSpPr>
+        <p:cNvPr id="1" name=""/>
+        <p:cNvGrpSpPr/>
+        <p:nvPr/>
+      </p:nvGrpSpPr>
+      <p:grpSpPr>
+        <a:xfrm>
+          <a:off x="0" y="0"/>
+          <a:ext cx="0" cy="0"/>
+          <a:chOff x="0" y="0"/>
+          <a:chExt cx="0" cy="0"/>
+        </a:xfrm>
+      </p:grpSpPr>
+      <p:sp>
+        <p:nvSpPr>
+          <p:cNvPr id="2" name="Title 1">
+            <a:extLst>
+              <a:ext uri="{FF2B5EF4-FFF2-40B4-BE49-F238E27FC236}">
+                <a16:creationId xmlns:a16="http://schemas.microsoft.com/office/drawing/2014/main" id="{C83F1789-1D72-DBEA-1824-BA71A11E2FEB}"/>
+              </a:ext>
+            </a:extLst>
+          </p:cNvPr>
+          <p:cNvSpPr>
+            <a:spLocks noGrp="1"/>
+          </p:cNvSpPr>
+          <p:nvPr>
+            <p:ph type="title"/>
+          </p:nvPr>
+        </p:nvSpPr>
+        <p:spPr/>
+        <p:txBody>
+          <a:bodyPr/>
+          <a:lstStyle/>
+          <a:p>
+            <a:r>
+              <a:rPr lang="en-US" dirty="0"/>
+              <a:t>Example: Linear Search</a:t>
+            </a:r>
+          </a:p>
+        </p:txBody>
+      </p:sp>
+      <p:sp>
+        <p:nvSpPr>
+          <p:cNvPr id="4" name="Content Placeholder 3">
+            <a:extLst>
+              <a:ext uri="{FF2B5EF4-FFF2-40B4-BE49-F238E27FC236}">
+                <a16:creationId xmlns:a16="http://schemas.microsoft.com/office/drawing/2014/main" id="{BCDA74D1-54B5-9008-A9C3-0D3162C762E7}"/>
+              </a:ext>
+            </a:extLst>
+          </p:cNvPr>
+          <p:cNvSpPr>
+            <a:spLocks noGrp="1"/>
+          </p:cNvSpPr>
+          <p:nvPr>
+            <p:ph sz="half" idx="2"/>
+          </p:nvPr>
+        </p:nvSpPr>
+        <p:spPr>
+          <a:xfrm>
+            <a:off x="6079157" y="1421180"/>
+            <a:ext cx="5181600" cy="4351338"/>
+          </a:xfrm>
+        </p:spPr>
+        <p:txBody>
+          <a:bodyPr/>
+          <a:lstStyle/>
+          <a:p>
+            <a:pPr marL="0" indent="0">
+              <a:buNone/>
+            </a:pPr>
+            <a:r>
+              <a:rPr lang="en-US" dirty="0"/>
+              <a:t>Find the index of a value in a presorted array/vector.</a:t>
+            </a:r>
+          </a:p>
+          <a:p>
+            <a:endParaRPr lang="en-US" dirty="0"/>
+          </a:p>
+          <a:p>
+            <a:pPr marL="0" indent="0">
+              <a:buNone/>
+            </a:pPr>
+            <a:r>
+              <a:rPr lang="en-US" dirty="0"/>
+              <a:t>Time complexity?</a:t>
+            </a:r>
+          </a:p>
+          <a:p>
+            <a:endParaRPr lang="en-US" dirty="0"/>
+          </a:p>
+        </p:txBody>
+      </p:sp>
+      <p:sp>
+        <p:nvSpPr>
+          <p:cNvPr id="6" name="TextBox 5">
+            <a:extLst>
+              <a:ext uri="{FF2B5EF4-FFF2-40B4-BE49-F238E27FC236}">
+                <a16:creationId xmlns:a16="http://schemas.microsoft.com/office/drawing/2014/main" id="{4B78D726-3253-2DC3-0495-72CDDF4BB825}"/>
+              </a:ext>
+            </a:extLst>
+          </p:cNvPr>
+          <p:cNvSpPr txBox="1"/>
+          <p:nvPr/>
+        </p:nvSpPr>
+        <p:spPr>
+          <a:xfrm>
+            <a:off x="931243" y="1421180"/>
+            <a:ext cx="4391527" cy="2800767"/>
+          </a:xfrm>
+          <a:prstGeom prst="rect">
+            <a:avLst/>
+          </a:prstGeom>
+        </p:spPr>
+        <p:style>
+          <a:lnRef idx="1">
+            <a:schemeClr val="accent4"/>
+          </a:lnRef>
+          <a:fillRef idx="2">
+            <a:schemeClr val="accent4"/>
+          </a:fillRef>
+          <a:effectRef idx="1">
+            <a:schemeClr val="accent4"/>
+          </a:effectRef>
+          <a:fontRef idx="minor">
+            <a:schemeClr val="dk1"/>
+          </a:fontRef>
+        </p:style>
+        <p:txBody>
+          <a:bodyPr wrap="square">
+            <a:spAutoFit/>
+          </a:bodyPr>
+          <a:lstStyle/>
+          <a:p>
+            <a:r>
+              <a:rPr lang="en-US" sz="1600" dirty="0"/>
+              <a:t>template &lt;</a:t>
+            </a:r>
+            <a:r>
+              <a:rPr lang="en-US" sz="1600" dirty="0" err="1"/>
+              <a:t>typename</a:t>
+            </a:r>
+            <a:r>
+              <a:rPr lang="en-US" sz="1600" dirty="0"/>
+              <a:t> Comparable&gt;</a:t>
+            </a:r>
+          </a:p>
+          <a:p>
+            <a:r>
+              <a:rPr lang="en-US" sz="1600" dirty="0"/>
+              <a:t>int </a:t>
+            </a:r>
+            <a:r>
+              <a:rPr lang="en-US" sz="1600" dirty="0" err="1"/>
+              <a:t>linearSearch</a:t>
+            </a:r>
+            <a:r>
+              <a:rPr lang="en-US" sz="1600" dirty="0"/>
+              <a:t>( const vector&lt;Comparable&gt; &amp; a, </a:t>
+            </a:r>
+            <a:br>
+              <a:rPr lang="en-US" sz="1600" dirty="0"/>
+            </a:br>
+            <a:r>
+              <a:rPr lang="en-US" sz="1600" dirty="0"/>
+              <a:t>                                const Comparable &amp; x )</a:t>
+            </a:r>
+          </a:p>
+          <a:p>
+            <a:r>
+              <a:rPr lang="en-US" sz="1600" dirty="0"/>
+              <a:t>{</a:t>
+            </a:r>
+          </a:p>
+          <a:p>
+            <a:r>
+              <a:rPr lang="en-US" sz="1600" dirty="0"/>
+              <a:t>    for(int </a:t>
+            </a:r>
+            <a:r>
+              <a:rPr lang="en-US" sz="1600" dirty="0" err="1"/>
+              <a:t>i</a:t>
+            </a:r>
+            <a:r>
+              <a:rPr lang="en-US" sz="1600" dirty="0"/>
+              <a:t> = 0; </a:t>
+            </a:r>
+            <a:r>
+              <a:rPr lang="en-US" sz="1600" dirty="0" err="1"/>
+              <a:t>i</a:t>
+            </a:r>
+            <a:r>
+              <a:rPr lang="en-US" sz="1600" dirty="0"/>
+              <a:t> &lt; </a:t>
+            </a:r>
+            <a:r>
+              <a:rPr lang="en-US" sz="1600" dirty="0" err="1"/>
+              <a:t>a.size</a:t>
+            </a:r>
+            <a:r>
+              <a:rPr lang="en-US" sz="1600" dirty="0"/>
+              <a:t>(); ++</a:t>
+            </a:r>
+            <a:r>
+              <a:rPr lang="en-US" sz="1600" dirty="0" err="1"/>
+              <a:t>i</a:t>
+            </a:r>
+            <a:r>
+              <a:rPr lang="en-US" sz="1600" dirty="0"/>
+              <a:t>)</a:t>
+            </a:r>
+          </a:p>
+          <a:p>
+            <a:r>
+              <a:rPr lang="en-US" sz="1600" dirty="0"/>
+              <a:t>    {</a:t>
+            </a:r>
+          </a:p>
+          <a:p>
+            <a:r>
+              <a:rPr lang="en-US" sz="1600" dirty="0"/>
+              <a:t>        if( a[ </a:t>
+            </a:r>
+            <a:r>
+              <a:rPr lang="en-US" sz="1600" dirty="0" err="1"/>
+              <a:t>i</a:t>
+            </a:r>
+            <a:r>
+              <a:rPr lang="en-US" sz="1600" dirty="0"/>
+              <a:t> ] == x )     </a:t>
+            </a:r>
+          </a:p>
+          <a:p>
+            <a:r>
+              <a:rPr lang="en-US" sz="1600" dirty="0"/>
+              <a:t>            return </a:t>
+            </a:r>
+            <a:r>
+              <a:rPr lang="en-US" sz="1600" dirty="0" err="1"/>
+              <a:t>i</a:t>
+            </a:r>
+            <a:r>
+              <a:rPr lang="en-US" sz="1600" dirty="0"/>
+              <a:t>;</a:t>
+            </a:r>
+          </a:p>
+          <a:p>
+            <a:r>
+              <a:rPr lang="en-US" sz="1600" dirty="0"/>
+              <a:t>    }</a:t>
+            </a:r>
+          </a:p>
+          <a:p>
+            <a:r>
+              <a:rPr lang="en-US" sz="1600" dirty="0"/>
+              <a:t>    return -1</a:t>
+            </a:r>
+          </a:p>
+          <a:p>
+            <a:r>
+              <a:rPr lang="en-US" sz="1600" dirty="0"/>
+              <a:t>}</a:t>
+            </a:r>
+          </a:p>
+        </p:txBody>
+      </p:sp>
+    </p:spTree>
+    <p:extLst>
+      <p:ext uri="{BB962C8B-B14F-4D97-AF65-F5344CB8AC3E}">
+        <p14:creationId xmlns:p14="http://schemas.microsoft.com/office/powerpoint/2010/main" val="3887539510"/>
+      </p:ext>
+    </p:extLst>
+  </p:cSld>
+  <p:clrMapOvr>
+    <a:masterClrMapping/>
+  </p:clrMapOvr>
+</p:sld>
+</file>
+
+<file path=ppt/slides/slide11.xml><?xml version="1.0" encoding="utf-8"?>
+<p:sld xmlns:a="http://schemas.openxmlformats.org/drawingml/2006/main" xmlns:r="http://schemas.openxmlformats.org/officeDocument/2006/relationships" xmlns:p="http://schemas.openxmlformats.org/presentationml/2006/main">
+  <p:cSld>
+    <p:spTree>
+      <p:nvGrpSpPr>
+        <p:cNvPr id="1" name=""/>
+        <p:cNvGrpSpPr/>
+        <p:nvPr/>
+      </p:nvGrpSpPr>
+      <p:grpSpPr>
+        <a:xfrm>
+          <a:off x="0" y="0"/>
+          <a:ext cx="0" cy="0"/>
+          <a:chOff x="0" y="0"/>
+          <a:chExt cx="0" cy="0"/>
+        </a:xfrm>
+      </p:grpSpPr>
+      <p:sp>
+        <p:nvSpPr>
+          <p:cNvPr id="2" name="Title 1">
+            <a:extLst>
+              <a:ext uri="{FF2B5EF4-FFF2-40B4-BE49-F238E27FC236}">
+                <a16:creationId xmlns:a16="http://schemas.microsoft.com/office/drawing/2014/main" id="{C83F1789-1D72-DBEA-1824-BA71A11E2FEB}"/>
+              </a:ext>
+            </a:extLst>
+          </p:cNvPr>
+          <p:cNvSpPr>
+            <a:spLocks noGrp="1"/>
+          </p:cNvSpPr>
+          <p:nvPr>
+            <p:ph type="title"/>
+          </p:nvPr>
+        </p:nvSpPr>
+        <p:spPr/>
+        <p:txBody>
+          <a:bodyPr/>
+          <a:lstStyle/>
+          <a:p>
+            <a:r>
+              <a:rPr lang="en-US" dirty="0"/>
+              <a:t>Example: Linear Search</a:t>
+            </a:r>
+          </a:p>
+        </p:txBody>
+      </p:sp>
+      <mc:AlternateContent xmlns:mc="http://schemas.openxmlformats.org/markup-compatibility/2006">
+        <mc:Choice xmlns:a14="http://schemas.microsoft.com/office/drawing/2010/main" Requires="a14">
+          <p:sp>
+            <p:nvSpPr>
+              <p:cNvPr id="4" name="Content Placeholder 3">
+                <a:extLst>
+                  <a:ext uri="{FF2B5EF4-FFF2-40B4-BE49-F238E27FC236}">
+                    <a16:creationId xmlns:a16="http://schemas.microsoft.com/office/drawing/2014/main" id="{BCDA74D1-54B5-9008-A9C3-0D3162C762E7}"/>
+                  </a:ext>
+                </a:extLst>
+              </p:cNvPr>
+              <p:cNvSpPr>
+                <a:spLocks noGrp="1"/>
+              </p:cNvSpPr>
+              <p:nvPr>
+                <p:ph sz="half" idx="2"/>
+              </p:nvPr>
+            </p:nvSpPr>
+            <p:spPr>
+              <a:xfrm>
+                <a:off x="6079157" y="1421180"/>
+                <a:ext cx="5181600" cy="4351338"/>
+              </a:xfrm>
+            </p:spPr>
+            <p:txBody>
+              <a:bodyPr>
+                <a:normAutofit/>
+              </a:bodyPr>
+              <a:lstStyle/>
+              <a:p>
+                <a:pPr marL="0" indent="0">
+                  <a:buNone/>
+                </a:pPr>
+                <a:r>
+                  <a:rPr lang="en-US" dirty="0"/>
+                  <a:t>Time complexity?</a:t>
+                </a:r>
+              </a:p>
+              <a:p>
+                <a:endParaRPr lang="en-US" dirty="0"/>
+              </a:p>
+              <a:p>
+                <a:pPr marL="514350" indent="-514350">
+                  <a:lnSpc>
+                    <a:spcPct val="120000"/>
+                  </a:lnSpc>
+                  <a:buAutoNum type="arabicPeriod"/>
+                </a:pPr>
+                <a:r>
+                  <a:rPr lang="en-US" dirty="0"/>
+                  <a:t>Problem size n = size of a represented as high-low.</a:t>
+                </a:r>
+              </a:p>
+              <a:p>
+                <a:pPr marL="514350" indent="-514350">
+                  <a:lnSpc>
+                    <a:spcPct val="120000"/>
+                  </a:lnSpc>
+                  <a:buAutoNum type="arabicPeriod"/>
+                </a:pPr>
+                <a:r>
+                  <a:rPr lang="en-US" dirty="0"/>
+                  <a:t>Worse case is of we do not find the element x. We have to iterate </a:t>
+                </a:r>
+                <a14:m>
+                  <m:oMath xmlns:m="http://schemas.openxmlformats.org/officeDocument/2006/math">
+                    <m:r>
+                      <a:rPr lang="en-US" b="0" i="1" dirty="0" smtClean="0">
+                        <a:latin typeface="Cambria Math" panose="02040503050406030204" pitchFamily="18" charset="0"/>
+                      </a:rPr>
+                      <m:t>𝑛</m:t>
+                    </m:r>
+                  </m:oMath>
+                </a14:m>
+                <a:r>
+                  <a:rPr lang="en-US" dirty="0"/>
+                  <a:t> times </a:t>
+                </a:r>
+                <a14:m>
+                  <m:oMath xmlns:m="http://schemas.openxmlformats.org/officeDocument/2006/math">
+                    <m:r>
+                      <a:rPr lang="en-US" b="0" i="1" smtClean="0">
+                        <a:latin typeface="Cambria Math" panose="02040503050406030204" pitchFamily="18" charset="0"/>
+                      </a:rPr>
+                      <m:t>→</m:t>
+                    </m:r>
+                    <m:r>
+                      <a:rPr lang="en-US" b="0" i="1" smtClean="0">
+                        <a:latin typeface="Cambria Math" panose="02040503050406030204" pitchFamily="18" charset="0"/>
+                      </a:rPr>
+                      <m:t>𝑂</m:t>
+                    </m:r>
+                    <m:r>
+                      <a:rPr lang="en-US" b="0" i="1" smtClean="0">
+                        <a:latin typeface="Cambria Math" panose="02040503050406030204" pitchFamily="18" charset="0"/>
+                      </a:rPr>
+                      <m:t>(</m:t>
+                    </m:r>
+                    <m:r>
+                      <a:rPr lang="en-US" b="0" i="1" smtClean="0">
+                        <a:latin typeface="Cambria Math" panose="02040503050406030204" pitchFamily="18" charset="0"/>
+                      </a:rPr>
+                      <m:t>𝑛</m:t>
+                    </m:r>
+                    <m:r>
+                      <a:rPr lang="en-US" b="0" i="1" smtClean="0">
+                        <a:latin typeface="Cambria Math" panose="02040503050406030204" pitchFamily="18" charset="0"/>
+                      </a:rPr>
+                      <m:t>)</m:t>
+                    </m:r>
+                  </m:oMath>
+                </a14:m>
+                <a:endParaRPr lang="en-US" dirty="0"/>
+              </a:p>
+              <a:p>
+                <a:pPr marL="514350" indent="-514350">
+                  <a:lnSpc>
+                    <a:spcPct val="120000"/>
+                  </a:lnSpc>
+                  <a:buAutoNum type="arabicPeriod"/>
+                </a:pPr>
+                <a:endParaRPr lang="en-US" dirty="0"/>
+              </a:p>
+              <a:p>
+                <a:pPr marL="0" indent="0">
+                  <a:lnSpc>
+                    <a:spcPct val="120000"/>
+                  </a:lnSpc>
+                  <a:buNone/>
+                </a:pPr>
+                <a:endParaRPr lang="en-US" dirty="0"/>
+              </a:p>
+            </p:txBody>
+          </p:sp>
+        </mc:Choice>
+        <mc:Fallback>
+          <p:sp>
+            <p:nvSpPr>
+              <p:cNvPr id="4" name="Content Placeholder 3">
+                <a:extLst>
+                  <a:ext uri="{FF2B5EF4-FFF2-40B4-BE49-F238E27FC236}">
+                    <a16:creationId xmlns:a16="http://schemas.microsoft.com/office/drawing/2014/main" id="{BCDA74D1-54B5-9008-A9C3-0D3162C762E7}"/>
+                  </a:ext>
+                </a:extLst>
+              </p:cNvPr>
+              <p:cNvSpPr>
+                <a:spLocks noGrp="1" noRot="1" noChangeAspect="1" noMove="1" noResize="1" noEditPoints="1" noAdjustHandles="1" noChangeArrowheads="1" noChangeShapeType="1" noTextEdit="1"/>
+              </p:cNvSpPr>
+              <p:nvPr>
+                <p:ph sz="half" idx="2"/>
+              </p:nvPr>
+            </p:nvSpPr>
+            <p:spPr>
+              <a:xfrm>
+                <a:off x="6079157" y="1421180"/>
+                <a:ext cx="5181600" cy="4351338"/>
+              </a:xfrm>
+              <a:blipFill>
+                <a:blip r:embed="rId2"/>
+                <a:stretch>
+                  <a:fillRect l="-2471" t="-2241" r="-1529"/>
+                </a:stretch>
+              </a:blipFill>
+            </p:spPr>
+            <p:txBody>
+              <a:bodyPr/>
+              <a:lstStyle/>
+              <a:p>
+                <a:r>
+                  <a:rPr lang="en-US">
+                    <a:noFill/>
+                  </a:rPr>
+                  <a:t> </a:t>
+                </a:r>
+              </a:p>
+            </p:txBody>
+          </p:sp>
+        </mc:Fallback>
+      </mc:AlternateContent>
+      <p:sp>
+        <p:nvSpPr>
+          <p:cNvPr id="6" name="TextBox 5">
+            <a:extLst>
+              <a:ext uri="{FF2B5EF4-FFF2-40B4-BE49-F238E27FC236}">
+                <a16:creationId xmlns:a16="http://schemas.microsoft.com/office/drawing/2014/main" id="{4B78D726-3253-2DC3-0495-72CDDF4BB825}"/>
+              </a:ext>
+            </a:extLst>
+          </p:cNvPr>
+          <p:cNvSpPr txBox="1"/>
+          <p:nvPr/>
+        </p:nvSpPr>
+        <p:spPr>
+          <a:xfrm>
+            <a:off x="931243" y="1421180"/>
+            <a:ext cx="4391527" cy="2800767"/>
+          </a:xfrm>
+          <a:prstGeom prst="rect">
+            <a:avLst/>
+          </a:prstGeom>
+        </p:spPr>
+        <p:style>
+          <a:lnRef idx="1">
+            <a:schemeClr val="accent4"/>
+          </a:lnRef>
+          <a:fillRef idx="2">
+            <a:schemeClr val="accent4"/>
+          </a:fillRef>
+          <a:effectRef idx="1">
+            <a:schemeClr val="accent4"/>
+          </a:effectRef>
+          <a:fontRef idx="minor">
+            <a:schemeClr val="dk1"/>
+          </a:fontRef>
+        </p:style>
+        <p:txBody>
+          <a:bodyPr wrap="square">
+            <a:spAutoFit/>
+          </a:bodyPr>
+          <a:lstStyle/>
+          <a:p>
+            <a:r>
+              <a:rPr lang="en-US" sz="1600" dirty="0"/>
+              <a:t>template &lt;</a:t>
+            </a:r>
+            <a:r>
+              <a:rPr lang="en-US" sz="1600" dirty="0" err="1"/>
+              <a:t>typename</a:t>
+            </a:r>
+            <a:r>
+              <a:rPr lang="en-US" sz="1600" dirty="0"/>
+              <a:t> Comparable&gt;</a:t>
+            </a:r>
+          </a:p>
+          <a:p>
+            <a:r>
+              <a:rPr lang="en-US" sz="1600" dirty="0"/>
+              <a:t>int </a:t>
+            </a:r>
+            <a:r>
+              <a:rPr lang="en-US" sz="1600" dirty="0" err="1"/>
+              <a:t>linearSearch</a:t>
+            </a:r>
+            <a:r>
+              <a:rPr lang="en-US" sz="1600" dirty="0"/>
+              <a:t>( const vector&lt;Comparable&gt; &amp; a, </a:t>
+            </a:r>
+            <a:br>
+              <a:rPr lang="en-US" sz="1600" dirty="0"/>
+            </a:br>
+            <a:r>
+              <a:rPr lang="en-US" sz="1600" dirty="0"/>
+              <a:t>                                const Comparable &amp; x )</a:t>
+            </a:r>
+          </a:p>
+          <a:p>
+            <a:r>
+              <a:rPr lang="en-US" sz="1600" dirty="0"/>
+              <a:t>{</a:t>
+            </a:r>
+          </a:p>
+          <a:p>
+            <a:r>
+              <a:rPr lang="en-US" sz="1600" dirty="0"/>
+              <a:t>    for(int </a:t>
+            </a:r>
+            <a:r>
+              <a:rPr lang="en-US" sz="1600" dirty="0" err="1"/>
+              <a:t>i</a:t>
+            </a:r>
+            <a:r>
+              <a:rPr lang="en-US" sz="1600" dirty="0"/>
+              <a:t> = 0; </a:t>
+            </a:r>
+            <a:r>
+              <a:rPr lang="en-US" sz="1600" dirty="0" err="1"/>
+              <a:t>i</a:t>
+            </a:r>
+            <a:r>
+              <a:rPr lang="en-US" sz="1600" dirty="0"/>
+              <a:t> &lt; </a:t>
+            </a:r>
+            <a:r>
+              <a:rPr lang="en-US" sz="1600" dirty="0" err="1"/>
+              <a:t>a.size</a:t>
+            </a:r>
+            <a:r>
+              <a:rPr lang="en-US" sz="1600" dirty="0"/>
+              <a:t>(); ++</a:t>
+            </a:r>
+            <a:r>
+              <a:rPr lang="en-US" sz="1600" dirty="0" err="1"/>
+              <a:t>i</a:t>
+            </a:r>
+            <a:r>
+              <a:rPr lang="en-US" sz="1600" dirty="0"/>
+              <a:t>)</a:t>
+            </a:r>
+          </a:p>
+          <a:p>
+            <a:r>
+              <a:rPr lang="en-US" sz="1600" dirty="0"/>
+              <a:t>    {</a:t>
+            </a:r>
+          </a:p>
+          <a:p>
+            <a:r>
+              <a:rPr lang="en-US" sz="1600" dirty="0"/>
+              <a:t>        if( a[ </a:t>
+            </a:r>
+            <a:r>
+              <a:rPr lang="en-US" sz="1600" dirty="0" err="1"/>
+              <a:t>i</a:t>
+            </a:r>
+            <a:r>
+              <a:rPr lang="en-US" sz="1600" dirty="0"/>
+              <a:t> ] == x )     </a:t>
+            </a:r>
+          </a:p>
+          <a:p>
+            <a:r>
+              <a:rPr lang="en-US" sz="1600" dirty="0"/>
+              <a:t>            return </a:t>
+            </a:r>
+            <a:r>
+              <a:rPr lang="en-US" sz="1600" dirty="0" err="1"/>
+              <a:t>i</a:t>
+            </a:r>
+            <a:r>
+              <a:rPr lang="en-US" sz="1600" dirty="0"/>
+              <a:t>;</a:t>
+            </a:r>
+          </a:p>
+          <a:p>
+            <a:r>
+              <a:rPr lang="en-US" sz="1600" dirty="0"/>
+              <a:t>    }</a:t>
+            </a:r>
+          </a:p>
+          <a:p>
+            <a:r>
+              <a:rPr lang="en-US" sz="1600" dirty="0"/>
+              <a:t>    return -1</a:t>
+            </a:r>
+          </a:p>
+          <a:p>
+            <a:r>
+              <a:rPr lang="en-US" sz="1600" dirty="0"/>
+              <a:t>}</a:t>
+            </a:r>
+          </a:p>
+        </p:txBody>
+      </p:sp>
+    </p:spTree>
+    <p:extLst>
+      <p:ext uri="{BB962C8B-B14F-4D97-AF65-F5344CB8AC3E}">
+        <p14:creationId xmlns:p14="http://schemas.microsoft.com/office/powerpoint/2010/main" val="684650970"/>
+      </p:ext>
+    </p:extLst>
+  </p:cSld>
+  <p:clrMapOvr>
+    <a:masterClrMapping/>
+  </p:clrMapOvr>
+</p:sld>
+</file>
+
+<file path=ppt/slides/slide12.xml><?xml version="1.0" encoding="utf-8"?>
+<p:sld xmlns:a="http://schemas.openxmlformats.org/drawingml/2006/main" xmlns:r="http://schemas.openxmlformats.org/officeDocument/2006/relationships" xmlns:p="http://schemas.openxmlformats.org/presentationml/2006/main">
+  <p:cSld>
+    <p:spTree>
+      <p:nvGrpSpPr>
+        <p:cNvPr id="1" name=""/>
+        <p:cNvGrpSpPr/>
+        <p:nvPr/>
+      </p:nvGrpSpPr>
+      <p:grpSpPr>
+        <a:xfrm>
+          <a:off x="0" y="0"/>
+          <a:ext cx="0" cy="0"/>
+          <a:chOff x="0" y="0"/>
+          <a:chExt cx="0" cy="0"/>
+        </a:xfrm>
+      </p:grpSpPr>
+      <p:sp>
+        <p:nvSpPr>
+          <p:cNvPr id="2" name="Title 1">
+            <a:extLst>
+              <a:ext uri="{FF2B5EF4-FFF2-40B4-BE49-F238E27FC236}">
+                <a16:creationId xmlns:a16="http://schemas.microsoft.com/office/drawing/2014/main" id="{C83F1789-1D72-DBEA-1824-BA71A11E2FEB}"/>
+              </a:ext>
+            </a:extLst>
+          </p:cNvPr>
+          <p:cNvSpPr>
+            <a:spLocks noGrp="1"/>
+          </p:cNvSpPr>
+          <p:nvPr>
+            <p:ph type="title"/>
+          </p:nvPr>
+        </p:nvSpPr>
+        <p:spPr/>
+        <p:txBody>
+          <a:bodyPr/>
+          <a:lstStyle/>
+          <a:p>
+            <a:r>
+              <a:rPr lang="en-US" dirty="0"/>
+              <a:t>Example: Binary Search</a:t>
+            </a:r>
+          </a:p>
+        </p:txBody>
+      </p:sp>
+      <p:sp>
+        <p:nvSpPr>
+          <p:cNvPr id="4" name="Content Placeholder 3">
+            <a:extLst>
+              <a:ext uri="{FF2B5EF4-FFF2-40B4-BE49-F238E27FC236}">
+                <a16:creationId xmlns:a16="http://schemas.microsoft.com/office/drawing/2014/main" id="{BCDA74D1-54B5-9008-A9C3-0D3162C762E7}"/>
+              </a:ext>
+            </a:extLst>
+          </p:cNvPr>
+          <p:cNvSpPr>
+            <a:spLocks noGrp="1"/>
+          </p:cNvSpPr>
+          <p:nvPr>
+            <p:ph sz="half" idx="2"/>
+          </p:nvPr>
+        </p:nvSpPr>
+        <p:spPr>
+          <a:xfrm>
+            <a:off x="6079157" y="1421180"/>
+            <a:ext cx="5181600" cy="4351338"/>
+          </a:xfrm>
+        </p:spPr>
+        <p:txBody>
+          <a:bodyPr/>
+          <a:lstStyle/>
+          <a:p>
+            <a:pPr marL="0" indent="0">
+              <a:buNone/>
+            </a:pPr>
+            <a:r>
+              <a:rPr lang="en-US" dirty="0"/>
+              <a:t>Find the index of a value in a presorted array/vector.</a:t>
+            </a:r>
+          </a:p>
+          <a:p>
+            <a:endParaRPr lang="en-US" dirty="0"/>
+          </a:p>
+          <a:p>
+            <a:pPr marL="0" indent="0">
+              <a:buNone/>
+            </a:pPr>
+            <a:r>
+              <a:rPr lang="en-US" dirty="0"/>
+              <a:t>Time complexity?</a:t>
+            </a:r>
+          </a:p>
+          <a:p>
+            <a:endParaRPr lang="en-US" dirty="0"/>
+          </a:p>
+        </p:txBody>
+      </p:sp>
+      <p:sp>
+        <p:nvSpPr>
+          <p:cNvPr id="6" name="TextBox 5">
+            <a:extLst>
+              <a:ext uri="{FF2B5EF4-FFF2-40B4-BE49-F238E27FC236}">
+                <a16:creationId xmlns:a16="http://schemas.microsoft.com/office/drawing/2014/main" id="{4B78D726-3253-2DC3-0495-72CDDF4BB825}"/>
+              </a:ext>
+            </a:extLst>
+          </p:cNvPr>
+          <p:cNvSpPr txBox="1"/>
+          <p:nvPr/>
+        </p:nvSpPr>
+        <p:spPr>
+          <a:xfrm>
+            <a:off x="931243" y="1421180"/>
+            <a:ext cx="4391527" cy="4924425"/>
+          </a:xfrm>
+          <a:prstGeom prst="rect">
+            <a:avLst/>
+          </a:prstGeom>
+        </p:spPr>
+        <p:style>
+          <a:lnRef idx="1">
+            <a:schemeClr val="accent4"/>
+          </a:lnRef>
+          <a:fillRef idx="2">
+            <a:schemeClr val="accent4"/>
+          </a:fillRef>
+          <a:effectRef idx="1">
+            <a:schemeClr val="accent4"/>
+          </a:effectRef>
+          <a:fontRef idx="minor">
+            <a:schemeClr val="dk1"/>
+          </a:fontRef>
+        </p:style>
+        <p:txBody>
+          <a:bodyPr wrap="square">
+            <a:spAutoFit/>
+          </a:bodyPr>
+          <a:lstStyle/>
+          <a:p>
+            <a:r>
+              <a:rPr lang="en-US" sz="1600" dirty="0"/>
+              <a:t>template &lt;</a:t>
+            </a:r>
+            <a:r>
+              <a:rPr lang="en-US" sz="1600" dirty="0" err="1"/>
+              <a:t>typename</a:t>
+            </a:r>
+            <a:r>
+              <a:rPr lang="en-US" sz="1600" dirty="0"/>
+              <a:t> Comparable&gt;</a:t>
+            </a:r>
+          </a:p>
+          <a:p>
+            <a:r>
+              <a:rPr lang="en-US" sz="1600" dirty="0"/>
+              <a:t>int </a:t>
+            </a:r>
+            <a:r>
+              <a:rPr lang="en-US" sz="1600" dirty="0" err="1"/>
+              <a:t>binarySearch</a:t>
+            </a:r>
+            <a:r>
+              <a:rPr lang="en-US" sz="1600" dirty="0"/>
+              <a:t>( const vector&lt;Comparable&gt; &amp; a, </a:t>
+            </a:r>
+            <a:br>
+              <a:rPr lang="en-US" sz="1600" dirty="0"/>
+            </a:br>
+            <a:r>
+              <a:rPr lang="en-US" sz="1600" dirty="0"/>
+              <a:t>                                const Comparable &amp; x )</a:t>
+            </a:r>
+          </a:p>
+          <a:p>
+            <a:r>
+              <a:rPr lang="en-US" sz="1600" dirty="0"/>
+              <a:t>{</a:t>
+            </a:r>
+          </a:p>
+          <a:p>
+            <a:r>
+              <a:rPr lang="en-US" sz="1600" dirty="0"/>
+              <a:t>    int low = 0, high = </a:t>
+            </a:r>
+            <a:r>
+              <a:rPr lang="en-US" sz="1600" dirty="0" err="1"/>
+              <a:t>a.size</a:t>
+            </a:r>
+            <a:r>
+              <a:rPr lang="en-US" sz="1600" dirty="0"/>
+              <a:t>( ) - 1;</a:t>
+            </a:r>
+          </a:p>
+          <a:p>
+            <a:endParaRPr lang="en-US" sz="1600" dirty="0"/>
+          </a:p>
+          <a:p>
+            <a:r>
+              <a:rPr lang="en-US" sz="1600" dirty="0"/>
+              <a:t>    while( low &lt;= high )</a:t>
+            </a:r>
+          </a:p>
+          <a:p>
+            <a:r>
+              <a:rPr lang="en-US" sz="1600" dirty="0"/>
+              <a:t>    {</a:t>
+            </a:r>
+          </a:p>
+          <a:p>
+            <a:r>
+              <a:rPr lang="en-US" sz="1600" dirty="0"/>
+              <a:t>        int mid = ( low + high ) / 2;</a:t>
+            </a:r>
+          </a:p>
+          <a:p>
+            <a:endParaRPr lang="en-US" sz="1600" dirty="0"/>
+          </a:p>
+          <a:p>
+            <a:r>
+              <a:rPr lang="en-US" sz="1600" dirty="0"/>
+              <a:t>        if( a[ mid ] &lt; x )</a:t>
+            </a:r>
+          </a:p>
+          <a:p>
+            <a:r>
+              <a:rPr lang="en-US" sz="1600" dirty="0"/>
+              <a:t>            low = mid + 1;</a:t>
+            </a:r>
+          </a:p>
+          <a:p>
+            <a:r>
+              <a:rPr lang="en-US" sz="1600" dirty="0"/>
+              <a:t>        else if( a[ mid ] &gt; x )</a:t>
+            </a:r>
+          </a:p>
+          <a:p>
+            <a:r>
+              <a:rPr lang="en-US" sz="1600" dirty="0"/>
+              <a:t>            high = mid - 1;</a:t>
+            </a:r>
+          </a:p>
+          <a:p>
+            <a:r>
+              <a:rPr lang="en-US" sz="1600" dirty="0"/>
+              <a:t>        else</a:t>
+            </a:r>
+          </a:p>
+          <a:p>
+            <a:r>
+              <a:rPr lang="en-US" sz="1600" dirty="0"/>
+              <a:t>            return mid;   // Found</a:t>
+            </a:r>
+          </a:p>
+          <a:p>
+            <a:r>
+              <a:rPr lang="en-US" sz="1600" dirty="0"/>
+              <a:t>    }</a:t>
+            </a:r>
+          </a:p>
+          <a:p>
+            <a:r>
+              <a:rPr lang="en-US" sz="1600" dirty="0"/>
+              <a:t>    return -1</a:t>
+            </a:r>
+          </a:p>
+          <a:p>
+            <a:r>
+              <a:rPr lang="en-US" sz="1600" dirty="0"/>
+              <a:t>}</a:t>
+            </a:r>
+          </a:p>
+        </p:txBody>
+      </p:sp>
+    </p:spTree>
+    <p:extLst>
+      <p:ext uri="{BB962C8B-B14F-4D97-AF65-F5344CB8AC3E}">
+        <p14:creationId xmlns:p14="http://schemas.microsoft.com/office/powerpoint/2010/main" val="4006350481"/>
+      </p:ext>
+    </p:extLst>
+  </p:cSld>
+  <p:clrMapOvr>
+    <a:masterClrMapping/>
+  </p:clrMapOvr>
+</p:sld>
+</file>
+
+<file path=ppt/slides/slide13.xml><?xml version="1.0" encoding="utf-8"?>
+<p:sld xmlns:a="http://schemas.openxmlformats.org/drawingml/2006/main" xmlns:r="http://schemas.openxmlformats.org/officeDocument/2006/relationships" xmlns:p="http://schemas.openxmlformats.org/presentationml/2006/main">
+  <p:cSld>
+    <p:spTree>
+      <p:nvGrpSpPr>
+        <p:cNvPr id="1" name=""/>
+        <p:cNvGrpSpPr/>
+        <p:nvPr/>
+      </p:nvGrpSpPr>
+      <p:grpSpPr>
+        <a:xfrm>
+          <a:off x="0" y="0"/>
+          <a:ext cx="0" cy="0"/>
+          <a:chOff x="0" y="0"/>
+          <a:chExt cx="0" cy="0"/>
+        </a:xfrm>
+      </p:grpSpPr>
+      <p:sp>
+        <p:nvSpPr>
+          <p:cNvPr id="2" name="Title 1">
+            <a:extLst>
+              <a:ext uri="{FF2B5EF4-FFF2-40B4-BE49-F238E27FC236}">
+                <a16:creationId xmlns:a16="http://schemas.microsoft.com/office/drawing/2014/main" id="{C83F1789-1D72-DBEA-1824-BA71A11E2FEB}"/>
+              </a:ext>
+            </a:extLst>
+          </p:cNvPr>
+          <p:cNvSpPr>
+            <a:spLocks noGrp="1"/>
+          </p:cNvSpPr>
+          <p:nvPr>
+            <p:ph type="title"/>
+          </p:nvPr>
+        </p:nvSpPr>
+        <p:spPr/>
+        <p:txBody>
+          <a:bodyPr/>
+          <a:lstStyle/>
+          <a:p>
+            <a:r>
+              <a:rPr lang="en-US" dirty="0"/>
+              <a:t>Example: Binary Search</a:t>
+            </a:r>
+          </a:p>
+        </p:txBody>
+      </p:sp>
+      <mc:AlternateContent xmlns:mc="http://schemas.openxmlformats.org/markup-compatibility/2006">
+        <mc:Choice xmlns:a14="http://schemas.microsoft.com/office/drawing/2010/main" Requires="a14">
+          <p:sp>
+            <p:nvSpPr>
+              <p:cNvPr id="4" name="Content Placeholder 3">
+                <a:extLst>
+                  <a:ext uri="{FF2B5EF4-FFF2-40B4-BE49-F238E27FC236}">
+                    <a16:creationId xmlns:a16="http://schemas.microsoft.com/office/drawing/2014/main" id="{BCDA74D1-54B5-9008-A9C3-0D3162C762E7}"/>
+                  </a:ext>
+                </a:extLst>
+              </p:cNvPr>
+              <p:cNvSpPr>
+                <a:spLocks noGrp="1"/>
+              </p:cNvSpPr>
+              <p:nvPr>
+                <p:ph sz="half" idx="2"/>
+              </p:nvPr>
+            </p:nvSpPr>
+            <p:spPr>
+              <a:xfrm>
+                <a:off x="6079157" y="1421179"/>
+                <a:ext cx="5181600" cy="5071695"/>
+              </a:xfrm>
+            </p:spPr>
+            <p:txBody>
+              <a:bodyPr>
+                <a:normAutofit fontScale="55000" lnSpcReduction="20000"/>
+              </a:bodyPr>
+              <a:lstStyle/>
+              <a:p>
+                <a:pPr marL="0" indent="0">
+                  <a:lnSpc>
+                    <a:spcPct val="120000"/>
+                  </a:lnSpc>
+                  <a:buNone/>
+                </a:pPr>
+                <a:r>
+                  <a:rPr lang="en-US" sz="3800" dirty="0"/>
+                  <a:t>Time complexity?</a:t>
+                </a:r>
+              </a:p>
+              <a:p>
+                <a:pPr marL="0" indent="0">
+                  <a:lnSpc>
+                    <a:spcPct val="120000"/>
+                  </a:lnSpc>
+                  <a:buNone/>
+                </a:pPr>
+                <a:endParaRPr lang="en-US" dirty="0"/>
+              </a:p>
+              <a:p>
+                <a:pPr marL="514350" indent="-514350">
+                  <a:lnSpc>
+                    <a:spcPct val="120000"/>
+                  </a:lnSpc>
+                  <a:buAutoNum type="arabicPeriod"/>
+                </a:pPr>
+                <a:r>
+                  <a:rPr lang="en-US" dirty="0"/>
+                  <a:t>Problem size n = size of a represented as high-low.</a:t>
+                </a:r>
+              </a:p>
+              <a:p>
+                <a:pPr marL="514350" indent="-514350">
+                  <a:lnSpc>
+                    <a:spcPct val="120000"/>
+                  </a:lnSpc>
+                  <a:buAutoNum type="arabicPeriod"/>
+                </a:pPr>
+                <a:r>
+                  <a:rPr lang="en-US" dirty="0"/>
+                  <a:t>Worse case is of we do not find the element x.</a:t>
+                </a:r>
+              </a:p>
+              <a:p>
+                <a:pPr marL="514350" indent="-514350">
+                  <a:lnSpc>
+                    <a:spcPct val="120000"/>
+                  </a:lnSpc>
+                  <a:buAutoNum type="arabicPeriod"/>
+                </a:pPr>
+                <a:r>
+                  <a:rPr lang="en-US" dirty="0"/>
+                  <a:t>In ever iteration, high-low halves so we get:</a:t>
+                </a:r>
+                <a:br>
+                  <a:rPr lang="en-US" dirty="0"/>
+                </a:br>
+                <a14:m>
+                  <m:oMath xmlns:m="http://schemas.openxmlformats.org/officeDocument/2006/math">
+                    <m:r>
+                      <a:rPr lang="en-US" b="0" i="1" dirty="0" smtClean="0">
+                        <a:latin typeface="Cambria Math" panose="02040503050406030204" pitchFamily="18" charset="0"/>
+                      </a:rPr>
+                      <m:t>𝑛</m:t>
+                    </m:r>
+                    <m:r>
+                      <a:rPr lang="en-US" b="0" i="1" dirty="0" smtClean="0">
+                        <a:latin typeface="Cambria Math" panose="02040503050406030204" pitchFamily="18" charset="0"/>
+                      </a:rPr>
+                      <m:t>, </m:t>
+                    </m:r>
+                    <m:f>
+                      <m:fPr>
+                        <m:ctrlPr>
+                          <a:rPr lang="en-US" i="1" dirty="0" smtClean="0">
+                            <a:latin typeface="Cambria Math" panose="02040503050406030204" pitchFamily="18" charset="0"/>
+                          </a:rPr>
+                        </m:ctrlPr>
+                      </m:fPr>
+                      <m:num>
+                        <m:r>
+                          <a:rPr lang="en-US" b="0" i="1" dirty="0" smtClean="0">
+                            <a:latin typeface="Cambria Math" panose="02040503050406030204" pitchFamily="18" charset="0"/>
+                          </a:rPr>
+                          <m:t>𝑛</m:t>
+                        </m:r>
+                      </m:num>
+                      <m:den>
+                        <m:r>
+                          <a:rPr lang="en-US" b="0" i="1" dirty="0" smtClean="0">
+                            <a:latin typeface="Cambria Math" panose="02040503050406030204" pitchFamily="18" charset="0"/>
+                          </a:rPr>
+                          <m:t>2</m:t>
+                        </m:r>
+                      </m:den>
+                    </m:f>
+                    <m:r>
+                      <a:rPr lang="en-US" i="1" dirty="0" smtClean="0">
+                        <a:latin typeface="Cambria Math" panose="02040503050406030204" pitchFamily="18" charset="0"/>
+                      </a:rPr>
+                      <m:t>, </m:t>
+                    </m:r>
+                    <m:f>
+                      <m:fPr>
+                        <m:ctrlPr>
+                          <a:rPr lang="en-US" i="1" dirty="0" smtClean="0">
+                            <a:latin typeface="Cambria Math" panose="02040503050406030204" pitchFamily="18" charset="0"/>
+                          </a:rPr>
+                        </m:ctrlPr>
+                      </m:fPr>
+                      <m:num>
+                        <m:r>
+                          <a:rPr lang="en-US" b="0" i="1" dirty="0" smtClean="0">
+                            <a:latin typeface="Cambria Math" panose="02040503050406030204" pitchFamily="18" charset="0"/>
+                          </a:rPr>
+                          <m:t>𝑛</m:t>
+                        </m:r>
+                      </m:num>
+                      <m:den>
+                        <m:r>
+                          <a:rPr lang="en-US" b="0" i="1" dirty="0" smtClean="0">
+                            <a:latin typeface="Cambria Math" panose="02040503050406030204" pitchFamily="18" charset="0"/>
+                          </a:rPr>
+                          <m:t>4</m:t>
+                        </m:r>
+                      </m:den>
+                    </m:f>
+                    <m:r>
+                      <a:rPr lang="en-US" b="0" i="1" dirty="0" smtClean="0">
+                        <a:latin typeface="Cambria Math" panose="02040503050406030204" pitchFamily="18" charset="0"/>
+                      </a:rPr>
+                      <m:t>,</m:t>
+                    </m:r>
+                    <m:r>
+                      <a:rPr lang="en-US" i="1" dirty="0" smtClean="0">
+                        <a:latin typeface="Cambria Math" panose="02040503050406030204" pitchFamily="18" charset="0"/>
+                      </a:rPr>
+                      <m:t> … 1</m:t>
+                    </m:r>
+                  </m:oMath>
+                </a14:m>
+                <a:br>
+                  <a:rPr lang="en-US" dirty="0"/>
+                </a:br>
+                <a:endParaRPr lang="en-US" dirty="0"/>
+              </a:p>
+              <a:p>
+                <a:pPr marL="514350" indent="-514350">
+                  <a:lnSpc>
+                    <a:spcPct val="120000"/>
+                  </a:lnSpc>
+                  <a:buAutoNum type="arabicPeriod"/>
+                </a:pPr>
+                <a:r>
+                  <a:rPr lang="en-US" dirty="0"/>
+                  <a:t>It takes </a:t>
+                </a:r>
+                <a14:m>
+                  <m:oMath xmlns:m="http://schemas.openxmlformats.org/officeDocument/2006/math">
+                    <m:r>
+                      <a:rPr lang="en-US" i="1" dirty="0" smtClean="0">
+                        <a:latin typeface="Cambria Math" panose="02040503050406030204" pitchFamily="18" charset="0"/>
+                      </a:rPr>
+                      <m:t>𝑘</m:t>
+                    </m:r>
+                  </m:oMath>
+                </a14:m>
+                <a:r>
+                  <a:rPr lang="en-US" dirty="0"/>
+                  <a:t> steps to got form </a:t>
+                </a:r>
+                <a14:m>
+                  <m:oMath xmlns:m="http://schemas.openxmlformats.org/officeDocument/2006/math">
+                    <m:r>
+                      <a:rPr lang="en-US" i="1" dirty="0" smtClean="0">
+                        <a:latin typeface="Cambria Math" panose="02040503050406030204" pitchFamily="18" charset="0"/>
+                      </a:rPr>
+                      <m:t>𝑁</m:t>
+                    </m:r>
+                  </m:oMath>
+                </a14:m>
+                <a:r>
+                  <a:rPr lang="en-US" dirty="0"/>
+                  <a:t> to 1: </a:t>
+                </a:r>
+                <a:br>
+                  <a:rPr lang="en-US" i="1" dirty="0">
+                    <a:latin typeface="Cambria Math" panose="02040503050406030204" pitchFamily="18" charset="0"/>
+                  </a:rPr>
+                </a:br>
+                <a14:m>
+                  <m:oMath xmlns:m="http://schemas.openxmlformats.org/officeDocument/2006/math">
+                    <m:r>
+                      <a:rPr lang="pt-BR" i="1" dirty="0" smtClean="0">
+                        <a:latin typeface="Cambria Math" panose="02040503050406030204" pitchFamily="18" charset="0"/>
+                      </a:rPr>
+                      <m:t> </m:t>
+                    </m:r>
+                    <m:f>
+                      <m:fPr>
+                        <m:ctrlPr>
+                          <a:rPr lang="pt-BR" i="1" dirty="0" smtClean="0">
+                            <a:latin typeface="Cambria Math" panose="02040503050406030204" pitchFamily="18" charset="0"/>
+                          </a:rPr>
+                        </m:ctrlPr>
+                      </m:fPr>
+                      <m:num>
+                        <m:r>
+                          <a:rPr lang="en-US" b="0" i="1" dirty="0" smtClean="0">
+                            <a:latin typeface="Cambria Math" panose="02040503050406030204" pitchFamily="18" charset="0"/>
+                          </a:rPr>
+                          <m:t>𝑛</m:t>
+                        </m:r>
+                      </m:num>
+                      <m:den>
+                        <m:sSup>
+                          <m:sSupPr>
+                            <m:ctrlPr>
+                              <a:rPr lang="en-US" b="0" i="1" dirty="0" smtClean="0">
+                                <a:latin typeface="Cambria Math" panose="02040503050406030204" pitchFamily="18" charset="0"/>
+                              </a:rPr>
+                            </m:ctrlPr>
+                          </m:sSupPr>
+                          <m:e>
+                            <m:r>
+                              <a:rPr lang="en-US" b="0" i="1" dirty="0" smtClean="0">
+                                <a:latin typeface="Cambria Math" panose="02040503050406030204" pitchFamily="18" charset="0"/>
+                              </a:rPr>
+                              <m:t>2</m:t>
+                            </m:r>
+                          </m:e>
+                          <m:sup>
+                            <m:r>
+                              <a:rPr lang="en-US" b="0" i="1" dirty="0" smtClean="0">
+                                <a:latin typeface="Cambria Math" panose="02040503050406030204" pitchFamily="18" charset="0"/>
+                              </a:rPr>
+                              <m:t>𝑘</m:t>
+                            </m:r>
+                          </m:sup>
+                        </m:sSup>
+                      </m:den>
+                    </m:f>
+                    <m:r>
+                      <a:rPr lang="pt-BR" i="1" dirty="0" smtClean="0">
+                        <a:latin typeface="Cambria Math" panose="02040503050406030204" pitchFamily="18" charset="0"/>
+                      </a:rPr>
+                      <m:t>= 1</m:t>
+                    </m:r>
+                  </m:oMath>
+                </a14:m>
+                <a:br>
+                  <a:rPr lang="pt-BR" dirty="0"/>
+                </a:br>
+                <a14:m>
+                  <m:oMath xmlns:m="http://schemas.openxmlformats.org/officeDocument/2006/math">
+                    <m:r>
+                      <a:rPr lang="en-US" b="0" i="1" dirty="0" smtClean="0">
+                        <a:latin typeface="Cambria Math" panose="02040503050406030204" pitchFamily="18" charset="0"/>
+                      </a:rPr>
+                      <m:t>𝑛</m:t>
+                    </m:r>
+                    <m:r>
+                      <a:rPr lang="pt-BR" i="1" dirty="0" smtClean="0">
+                        <a:latin typeface="Cambria Math" panose="02040503050406030204" pitchFamily="18" charset="0"/>
+                      </a:rPr>
+                      <m:t> =</m:t>
+                    </m:r>
+                    <m:sSup>
+                      <m:sSupPr>
+                        <m:ctrlPr>
+                          <a:rPr lang="en-US" b="0" i="1" dirty="0" smtClean="0">
+                            <a:latin typeface="Cambria Math" panose="02040503050406030204" pitchFamily="18" charset="0"/>
+                          </a:rPr>
+                        </m:ctrlPr>
+                      </m:sSupPr>
+                      <m:e>
+                        <m:r>
+                          <a:rPr lang="en-US" b="0" i="1" dirty="0" smtClean="0">
+                            <a:latin typeface="Cambria Math" panose="02040503050406030204" pitchFamily="18" charset="0"/>
+                          </a:rPr>
+                          <m:t>2</m:t>
+                        </m:r>
+                      </m:e>
+                      <m:sup>
+                        <m:r>
+                          <a:rPr lang="en-US" b="0" i="1" dirty="0" smtClean="0">
+                            <a:latin typeface="Cambria Math" panose="02040503050406030204" pitchFamily="18" charset="0"/>
+                          </a:rPr>
+                          <m:t>𝑘</m:t>
+                        </m:r>
+                      </m:sup>
+                    </m:sSup>
+                  </m:oMath>
+                </a14:m>
+                <a:br>
+                  <a:rPr lang="en-US" b="0" dirty="0"/>
+                </a:br>
+                <a14:m>
+                  <m:oMath xmlns:m="http://schemas.openxmlformats.org/officeDocument/2006/math">
+                    <m:r>
+                      <a:rPr lang="en-US" b="0" i="1" smtClean="0">
+                        <a:latin typeface="Cambria Math" panose="02040503050406030204" pitchFamily="18" charset="0"/>
+                      </a:rPr>
+                      <m:t>𝑘</m:t>
+                    </m:r>
+                    <m:r>
+                      <a:rPr lang="en-US" b="0" i="1" smtClean="0">
+                        <a:latin typeface="Cambria Math" panose="02040503050406030204" pitchFamily="18" charset="0"/>
+                      </a:rPr>
+                      <m:t>=</m:t>
+                    </m:r>
+                    <m:f>
+                      <m:fPr>
+                        <m:ctrlPr>
+                          <a:rPr lang="en-US" b="0" i="1" smtClean="0">
+                            <a:latin typeface="Cambria Math" panose="02040503050406030204" pitchFamily="18" charset="0"/>
+                          </a:rPr>
+                        </m:ctrlPr>
+                      </m:fPr>
+                      <m:num>
+                        <m:func>
+                          <m:funcPr>
+                            <m:ctrlPr>
+                              <a:rPr lang="en-US" i="1">
+                                <a:latin typeface="Cambria Math" panose="02040503050406030204" pitchFamily="18" charset="0"/>
+                              </a:rPr>
+                            </m:ctrlPr>
+                          </m:funcPr>
+                          <m:fName>
+                            <m:sSub>
+                              <m:sSubPr>
+                                <m:ctrlPr>
+                                  <a:rPr lang="en-US" i="1">
+                                    <a:latin typeface="Cambria Math" panose="02040503050406030204" pitchFamily="18" charset="0"/>
+                                  </a:rPr>
+                                </m:ctrlPr>
+                              </m:sSubPr>
+                              <m:e>
+                                <m:r>
+                                  <m:rPr>
+                                    <m:sty m:val="p"/>
+                                  </m:rPr>
+                                  <a:rPr lang="en-US">
+                                    <a:latin typeface="Cambria Math" panose="02040503050406030204" pitchFamily="18" charset="0"/>
+                                  </a:rPr>
+                                  <m:t>log</m:t>
+                                </m:r>
+                              </m:e>
+                              <m:sub>
+                                <m:r>
+                                  <a:rPr lang="en-US" i="1">
+                                    <a:latin typeface="Cambria Math" panose="02040503050406030204" pitchFamily="18" charset="0"/>
+                                  </a:rPr>
+                                  <m:t>2</m:t>
+                                </m:r>
+                              </m:sub>
+                            </m:sSub>
+                          </m:fName>
+                          <m:e>
+                            <m:r>
+                              <a:rPr lang="en-US" b="0" i="1" smtClean="0">
+                                <a:latin typeface="Cambria Math" panose="02040503050406030204" pitchFamily="18" charset="0"/>
+                              </a:rPr>
+                              <m:t>(</m:t>
+                            </m:r>
+                            <m:r>
+                              <a:rPr lang="en-US" b="0" i="1" smtClean="0">
+                                <a:latin typeface="Cambria Math" panose="02040503050406030204" pitchFamily="18" charset="0"/>
+                              </a:rPr>
+                              <m:t>𝑛</m:t>
+                            </m:r>
+                            <m:r>
+                              <a:rPr lang="en-US" b="0" i="1" smtClean="0">
+                                <a:latin typeface="Cambria Math" panose="02040503050406030204" pitchFamily="18" charset="0"/>
+                              </a:rPr>
+                              <m:t>)</m:t>
+                            </m:r>
+                          </m:e>
+                        </m:func>
+                      </m:num>
+                      <m:den>
+                        <m:func>
+                          <m:funcPr>
+                            <m:ctrlPr>
+                              <a:rPr lang="en-US" b="0" i="1" smtClean="0">
+                                <a:latin typeface="Cambria Math" panose="02040503050406030204" pitchFamily="18" charset="0"/>
+                              </a:rPr>
+                            </m:ctrlPr>
+                          </m:funcPr>
+                          <m:fName>
+                            <m:sSub>
+                              <m:sSubPr>
+                                <m:ctrlPr>
+                                  <a:rPr lang="en-US" b="0" i="1" smtClean="0">
+                                    <a:latin typeface="Cambria Math" panose="02040503050406030204" pitchFamily="18" charset="0"/>
+                                  </a:rPr>
+                                </m:ctrlPr>
+                              </m:sSubPr>
+                              <m:e>
+                                <m:r>
+                                  <m:rPr>
+                                    <m:sty m:val="p"/>
+                                  </m:rPr>
+                                  <a:rPr lang="en-US" b="0" i="0" smtClean="0">
+                                    <a:latin typeface="Cambria Math" panose="02040503050406030204" pitchFamily="18" charset="0"/>
+                                  </a:rPr>
+                                  <m:t>log</m:t>
+                                </m:r>
+                              </m:e>
+                              <m:sub>
+                                <m:r>
+                                  <a:rPr lang="en-US" b="0" i="1" smtClean="0">
+                                    <a:latin typeface="Cambria Math" panose="02040503050406030204" pitchFamily="18" charset="0"/>
+                                  </a:rPr>
+                                  <m:t>2</m:t>
+                                </m:r>
+                              </m:sub>
+                            </m:sSub>
+                          </m:fName>
+                          <m:e>
+                            <m:r>
+                              <a:rPr lang="en-US" b="0" i="1" smtClean="0">
+                                <a:latin typeface="Cambria Math" panose="02040503050406030204" pitchFamily="18" charset="0"/>
+                              </a:rPr>
+                              <m:t>(2)</m:t>
+                            </m:r>
+                          </m:e>
+                        </m:func>
+                      </m:den>
+                    </m:f>
+                  </m:oMath>
+                </a14:m>
+                <a:br>
+                  <a:rPr lang="en-US" b="0" i="1" dirty="0">
+                    <a:latin typeface="Cambria Math" panose="02040503050406030204" pitchFamily="18" charset="0"/>
+                  </a:rPr>
+                </a:br>
+                <a14:m>
+                  <m:oMath xmlns:m="http://schemas.openxmlformats.org/officeDocument/2006/math">
+                    <m:r>
+                      <a:rPr lang="en-US" b="0" i="1" smtClean="0">
+                        <a:latin typeface="Cambria Math" panose="02040503050406030204" pitchFamily="18" charset="0"/>
+                      </a:rPr>
+                      <m:t>→</m:t>
+                    </m:r>
+                    <m:r>
+                      <a:rPr lang="en-US" b="0" i="1" smtClean="0">
+                        <a:latin typeface="Cambria Math" panose="02040503050406030204" pitchFamily="18" charset="0"/>
+                      </a:rPr>
+                      <m:t>𝑂</m:t>
+                    </m:r>
+                    <m:r>
+                      <a:rPr lang="en-US" b="0" i="1" smtClean="0">
+                        <a:latin typeface="Cambria Math" panose="02040503050406030204" pitchFamily="18" charset="0"/>
+                      </a:rPr>
+                      <m:t>(</m:t>
+                    </m:r>
+                    <m:func>
+                      <m:funcPr>
+                        <m:ctrlPr>
+                          <a:rPr lang="en-US" b="0" i="1" smtClean="0">
+                            <a:latin typeface="Cambria Math" panose="02040503050406030204" pitchFamily="18" charset="0"/>
+                          </a:rPr>
+                        </m:ctrlPr>
+                      </m:funcPr>
+                      <m:fName>
+                        <m:r>
+                          <m:rPr>
+                            <m:sty m:val="p"/>
+                          </m:rPr>
+                          <a:rPr lang="en-US" b="0" i="0" smtClean="0">
+                            <a:latin typeface="Cambria Math" panose="02040503050406030204" pitchFamily="18" charset="0"/>
+                          </a:rPr>
+                          <m:t>log</m:t>
+                        </m:r>
+                      </m:fName>
+                      <m:e>
+                        <m:r>
+                          <a:rPr lang="en-US" b="0" i="1" smtClean="0">
+                            <a:latin typeface="Cambria Math" panose="02040503050406030204" pitchFamily="18" charset="0"/>
+                          </a:rPr>
+                          <m:t>𝑛</m:t>
+                        </m:r>
+                      </m:e>
+                    </m:func>
+                    <m:r>
+                      <a:rPr lang="en-US" b="0" i="1" smtClean="0">
+                        <a:latin typeface="Cambria Math" panose="02040503050406030204" pitchFamily="18" charset="0"/>
+                      </a:rPr>
+                      <m:t>)</m:t>
+                    </m:r>
+                  </m:oMath>
+                </a14:m>
+                <a:r>
+                  <a:rPr lang="pt-BR" dirty="0"/>
+                  <a:t> </a:t>
+                </a:r>
+              </a:p>
+              <a:p>
+                <a:pPr marL="0" indent="0">
+                  <a:lnSpc>
+                    <a:spcPct val="120000"/>
+                  </a:lnSpc>
+                  <a:buNone/>
+                </a:pPr>
+                <a:endParaRPr lang="en-US" b="1" dirty="0"/>
+              </a:p>
+              <a:p>
+                <a:pPr marL="0" indent="0">
+                  <a:lnSpc>
+                    <a:spcPct val="120000"/>
+                  </a:lnSpc>
+                  <a:buNone/>
+                </a:pPr>
+                <a:r>
+                  <a:rPr lang="en-US" b="1" dirty="0"/>
+                  <a:t>General rule</a:t>
+                </a:r>
+                <a:r>
+                  <a:rPr lang="en-US" dirty="0"/>
+                  <a:t>: If every iteration halves the problem size, then we have a logarithmic time complexity.</a:t>
+                </a:r>
+              </a:p>
+            </p:txBody>
+          </p:sp>
+        </mc:Choice>
+        <mc:Fallback>
+          <p:sp>
+            <p:nvSpPr>
+              <p:cNvPr id="4" name="Content Placeholder 3">
+                <a:extLst>
+                  <a:ext uri="{FF2B5EF4-FFF2-40B4-BE49-F238E27FC236}">
+                    <a16:creationId xmlns:a16="http://schemas.microsoft.com/office/drawing/2014/main" id="{BCDA74D1-54B5-9008-A9C3-0D3162C762E7}"/>
+                  </a:ext>
+                </a:extLst>
+              </p:cNvPr>
+              <p:cNvSpPr>
+                <a:spLocks noGrp="1" noRot="1" noChangeAspect="1" noMove="1" noResize="1" noEditPoints="1" noAdjustHandles="1" noChangeArrowheads="1" noChangeShapeType="1" noTextEdit="1"/>
+              </p:cNvSpPr>
+              <p:nvPr>
+                <p:ph sz="half" idx="2"/>
+              </p:nvPr>
+            </p:nvSpPr>
+            <p:spPr>
+              <a:xfrm>
+                <a:off x="6079157" y="1421179"/>
+                <a:ext cx="5181600" cy="5071695"/>
+              </a:xfrm>
+              <a:blipFill>
+                <a:blip r:embed="rId2"/>
+                <a:stretch>
+                  <a:fillRect l="-1412" t="-721"/>
+                </a:stretch>
+              </a:blipFill>
+            </p:spPr>
+            <p:txBody>
+              <a:bodyPr/>
+              <a:lstStyle/>
+              <a:p>
+                <a:r>
+                  <a:rPr lang="en-US">
+                    <a:noFill/>
+                  </a:rPr>
+                  <a:t> </a:t>
+                </a:r>
+              </a:p>
+            </p:txBody>
+          </p:sp>
+        </mc:Fallback>
+      </mc:AlternateContent>
+      <p:sp>
+        <p:nvSpPr>
+          <p:cNvPr id="6" name="TextBox 5">
+            <a:extLst>
+              <a:ext uri="{FF2B5EF4-FFF2-40B4-BE49-F238E27FC236}">
+                <a16:creationId xmlns:a16="http://schemas.microsoft.com/office/drawing/2014/main" id="{4B78D726-3253-2DC3-0495-72CDDF4BB825}"/>
+              </a:ext>
+            </a:extLst>
+          </p:cNvPr>
+          <p:cNvSpPr txBox="1"/>
+          <p:nvPr/>
+        </p:nvSpPr>
+        <p:spPr>
+          <a:xfrm>
+            <a:off x="931243" y="1421180"/>
+            <a:ext cx="4391527" cy="4924425"/>
+          </a:xfrm>
+          <a:prstGeom prst="rect">
+            <a:avLst/>
+          </a:prstGeom>
+        </p:spPr>
+        <p:style>
+          <a:lnRef idx="1">
+            <a:schemeClr val="accent4"/>
+          </a:lnRef>
+          <a:fillRef idx="2">
+            <a:schemeClr val="accent4"/>
+          </a:fillRef>
+          <a:effectRef idx="1">
+            <a:schemeClr val="accent4"/>
+          </a:effectRef>
+          <a:fontRef idx="minor">
+            <a:schemeClr val="dk1"/>
+          </a:fontRef>
+        </p:style>
+        <p:txBody>
+          <a:bodyPr wrap="square">
+            <a:spAutoFit/>
+          </a:bodyPr>
+          <a:lstStyle/>
+          <a:p>
+            <a:r>
+              <a:rPr lang="en-US" sz="1600" dirty="0"/>
+              <a:t>template &lt;</a:t>
+            </a:r>
+            <a:r>
+              <a:rPr lang="en-US" sz="1600" dirty="0" err="1"/>
+              <a:t>typename</a:t>
+            </a:r>
+            <a:r>
+              <a:rPr lang="en-US" sz="1600" dirty="0"/>
+              <a:t> Comparable&gt;</a:t>
+            </a:r>
+          </a:p>
+          <a:p>
+            <a:r>
+              <a:rPr lang="en-US" sz="1600" dirty="0"/>
+              <a:t>int </a:t>
+            </a:r>
+            <a:r>
+              <a:rPr lang="en-US" sz="1600" dirty="0" err="1"/>
+              <a:t>binarySearch</a:t>
+            </a:r>
+            <a:r>
+              <a:rPr lang="en-US" sz="1600" dirty="0"/>
+              <a:t>( const vector&lt;Comparable&gt; &amp; a, </a:t>
+            </a:r>
+            <a:br>
+              <a:rPr lang="en-US" sz="1600" dirty="0"/>
+            </a:br>
+            <a:r>
+              <a:rPr lang="en-US" sz="1600" dirty="0"/>
+              <a:t>                                const Comparable &amp; x )</a:t>
+            </a:r>
+          </a:p>
+          <a:p>
+            <a:r>
+              <a:rPr lang="en-US" sz="1600" dirty="0"/>
+              <a:t>{</a:t>
+            </a:r>
+          </a:p>
+          <a:p>
+            <a:r>
+              <a:rPr lang="en-US" sz="1600" dirty="0"/>
+              <a:t>    int low = 0, high = </a:t>
+            </a:r>
+            <a:r>
+              <a:rPr lang="en-US" sz="1600" dirty="0" err="1"/>
+              <a:t>a.size</a:t>
+            </a:r>
+            <a:r>
+              <a:rPr lang="en-US" sz="1600" dirty="0"/>
+              <a:t>( ) - 1;</a:t>
+            </a:r>
+          </a:p>
+          <a:p>
+            <a:endParaRPr lang="en-US" sz="1600" dirty="0"/>
+          </a:p>
+          <a:p>
+            <a:r>
+              <a:rPr lang="en-US" sz="1600" dirty="0"/>
+              <a:t>    while( low &lt;= high )</a:t>
+            </a:r>
+          </a:p>
+          <a:p>
+            <a:r>
+              <a:rPr lang="en-US" sz="1600" dirty="0"/>
+              <a:t>    {</a:t>
+            </a:r>
+          </a:p>
+          <a:p>
+            <a:r>
+              <a:rPr lang="en-US" sz="1600" dirty="0"/>
+              <a:t>        int mid = ( low + high ) / 2;</a:t>
+            </a:r>
+          </a:p>
+          <a:p>
+            <a:endParaRPr lang="en-US" sz="1600" dirty="0"/>
+          </a:p>
+          <a:p>
+            <a:r>
+              <a:rPr lang="en-US" sz="1600" dirty="0"/>
+              <a:t>        if( a[ mid ] &lt; x )</a:t>
+            </a:r>
+          </a:p>
+          <a:p>
+            <a:r>
+              <a:rPr lang="en-US" sz="1600" dirty="0"/>
+              <a:t>            low = mid + 1;</a:t>
+            </a:r>
+          </a:p>
+          <a:p>
+            <a:r>
+              <a:rPr lang="en-US" sz="1600" dirty="0"/>
+              <a:t>        else if( a[ mid ] &gt; x )</a:t>
+            </a:r>
+          </a:p>
+          <a:p>
+            <a:r>
+              <a:rPr lang="en-US" sz="1600" dirty="0"/>
+              <a:t>            high = mid - 1;</a:t>
+            </a:r>
+          </a:p>
+          <a:p>
+            <a:r>
+              <a:rPr lang="en-US" sz="1600" dirty="0"/>
+              <a:t>        else</a:t>
+            </a:r>
+          </a:p>
+          <a:p>
+            <a:r>
+              <a:rPr lang="en-US" sz="1600" dirty="0"/>
+              <a:t>            return mid;   // Found</a:t>
+            </a:r>
+          </a:p>
+          <a:p>
+            <a:r>
+              <a:rPr lang="en-US" sz="1600" dirty="0"/>
+              <a:t>    }</a:t>
+            </a:r>
+          </a:p>
+          <a:p>
+            <a:r>
+              <a:rPr lang="en-US" sz="1600" dirty="0"/>
+              <a:t>    return -1</a:t>
+            </a:r>
+          </a:p>
+          <a:p>
+            <a:r>
+              <a:rPr lang="en-US" sz="1600" dirty="0"/>
+              <a:t>}</a:t>
+            </a:r>
+          </a:p>
+        </p:txBody>
+      </p:sp>
+    </p:spTree>
+    <p:extLst>
+      <p:ext uri="{BB962C8B-B14F-4D97-AF65-F5344CB8AC3E}">
+        <p14:creationId xmlns:p14="http://schemas.microsoft.com/office/powerpoint/2010/main" val="543290883"/>
+      </p:ext>
+    </p:extLst>
+  </p:cSld>
+  <p:clrMapOvr>
+    <a:masterClrMapping/>
+  </p:clrMapOvr>
+</p:sld>
+</file>
+
+<file path=ppt/slides/slide14.xml><?xml version="1.0" encoding="utf-8"?>
+<p:sld xmlns:a="http://schemas.openxmlformats.org/drawingml/2006/main" xmlns:r="http://schemas.openxmlformats.org/officeDocument/2006/relationships" xmlns:p="http://schemas.openxmlformats.org/presentationml/2006/main">
+  <p:cSld>
+    <p:bg>
+      <p:bgPr>
+        <a:solidFill>
+          <a:schemeClr val="bg1"/>
+        </a:solidFill>
+        <a:effectLst/>
+      </p:bgPr>
+    </p:bg>
+    <p:spTree>
+      <p:nvGrpSpPr>
+        <p:cNvPr id="1" name=""/>
+        <p:cNvGrpSpPr/>
+        <p:nvPr/>
+      </p:nvGrpSpPr>
+      <p:grpSpPr>
+        <a:xfrm>
+          <a:off x="0" y="0"/>
+          <a:ext cx="0" cy="0"/>
+          <a:chOff x="0" y="0"/>
+          <a:chExt cx="0" cy="0"/>
+        </a:xfrm>
+      </p:grpSpPr>
+      <p:sp useBgFill="1">
+        <p:nvSpPr>
+          <p:cNvPr id="41" name="Rectangle 36">
+            <a:extLst>
+              <a:ext uri="{FF2B5EF4-FFF2-40B4-BE49-F238E27FC236}">
+                <a16:creationId xmlns:a16="http://schemas.microsoft.com/office/drawing/2014/main" id="{45D37F4E-DDB4-456B-97E0-9937730A039F}"/>
+              </a:ext>
+              <a:ext uri="{C183D7F6-B498-43B3-948B-1728B52AA6E4}">
+                <adec:decorative xmlns:adec="http://schemas.microsoft.com/office/drawing/2017/decorative" val="1"/>
+              </a:ext>
+            </a:extLst>
+          </p:cNvPr>
+          <p:cNvSpPr>
+            <a:spLocks noGrp="1" noRot="1" noChangeAspect="1" noMove="1" noResize="1" noEditPoints="1" noAdjustHandles="1" noChangeArrowheads="1" noChangeShapeType="1" noTextEdit="1"/>
+          </p:cNvSpPr>
+          <p:nvPr>
+            <p:extLst>
+              <p:ext uri="{386F3935-93C4-4BCD-93E2-E3B085C9AB24}">
+                <p16:designElem xmlns:p16="http://schemas.microsoft.com/office/powerpoint/2015/main" val="1"/>
+              </p:ext>
+            </p:extLst>
+          </p:nvPr>
+        </p:nvSpPr>
+        <p:spPr>
+          <a:xfrm>
+            <a:off x="0" y="0"/>
+            <a:ext cx="12188952" cy="6858000"/>
+          </a:xfrm>
+          <a:prstGeom prst="rect">
+            <a:avLst/>
+          </a:prstGeom>
+          <a:ln>
+            <a:noFill/>
+          </a:ln>
+        </p:spPr>
+        <p:style>
+          <a:lnRef idx="2">
+            <a:schemeClr val="accent1">
+              <a:shade val="50000"/>
+            </a:schemeClr>
+          </a:lnRef>
+          <a:fillRef idx="1">
+            <a:schemeClr val="accent1"/>
+          </a:fillRef>
+          <a:effectRef idx="0">
+            <a:schemeClr val="accent1"/>
+          </a:effectRef>
+          <a:fontRef idx="minor">
+            <a:schemeClr val="lt1"/>
+          </a:fontRef>
+        </p:style>
+        <p:txBody>
+          <a:bodyPr rtlCol="0" anchor="ctr"/>
+          <a:lstStyle/>
+          <a:p>
+            <a:pPr algn="ctr"/>
+            <a:endParaRPr lang="en-US"/>
+          </a:p>
+        </p:txBody>
+      </p:sp>
+      <p:sp>
+        <p:nvSpPr>
+          <p:cNvPr id="5" name="Title 4">
+            <a:extLst>
+              <a:ext uri="{FF2B5EF4-FFF2-40B4-BE49-F238E27FC236}">
+                <a16:creationId xmlns:a16="http://schemas.microsoft.com/office/drawing/2014/main" id="{F8EC137F-14AC-101D-CEB8-C93AAB6F1250}"/>
+              </a:ext>
+            </a:extLst>
+          </p:cNvPr>
+          <p:cNvSpPr>
+            <a:spLocks noGrp="1"/>
+          </p:cNvSpPr>
+          <p:nvPr>
+            <p:ph type="title"/>
+          </p:nvPr>
+        </p:nvSpPr>
+        <p:spPr>
+          <a:xfrm>
+            <a:off x="572493" y="238539"/>
+            <a:ext cx="11018520" cy="1434415"/>
+          </a:xfrm>
+        </p:spPr>
+        <p:txBody>
+          <a:bodyPr anchor="b">
+            <a:normAutofit/>
+          </a:bodyPr>
+          <a:lstStyle/>
+          <a:p>
+            <a:r>
+              <a:rPr lang="en-US" sz="5400"/>
+              <a:t>Some Final Words on Complexity</a:t>
+            </a:r>
+          </a:p>
+        </p:txBody>
+      </p:sp>
+      <p:sp>
+        <p:nvSpPr>
+          <p:cNvPr id="42" name="sketchy line">
+            <a:extLst>
+              <a:ext uri="{FF2B5EF4-FFF2-40B4-BE49-F238E27FC236}">
+                <a16:creationId xmlns:a16="http://schemas.microsoft.com/office/drawing/2014/main" id="{B2DD41CD-8F47-4F56-AD12-4E2FF7696987}"/>
+              </a:ext>
+              <a:ext uri="{C183D7F6-B498-43B3-948B-1728B52AA6E4}">
+                <adec:decorative xmlns:adec="http://schemas.microsoft.com/office/drawing/2017/decorative" val="1"/>
+              </a:ext>
+            </a:extLst>
+          </p:cNvPr>
+          <p:cNvSpPr>
+            <a:spLocks noGrp="1" noRot="1" noChangeAspect="1" noMove="1" noResize="1" noEditPoints="1" noAdjustHandles="1" noChangeArrowheads="1" noChangeShapeType="1" noTextEdit="1"/>
+          </p:cNvSpPr>
+          <p:nvPr>
+            <p:extLst>
+              <p:ext uri="{386F3935-93C4-4BCD-93E2-E3B085C9AB24}">
+                <p16:designElem xmlns:p16="http://schemas.microsoft.com/office/powerpoint/2015/main" val="1"/>
+              </p:ext>
+            </p:extLst>
+          </p:nvPr>
+        </p:nvSpPr>
+        <p:spPr>
+          <a:xfrm>
+            <a:off x="572493" y="1681544"/>
+            <a:ext cx="10972800" cy="18288"/>
+          </a:xfrm>
+          <a:custGeom>
+            <a:avLst/>
+            <a:gdLst>
+              <a:gd name="connsiteX0" fmla="*/ 0 w 10972800"/>
+              <a:gd name="connsiteY0" fmla="*/ 0 h 18288"/>
+              <a:gd name="connsiteX1" fmla="*/ 356616 w 10972800"/>
+              <a:gd name="connsiteY1" fmla="*/ 0 h 18288"/>
+              <a:gd name="connsiteX2" fmla="*/ 1042416 w 10972800"/>
+              <a:gd name="connsiteY2" fmla="*/ 0 h 18288"/>
+              <a:gd name="connsiteX3" fmla="*/ 1947672 w 10972800"/>
+              <a:gd name="connsiteY3" fmla="*/ 0 h 18288"/>
+              <a:gd name="connsiteX4" fmla="*/ 2633472 w 10972800"/>
+              <a:gd name="connsiteY4" fmla="*/ 0 h 18288"/>
+              <a:gd name="connsiteX5" fmla="*/ 2990088 w 10972800"/>
+              <a:gd name="connsiteY5" fmla="*/ 0 h 18288"/>
+              <a:gd name="connsiteX6" fmla="*/ 3456432 w 10972800"/>
+              <a:gd name="connsiteY6" fmla="*/ 0 h 18288"/>
+              <a:gd name="connsiteX7" fmla="*/ 4361688 w 10972800"/>
+              <a:gd name="connsiteY7" fmla="*/ 0 h 18288"/>
+              <a:gd name="connsiteX8" fmla="*/ 5266944 w 10972800"/>
+              <a:gd name="connsiteY8" fmla="*/ 0 h 18288"/>
+              <a:gd name="connsiteX9" fmla="*/ 6172200 w 10972800"/>
+              <a:gd name="connsiteY9" fmla="*/ 0 h 18288"/>
+              <a:gd name="connsiteX10" fmla="*/ 6528816 w 10972800"/>
+              <a:gd name="connsiteY10" fmla="*/ 0 h 18288"/>
+              <a:gd name="connsiteX11" fmla="*/ 7214616 w 10972800"/>
+              <a:gd name="connsiteY11" fmla="*/ 0 h 18288"/>
+              <a:gd name="connsiteX12" fmla="*/ 7790688 w 10972800"/>
+              <a:gd name="connsiteY12" fmla="*/ 0 h 18288"/>
+              <a:gd name="connsiteX13" fmla="*/ 8147304 w 10972800"/>
+              <a:gd name="connsiteY13" fmla="*/ 0 h 18288"/>
+              <a:gd name="connsiteX14" fmla="*/ 9052560 w 10972800"/>
+              <a:gd name="connsiteY14" fmla="*/ 0 h 18288"/>
+              <a:gd name="connsiteX15" fmla="*/ 9409176 w 10972800"/>
+              <a:gd name="connsiteY15" fmla="*/ 0 h 18288"/>
+              <a:gd name="connsiteX16" fmla="*/ 9765792 w 10972800"/>
+              <a:gd name="connsiteY16" fmla="*/ 0 h 18288"/>
+              <a:gd name="connsiteX17" fmla="*/ 10341864 w 10972800"/>
+              <a:gd name="connsiteY17" fmla="*/ 0 h 18288"/>
+              <a:gd name="connsiteX18" fmla="*/ 10972800 w 10972800"/>
+              <a:gd name="connsiteY18" fmla="*/ 0 h 18288"/>
+              <a:gd name="connsiteX19" fmla="*/ 10972800 w 10972800"/>
+              <a:gd name="connsiteY19" fmla="*/ 18288 h 18288"/>
+              <a:gd name="connsiteX20" fmla="*/ 10177272 w 10972800"/>
+              <a:gd name="connsiteY20" fmla="*/ 18288 h 18288"/>
+              <a:gd name="connsiteX21" fmla="*/ 9820656 w 10972800"/>
+              <a:gd name="connsiteY21" fmla="*/ 18288 h 18288"/>
+              <a:gd name="connsiteX22" fmla="*/ 9464040 w 10972800"/>
+              <a:gd name="connsiteY22" fmla="*/ 18288 h 18288"/>
+              <a:gd name="connsiteX23" fmla="*/ 8778240 w 10972800"/>
+              <a:gd name="connsiteY23" fmla="*/ 18288 h 18288"/>
+              <a:gd name="connsiteX24" fmla="*/ 8421624 w 10972800"/>
+              <a:gd name="connsiteY24" fmla="*/ 18288 h 18288"/>
+              <a:gd name="connsiteX25" fmla="*/ 7735824 w 10972800"/>
+              <a:gd name="connsiteY25" fmla="*/ 18288 h 18288"/>
+              <a:gd name="connsiteX26" fmla="*/ 6940296 w 10972800"/>
+              <a:gd name="connsiteY26" fmla="*/ 18288 h 18288"/>
+              <a:gd name="connsiteX27" fmla="*/ 6254496 w 10972800"/>
+              <a:gd name="connsiteY27" fmla="*/ 18288 h 18288"/>
+              <a:gd name="connsiteX28" fmla="*/ 5458968 w 10972800"/>
+              <a:gd name="connsiteY28" fmla="*/ 18288 h 18288"/>
+              <a:gd name="connsiteX29" fmla="*/ 4663440 w 10972800"/>
+              <a:gd name="connsiteY29" fmla="*/ 18288 h 18288"/>
+              <a:gd name="connsiteX30" fmla="*/ 4306824 w 10972800"/>
+              <a:gd name="connsiteY30" fmla="*/ 18288 h 18288"/>
+              <a:gd name="connsiteX31" fmla="*/ 3840480 w 10972800"/>
+              <a:gd name="connsiteY31" fmla="*/ 18288 h 18288"/>
+              <a:gd name="connsiteX32" fmla="*/ 3264408 w 10972800"/>
+              <a:gd name="connsiteY32" fmla="*/ 18288 h 18288"/>
+              <a:gd name="connsiteX33" fmla="*/ 2578608 w 10972800"/>
+              <a:gd name="connsiteY33" fmla="*/ 18288 h 18288"/>
+              <a:gd name="connsiteX34" fmla="*/ 1673352 w 10972800"/>
+              <a:gd name="connsiteY34" fmla="*/ 18288 h 18288"/>
+              <a:gd name="connsiteX35" fmla="*/ 877824 w 10972800"/>
+              <a:gd name="connsiteY35" fmla="*/ 18288 h 18288"/>
+              <a:gd name="connsiteX36" fmla="*/ 0 w 10972800"/>
+              <a:gd name="connsiteY36" fmla="*/ 18288 h 18288"/>
+              <a:gd name="connsiteX37" fmla="*/ 0 w 10972800"/>
+              <a:gd name="connsiteY37" fmla="*/ 0 h 18288"/>
+            </a:gdLst>
+            <a:ahLst/>
+            <a:cxnLst>
+              <a:cxn ang="0">
+                <a:pos x="connsiteX0" y="connsiteY0"/>
+              </a:cxn>
+              <a:cxn ang="0">
+                <a:pos x="connsiteX1" y="connsiteY1"/>
+              </a:cxn>
+              <a:cxn ang="0">
+                <a:pos x="connsiteX2" y="connsiteY2"/>
+              </a:cxn>
+              <a:cxn ang="0">
+                <a:pos x="connsiteX3" y="connsiteY3"/>
+              </a:cxn>
+              <a:cxn ang="0">
+                <a:pos x="connsiteX4" y="connsiteY4"/>
+              </a:cxn>
+              <a:cxn ang="0">
+                <a:pos x="connsiteX5" y="connsiteY5"/>
+              </a:cxn>
+              <a:cxn ang="0">
+                <a:pos x="connsiteX6" y="connsiteY6"/>
+              </a:cxn>
+              <a:cxn ang="0">
+                <a:pos x="connsiteX7" y="connsiteY7"/>
+              </a:cxn>
+              <a:cxn ang="0">
+                <a:pos x="connsiteX8" y="connsiteY8"/>
+              </a:cxn>
+              <a:cxn ang="0">
+                <a:pos x="connsiteX9" y="connsiteY9"/>
+              </a:cxn>
+              <a:cxn ang="0">
+                <a:pos x="connsiteX10" y="connsiteY10"/>
+              </a:cxn>
+              <a:cxn ang="0">
+                <a:pos x="connsiteX11" y="connsiteY11"/>
+              </a:cxn>
+              <a:cxn ang="0">
+                <a:pos x="connsiteX12" y="connsiteY12"/>
+              </a:cxn>
+              <a:cxn ang="0">
+                <a:pos x="connsiteX13" y="connsiteY13"/>
+              </a:cxn>
+              <a:cxn ang="0">
+                <a:pos x="connsiteX14" y="connsiteY14"/>
+              </a:cxn>
+              <a:cxn ang="0">
+                <a:pos x="connsiteX15" y="connsiteY15"/>
+              </a:cxn>
+              <a:cxn ang="0">
+                <a:pos x="connsiteX16" y="connsiteY16"/>
+              </a:cxn>
+              <a:cxn ang="0">
+                <a:pos x="connsiteX17" y="connsiteY17"/>
+              </a:cxn>
+              <a:cxn ang="0">
+                <a:pos x="connsiteX18" y="connsiteY18"/>
+              </a:cxn>
+              <a:cxn ang="0">
+                <a:pos x="connsiteX19" y="connsiteY19"/>
+              </a:cxn>
+              <a:cxn ang="0">
+                <a:pos x="connsiteX20" y="connsiteY20"/>
+              </a:cxn>
+              <a:cxn ang="0">
+                <a:pos x="connsiteX21" y="connsiteY21"/>
+              </a:cxn>
+              <a:cxn ang="0">
+                <a:pos x="connsiteX22" y="connsiteY22"/>
+              </a:cxn>
+              <a:cxn ang="0">
+                <a:pos x="connsiteX23" y="connsiteY23"/>
+              </a:cxn>
+              <a:cxn ang="0">
+                <a:pos x="connsiteX24" y="connsiteY24"/>
+              </a:cxn>
+              <a:cxn ang="0">
+                <a:pos x="connsiteX25" y="connsiteY25"/>
+              </a:cxn>
+              <a:cxn ang="0">
+                <a:pos x="connsiteX26" y="connsiteY26"/>
+              </a:cxn>
+              <a:cxn ang="0">
+                <a:pos x="connsiteX27" y="connsiteY27"/>
+              </a:cxn>
+              <a:cxn ang="0">
+                <a:pos x="connsiteX28" y="connsiteY28"/>
+              </a:cxn>
+              <a:cxn ang="0">
+                <a:pos x="connsiteX29" y="connsiteY29"/>
+              </a:cxn>
+              <a:cxn ang="0">
+                <a:pos x="connsiteX30" y="connsiteY30"/>
+              </a:cxn>
+              <a:cxn ang="0">
+                <a:pos x="connsiteX31" y="connsiteY31"/>
+              </a:cxn>
+              <a:cxn ang="0">
+                <a:pos x="connsiteX32" y="connsiteY32"/>
+              </a:cxn>
+              <a:cxn ang="0">
+                <a:pos x="connsiteX33" y="connsiteY33"/>
+              </a:cxn>
+              <a:cxn ang="0">
+                <a:pos x="connsiteX34" y="connsiteY34"/>
+              </a:cxn>
+              <a:cxn ang="0">
+                <a:pos x="connsiteX35" y="connsiteY35"/>
+              </a:cxn>
+              <a:cxn ang="0">
+                <a:pos x="connsiteX36" y="connsiteY36"/>
+              </a:cxn>
+              <a:cxn ang="0">
+                <a:pos x="connsiteX37" y="connsiteY37"/>
+              </a:cxn>
+            </a:cxnLst>
+            <a:rect l="l" t="t" r="r" b="b"/>
+            <a:pathLst>
+              <a:path w="10972800" h="18288" fill="none" extrusionOk="0">
+                <a:moveTo>
+                  <a:pt x="0" y="0"/>
+                </a:moveTo>
+                <a:cubicBezTo>
+                  <a:pt x="165916" y="-1866"/>
+                  <a:pt x="188720" y="13756"/>
+                  <a:pt x="356616" y="0"/>
+                </a:cubicBezTo>
+                <a:cubicBezTo>
+                  <a:pt x="524512" y="-13756"/>
+                  <a:pt x="734781" y="8922"/>
+                  <a:pt x="1042416" y="0"/>
+                </a:cubicBezTo>
+                <a:cubicBezTo>
+                  <a:pt x="1350051" y="-8922"/>
+                  <a:pt x="1595982" y="-26315"/>
+                  <a:pt x="1947672" y="0"/>
+                </a:cubicBezTo>
+                <a:cubicBezTo>
+                  <a:pt x="2299362" y="26315"/>
+                  <a:pt x="2292691" y="-19526"/>
+                  <a:pt x="2633472" y="0"/>
+                </a:cubicBezTo>
+                <a:cubicBezTo>
+                  <a:pt x="2974253" y="19526"/>
+                  <a:pt x="2857309" y="10773"/>
+                  <a:pt x="2990088" y="0"/>
+                </a:cubicBezTo>
+                <a:cubicBezTo>
+                  <a:pt x="3122867" y="-10773"/>
+                  <a:pt x="3359343" y="7194"/>
+                  <a:pt x="3456432" y="0"/>
+                </a:cubicBezTo>
+                <a:cubicBezTo>
+                  <a:pt x="3553521" y="-7194"/>
+                  <a:pt x="4136258" y="5108"/>
+                  <a:pt x="4361688" y="0"/>
+                </a:cubicBezTo>
+                <a:cubicBezTo>
+                  <a:pt x="4587118" y="-5108"/>
+                  <a:pt x="4992424" y="-42958"/>
+                  <a:pt x="5266944" y="0"/>
+                </a:cubicBezTo>
+                <a:cubicBezTo>
+                  <a:pt x="5541464" y="42958"/>
+                  <a:pt x="5882966" y="-3430"/>
+                  <a:pt x="6172200" y="0"/>
+                </a:cubicBezTo>
+                <a:cubicBezTo>
+                  <a:pt x="6461434" y="3430"/>
+                  <a:pt x="6432127" y="6688"/>
+                  <a:pt x="6528816" y="0"/>
+                </a:cubicBezTo>
+                <a:cubicBezTo>
+                  <a:pt x="6625505" y="-6688"/>
+                  <a:pt x="6916805" y="-436"/>
+                  <a:pt x="7214616" y="0"/>
+                </a:cubicBezTo>
+                <a:cubicBezTo>
+                  <a:pt x="7512427" y="436"/>
+                  <a:pt x="7626159" y="-6909"/>
+                  <a:pt x="7790688" y="0"/>
+                </a:cubicBezTo>
+                <a:cubicBezTo>
+                  <a:pt x="7955217" y="6909"/>
+                  <a:pt x="8048891" y="15307"/>
+                  <a:pt x="8147304" y="0"/>
+                </a:cubicBezTo>
+                <a:cubicBezTo>
+                  <a:pt x="8245717" y="-15307"/>
+                  <a:pt x="8645618" y="-11734"/>
+                  <a:pt x="9052560" y="0"/>
+                </a:cubicBezTo>
+                <a:cubicBezTo>
+                  <a:pt x="9459502" y="11734"/>
+                  <a:pt x="9320584" y="8388"/>
+                  <a:pt x="9409176" y="0"/>
+                </a:cubicBezTo>
+                <a:cubicBezTo>
+                  <a:pt x="9497768" y="-8388"/>
+                  <a:pt x="9644192" y="8379"/>
+                  <a:pt x="9765792" y="0"/>
+                </a:cubicBezTo>
+                <a:cubicBezTo>
+                  <a:pt x="9887392" y="-8379"/>
+                  <a:pt x="10105220" y="-12663"/>
+                  <a:pt x="10341864" y="0"/>
+                </a:cubicBezTo>
+                <a:cubicBezTo>
+                  <a:pt x="10578508" y="12663"/>
+                  <a:pt x="10773103" y="-5786"/>
+                  <a:pt x="10972800" y="0"/>
+                </a:cubicBezTo>
+                <a:cubicBezTo>
+                  <a:pt x="10972146" y="8818"/>
+                  <a:pt x="10972240" y="13823"/>
+                  <a:pt x="10972800" y="18288"/>
+                </a:cubicBezTo>
+                <a:cubicBezTo>
+                  <a:pt x="10588778" y="31598"/>
+                  <a:pt x="10543381" y="-12698"/>
+                  <a:pt x="10177272" y="18288"/>
+                </a:cubicBezTo>
+                <a:cubicBezTo>
+                  <a:pt x="9811163" y="49274"/>
+                  <a:pt x="9996817" y="25662"/>
+                  <a:pt x="9820656" y="18288"/>
+                </a:cubicBezTo>
+                <a:cubicBezTo>
+                  <a:pt x="9644495" y="10914"/>
+                  <a:pt x="9607007" y="31631"/>
+                  <a:pt x="9464040" y="18288"/>
+                </a:cubicBezTo>
+                <a:cubicBezTo>
+                  <a:pt x="9321073" y="4945"/>
+                  <a:pt x="9114189" y="28940"/>
+                  <a:pt x="8778240" y="18288"/>
+                </a:cubicBezTo>
+                <a:cubicBezTo>
+                  <a:pt x="8442291" y="7636"/>
+                  <a:pt x="8594763" y="987"/>
+                  <a:pt x="8421624" y="18288"/>
+                </a:cubicBezTo>
+                <a:cubicBezTo>
+                  <a:pt x="8248485" y="35589"/>
+                  <a:pt x="7929515" y="37573"/>
+                  <a:pt x="7735824" y="18288"/>
+                </a:cubicBezTo>
+                <a:cubicBezTo>
+                  <a:pt x="7542133" y="-997"/>
+                  <a:pt x="7252504" y="33858"/>
+                  <a:pt x="6940296" y="18288"/>
+                </a:cubicBezTo>
+                <a:cubicBezTo>
+                  <a:pt x="6628088" y="2718"/>
+                  <a:pt x="6528503" y="48389"/>
+                  <a:pt x="6254496" y="18288"/>
+                </a:cubicBezTo>
+                <a:cubicBezTo>
+                  <a:pt x="5980489" y="-11813"/>
+                  <a:pt x="5695784" y="-3740"/>
+                  <a:pt x="5458968" y="18288"/>
+                </a:cubicBezTo>
+                <a:cubicBezTo>
+                  <a:pt x="5222152" y="40316"/>
+                  <a:pt x="5010751" y="19095"/>
+                  <a:pt x="4663440" y="18288"/>
+                </a:cubicBezTo>
+                <a:cubicBezTo>
+                  <a:pt x="4316129" y="17481"/>
+                  <a:pt x="4425552" y="1606"/>
+                  <a:pt x="4306824" y="18288"/>
+                </a:cubicBezTo>
+                <a:cubicBezTo>
+                  <a:pt x="4188096" y="34970"/>
+                  <a:pt x="3941535" y="7481"/>
+                  <a:pt x="3840480" y="18288"/>
+                </a:cubicBezTo>
+                <a:cubicBezTo>
+                  <a:pt x="3739425" y="29095"/>
+                  <a:pt x="3402388" y="17641"/>
+                  <a:pt x="3264408" y="18288"/>
+                </a:cubicBezTo>
+                <a:cubicBezTo>
+                  <a:pt x="3126428" y="18935"/>
+                  <a:pt x="2776779" y="9983"/>
+                  <a:pt x="2578608" y="18288"/>
+                </a:cubicBezTo>
+                <a:cubicBezTo>
+                  <a:pt x="2380437" y="26593"/>
+                  <a:pt x="1909468" y="25818"/>
+                  <a:pt x="1673352" y="18288"/>
+                </a:cubicBezTo>
+                <a:cubicBezTo>
+                  <a:pt x="1437236" y="10758"/>
+                  <a:pt x="1131180" y="49884"/>
+                  <a:pt x="877824" y="18288"/>
+                </a:cubicBezTo>
+                <a:cubicBezTo>
+                  <a:pt x="624468" y="-13308"/>
+                  <a:pt x="206753" y="2195"/>
+                  <a:pt x="0" y="18288"/>
+                </a:cubicBezTo>
+                <a:cubicBezTo>
+                  <a:pt x="313" y="10654"/>
+                  <a:pt x="-263" y="4056"/>
+                  <a:pt x="0" y="0"/>
+                </a:cubicBezTo>
+                <a:close/>
+              </a:path>
+              <a:path w="10972800" h="18288" stroke="0" extrusionOk="0">
+                <a:moveTo>
+                  <a:pt x="0" y="0"/>
+                </a:moveTo>
+                <a:cubicBezTo>
+                  <a:pt x="164017" y="-17675"/>
+                  <a:pt x="309425" y="9913"/>
+                  <a:pt x="466344" y="0"/>
+                </a:cubicBezTo>
+                <a:cubicBezTo>
+                  <a:pt x="623263" y="-9913"/>
+                  <a:pt x="659300" y="-14524"/>
+                  <a:pt x="822960" y="0"/>
+                </a:cubicBezTo>
+                <a:cubicBezTo>
+                  <a:pt x="986620" y="14524"/>
+                  <a:pt x="1105222" y="-16481"/>
+                  <a:pt x="1289304" y="0"/>
+                </a:cubicBezTo>
+                <a:cubicBezTo>
+                  <a:pt x="1473386" y="16481"/>
+                  <a:pt x="1693223" y="26161"/>
+                  <a:pt x="1975104" y="0"/>
+                </a:cubicBezTo>
+                <a:cubicBezTo>
+                  <a:pt x="2256985" y="-26161"/>
+                  <a:pt x="2435781" y="23061"/>
+                  <a:pt x="2770632" y="0"/>
+                </a:cubicBezTo>
+                <a:cubicBezTo>
+                  <a:pt x="3105483" y="-23061"/>
+                  <a:pt x="3247479" y="-44011"/>
+                  <a:pt x="3675888" y="0"/>
+                </a:cubicBezTo>
+                <a:cubicBezTo>
+                  <a:pt x="4104297" y="44011"/>
+                  <a:pt x="4280918" y="4017"/>
+                  <a:pt x="4581144" y="0"/>
+                </a:cubicBezTo>
+                <a:cubicBezTo>
+                  <a:pt x="4881370" y="-4017"/>
+                  <a:pt x="5021699" y="-11889"/>
+                  <a:pt x="5157216" y="0"/>
+                </a:cubicBezTo>
+                <a:cubicBezTo>
+                  <a:pt x="5292733" y="11889"/>
+                  <a:pt x="5603398" y="-17698"/>
+                  <a:pt x="5952744" y="0"/>
+                </a:cubicBezTo>
+                <a:cubicBezTo>
+                  <a:pt x="6302090" y="17698"/>
+                  <a:pt x="6353093" y="-11909"/>
+                  <a:pt x="6638544" y="0"/>
+                </a:cubicBezTo>
+                <a:cubicBezTo>
+                  <a:pt x="6923995" y="11909"/>
+                  <a:pt x="7053404" y="21630"/>
+                  <a:pt x="7214616" y="0"/>
+                </a:cubicBezTo>
+                <a:cubicBezTo>
+                  <a:pt x="7375828" y="-21630"/>
+                  <a:pt x="7837963" y="3886"/>
+                  <a:pt x="8010144" y="0"/>
+                </a:cubicBezTo>
+                <a:cubicBezTo>
+                  <a:pt x="8182325" y="-3886"/>
+                  <a:pt x="8224183" y="16009"/>
+                  <a:pt x="8366760" y="0"/>
+                </a:cubicBezTo>
+                <a:cubicBezTo>
+                  <a:pt x="8509337" y="-16009"/>
+                  <a:pt x="8687920" y="-5720"/>
+                  <a:pt x="8942832" y="0"/>
+                </a:cubicBezTo>
+                <a:cubicBezTo>
+                  <a:pt x="9197744" y="5720"/>
+                  <a:pt x="9368437" y="20479"/>
+                  <a:pt x="9628632" y="0"/>
+                </a:cubicBezTo>
+                <a:cubicBezTo>
+                  <a:pt x="9888827" y="-20479"/>
+                  <a:pt x="10560858" y="-20746"/>
+                  <a:pt x="10972800" y="0"/>
+                </a:cubicBezTo>
+                <a:cubicBezTo>
+                  <a:pt x="10972186" y="5722"/>
+                  <a:pt x="10972980" y="12495"/>
+                  <a:pt x="10972800" y="18288"/>
+                </a:cubicBezTo>
+                <a:cubicBezTo>
+                  <a:pt x="10786146" y="12536"/>
+                  <a:pt x="10623717" y="14033"/>
+                  <a:pt x="10506456" y="18288"/>
+                </a:cubicBezTo>
+                <a:cubicBezTo>
+                  <a:pt x="10389195" y="22543"/>
+                  <a:pt x="10296178" y="20107"/>
+                  <a:pt x="10149840" y="18288"/>
+                </a:cubicBezTo>
+                <a:cubicBezTo>
+                  <a:pt x="10003502" y="16469"/>
+                  <a:pt x="9767530" y="28891"/>
+                  <a:pt x="9464040" y="18288"/>
+                </a:cubicBezTo>
+                <a:cubicBezTo>
+                  <a:pt x="9160550" y="7685"/>
+                  <a:pt x="9229050" y="2659"/>
+                  <a:pt x="8997696" y="18288"/>
+                </a:cubicBezTo>
+                <a:cubicBezTo>
+                  <a:pt x="8766342" y="33917"/>
+                  <a:pt x="8340136" y="34864"/>
+                  <a:pt x="8092440" y="18288"/>
+                </a:cubicBezTo>
+                <a:cubicBezTo>
+                  <a:pt x="7844744" y="1712"/>
+                  <a:pt x="7863720" y="27405"/>
+                  <a:pt x="7735824" y="18288"/>
+                </a:cubicBezTo>
+                <a:cubicBezTo>
+                  <a:pt x="7607928" y="9171"/>
+                  <a:pt x="7323619" y="461"/>
+                  <a:pt x="7050024" y="18288"/>
+                </a:cubicBezTo>
+                <a:cubicBezTo>
+                  <a:pt x="6776429" y="36115"/>
+                  <a:pt x="6787899" y="28206"/>
+                  <a:pt x="6693408" y="18288"/>
+                </a:cubicBezTo>
+                <a:cubicBezTo>
+                  <a:pt x="6598917" y="8370"/>
+                  <a:pt x="6395231" y="19114"/>
+                  <a:pt x="6227064" y="18288"/>
+                </a:cubicBezTo>
+                <a:cubicBezTo>
+                  <a:pt x="6058897" y="17462"/>
+                  <a:pt x="5618582" y="1091"/>
+                  <a:pt x="5431536" y="18288"/>
+                </a:cubicBezTo>
+                <a:cubicBezTo>
+                  <a:pt x="5244490" y="35485"/>
+                  <a:pt x="4729797" y="-9650"/>
+                  <a:pt x="4526280" y="18288"/>
+                </a:cubicBezTo>
+                <a:cubicBezTo>
+                  <a:pt x="4322763" y="46226"/>
+                  <a:pt x="4216797" y="756"/>
+                  <a:pt x="4059936" y="18288"/>
+                </a:cubicBezTo>
+                <a:cubicBezTo>
+                  <a:pt x="3903075" y="35820"/>
+                  <a:pt x="3537912" y="42098"/>
+                  <a:pt x="3374136" y="18288"/>
+                </a:cubicBezTo>
+                <a:cubicBezTo>
+                  <a:pt x="3210360" y="-5522"/>
+                  <a:pt x="3126842" y="39135"/>
+                  <a:pt x="2907792" y="18288"/>
+                </a:cubicBezTo>
+                <a:cubicBezTo>
+                  <a:pt x="2688742" y="-2559"/>
+                  <a:pt x="2490436" y="34100"/>
+                  <a:pt x="2112264" y="18288"/>
+                </a:cubicBezTo>
+                <a:cubicBezTo>
+                  <a:pt x="1734092" y="2476"/>
+                  <a:pt x="1744622" y="-7274"/>
+                  <a:pt x="1536192" y="18288"/>
+                </a:cubicBezTo>
+                <a:cubicBezTo>
+                  <a:pt x="1327762" y="43850"/>
+                  <a:pt x="1189025" y="6435"/>
+                  <a:pt x="1069848" y="18288"/>
+                </a:cubicBezTo>
+                <a:cubicBezTo>
+                  <a:pt x="950671" y="30141"/>
+                  <a:pt x="858345" y="33684"/>
+                  <a:pt x="713232" y="18288"/>
+                </a:cubicBezTo>
+                <a:cubicBezTo>
+                  <a:pt x="568119" y="2892"/>
+                  <a:pt x="250292" y="5410"/>
+                  <a:pt x="0" y="18288"/>
+                </a:cubicBezTo>
+                <a:cubicBezTo>
+                  <a:pt x="465" y="13062"/>
+                  <a:pt x="-894" y="9029"/>
+                  <a:pt x="0" y="0"/>
+                </a:cubicBezTo>
+                <a:close/>
+              </a:path>
+            </a:pathLst>
+          </a:custGeom>
+          <a:solidFill>
+            <a:schemeClr val="accent2">
+              <a:alpha val="75000"/>
+            </a:schemeClr>
+          </a:solidFill>
+          <a:ln w="44450" cap="rnd">
+            <a:solidFill>
+              <a:schemeClr val="accent2">
+                <a:alpha val="75000"/>
+              </a:schemeClr>
+            </a:solidFill>
+            <a:round/>
+            <a:extLst>
+              <a:ext uri="{C807C97D-BFC1-408E-A445-0C87EB9F89A2}">
+                <ask:lineSketchStyleProps xmlns:ask="http://schemas.microsoft.com/office/drawing/2018/sketchyshapes" sd="2727557108">
+                  <a:prstGeom prst="rect">
+                    <a:avLst/>
+                  </a:prstGeom>
+                  <ask:type>
+                    <ask:lineSketchFreehand/>
+                  </ask:type>
+                </ask:lineSketchStyleProps>
+              </a:ext>
+            </a:extLst>
+          </a:ln>
+        </p:spPr>
+        <p:style>
+          <a:lnRef idx="2">
+            <a:schemeClr val="accent1">
+              <a:shade val="50000"/>
+            </a:schemeClr>
+          </a:lnRef>
+          <a:fillRef idx="1">
+            <a:schemeClr val="accent1"/>
+          </a:fillRef>
+          <a:effectRef idx="0">
+            <a:schemeClr val="accent1"/>
+          </a:effectRef>
+          <a:fontRef idx="minor">
+            <a:schemeClr val="lt1"/>
+          </a:fontRef>
+        </p:style>
+        <p:txBody>
+          <a:bodyPr rtlCol="0" anchor="ctr"/>
+          <a:lstStyle/>
+          <a:p>
+            <a:pPr algn="ctr"/>
+            <a:endParaRPr lang="en-US"/>
+          </a:p>
+        </p:txBody>
+      </p:sp>
+      <mc:AlternateContent xmlns:mc="http://schemas.openxmlformats.org/markup-compatibility/2006" xmlns:a14="http://schemas.microsoft.com/office/drawing/2010/main">
+        <mc:Choice Requires="a14">
+          <p:sp>
+            <p:nvSpPr>
+              <p:cNvPr id="6" name="Content Placeholder 5">
+                <a:extLst>
+                  <a:ext uri="{FF2B5EF4-FFF2-40B4-BE49-F238E27FC236}">
+                    <a16:creationId xmlns:a16="http://schemas.microsoft.com/office/drawing/2014/main" id="{A8850277-4FE6-EA5B-089D-4BD3AE738FBA}"/>
+                  </a:ext>
+                </a:extLst>
+              </p:cNvPr>
+              <p:cNvSpPr>
+                <a:spLocks noGrp="1"/>
+              </p:cNvSpPr>
+              <p:nvPr>
+                <p:ph idx="1"/>
+              </p:nvPr>
+            </p:nvSpPr>
+            <p:spPr>
+              <a:xfrm>
+                <a:off x="572493" y="2071316"/>
+                <a:ext cx="6713552" cy="4119172"/>
+              </a:xfrm>
+            </p:spPr>
+            <p:txBody>
+              <a:bodyPr anchor="t">
+                <a:normAutofit fontScale="85000" lnSpcReduction="20000"/>
+              </a:bodyPr>
+              <a:lstStyle/>
+              <a:p>
+                <a:r>
+                  <a:rPr lang="en-US" sz="1900" dirty="0"/>
+                  <a:t>Better complexity does not mean faster! Complexity analysis ignores constants.</a:t>
+                </a:r>
+                <a:r>
+                  <a:rPr lang="en-US" sz="1900" b="1" dirty="0"/>
+                  <a:t> runtime</a:t>
+                </a:r>
+                <a:endParaRPr lang="en-US" sz="1900" dirty="0"/>
+              </a:p>
+              <a:p>
+                <a:endParaRPr lang="en-US" sz="1900" dirty="0"/>
+              </a:p>
+              <a:p>
+                <a:r>
+                  <a:rPr lang="en-US" sz="1900" b="1" dirty="0"/>
+                  <a:t>Assumption</a:t>
+                </a:r>
+                <a:r>
+                  <a:rPr lang="en-US" sz="1900" dirty="0"/>
+                  <a:t> that each operation takes the same amount of time is very strong.</a:t>
+                </a:r>
+              </a:p>
+              <a:p>
+                <a:endParaRPr lang="en-US" sz="1900" dirty="0"/>
+              </a:p>
+              <a:p>
+                <a:r>
+                  <a:rPr lang="en-US" sz="1900" dirty="0"/>
+                  <a:t>Complexity analysis points to the part of the code that would benefit from algorithmic </a:t>
+                </a:r>
+                <a:r>
+                  <a:rPr lang="en-US" sz="1900" b="1" dirty="0"/>
+                  <a:t>optimization</a:t>
+                </a:r>
+                <a:r>
+                  <a:rPr lang="en-US" sz="1900" dirty="0"/>
+                  <a:t>.</a:t>
+                </a:r>
+              </a:p>
+              <a:p>
+                <a:endParaRPr lang="en-US" sz="1900" dirty="0"/>
+              </a:p>
+              <a:p>
+                <a:r>
+                  <a:rPr lang="en-US" sz="1900" dirty="0"/>
+                  <a:t>Complexity analysis looks at the </a:t>
+                </a:r>
+                <a:r>
+                  <a:rPr lang="en-US" sz="1900" b="1" dirty="0"/>
+                  <a:t>algorithm</a:t>
+                </a:r>
+                <a:r>
+                  <a:rPr lang="en-US" sz="1900" dirty="0"/>
+                  <a:t> and bad implementations (e.g., copying arrays unnecessarily)  may lead to worse run time.</a:t>
+                </a:r>
+              </a:p>
+              <a:p>
+                <a:endParaRPr lang="en-US" sz="1900" dirty="0"/>
+              </a:p>
+              <a:p>
+                <a:r>
+                  <a:rPr lang="en-US" sz="1900" b="1" dirty="0"/>
+                  <a:t>Big-Oh looks at the worst case. </a:t>
+                </a:r>
+                <a:r>
+                  <a:rPr lang="en-US" sz="1900" dirty="0"/>
+                  <a:t>Average case analysis is typically much harder to determine.</a:t>
+                </a:r>
+              </a:p>
+              <a:p>
+                <a:r>
+                  <a:rPr lang="en-US" sz="1900" dirty="0"/>
+                  <a:t>Space complexity analysis looks at how the memory need grows with </a:t>
+                </a:r>
+                <a14:m>
+                  <m:oMath xmlns:m="http://schemas.openxmlformats.org/officeDocument/2006/math">
+                    <m:r>
+                      <a:rPr lang="en-US" sz="1900" i="1" dirty="0" smtClean="0">
+                        <a:latin typeface="Cambria Math" panose="02040503050406030204" pitchFamily="18" charset="0"/>
+                      </a:rPr>
+                      <m:t>𝑁</m:t>
+                    </m:r>
+                  </m:oMath>
+                </a14:m>
+                <a:r>
+                  <a:rPr lang="en-US" sz="1900" dirty="0"/>
+                  <a:t>.</a:t>
+                </a:r>
+              </a:p>
+              <a:p>
+                <a:endParaRPr lang="en-US" sz="1900" dirty="0"/>
+              </a:p>
+              <a:p>
+                <a:endParaRPr lang="en-US" sz="1900" dirty="0"/>
+              </a:p>
+              <a:p>
+                <a:endParaRPr lang="en-US" sz="1900" dirty="0"/>
+              </a:p>
+            </p:txBody>
+          </p:sp>
+        </mc:Choice>
+        <mc:Fallback xmlns="">
+          <p:sp>
+            <p:nvSpPr>
+              <p:cNvPr id="6" name="Content Placeholder 5">
+                <a:extLst>
+                  <a:ext uri="{FF2B5EF4-FFF2-40B4-BE49-F238E27FC236}">
+                    <a16:creationId xmlns:a16="http://schemas.microsoft.com/office/drawing/2014/main" id="{A8850277-4FE6-EA5B-089D-4BD3AE738FBA}"/>
+                  </a:ext>
+                </a:extLst>
+              </p:cNvPr>
+              <p:cNvSpPr>
+                <a:spLocks noGrp="1" noRot="1" noChangeAspect="1" noMove="1" noResize="1" noEditPoints="1" noAdjustHandles="1" noChangeArrowheads="1" noChangeShapeType="1" noTextEdit="1"/>
+              </p:cNvSpPr>
+              <p:nvPr>
+                <p:ph idx="1"/>
+              </p:nvPr>
+            </p:nvSpPr>
+            <p:spPr>
+              <a:xfrm>
+                <a:off x="572493" y="2071316"/>
+                <a:ext cx="6713552" cy="4119172"/>
+              </a:xfrm>
+              <a:blipFill>
+                <a:blip r:embed="rId2"/>
+                <a:stretch>
+                  <a:fillRect l="-363" t="-1923"/>
+                </a:stretch>
+              </a:blipFill>
+            </p:spPr>
+            <p:txBody>
+              <a:bodyPr/>
+              <a:lstStyle/>
+              <a:p>
+                <a:r>
+                  <a:rPr lang="en-US">
+                    <a:noFill/>
+                  </a:rPr>
+                  <a:t> </a:t>
+                </a:r>
+              </a:p>
+            </p:txBody>
+          </p:sp>
+        </mc:Fallback>
+      </mc:AlternateContent>
+      <p:pic>
+        <p:nvPicPr>
+          <p:cNvPr id="32" name="Picture 31" descr="Geometric graphic background molecule and communication">
+            <a:extLst>
+              <a:ext uri="{FF2B5EF4-FFF2-40B4-BE49-F238E27FC236}">
+                <a16:creationId xmlns:a16="http://schemas.microsoft.com/office/drawing/2014/main" id="{25D4464C-4ED1-742A-26CA-58CFB1836073}"/>
+              </a:ext>
+            </a:extLst>
+          </p:cNvPr>
+          <p:cNvPicPr>
+            <a:picLocks noChangeAspect="1"/>
+          </p:cNvPicPr>
+          <p:nvPr/>
+        </p:nvPicPr>
+        <p:blipFill rotWithShape="1">
+          <a:blip r:embed="rId3">
+            <a:extLst>
+              <a:ext uri="{28A0092B-C50C-407E-A947-70E740481C1C}">
+                <a14:useLocalDpi xmlns:a14="http://schemas.microsoft.com/office/drawing/2010/main" val="0"/>
+              </a:ext>
+            </a:extLst>
+          </a:blip>
+          <a:srcRect l="17196" r="2714" b="1"/>
+          <a:stretch/>
+        </p:blipFill>
+        <p:spPr>
+          <a:xfrm>
+            <a:off x="7675658" y="2093976"/>
+            <a:ext cx="3941064" cy="4096512"/>
+          </a:xfrm>
+          <a:prstGeom prst="rect">
+            <a:avLst/>
+          </a:prstGeom>
+        </p:spPr>
+      </p:pic>
+    </p:spTree>
+    <p:extLst>
+      <p:ext uri="{BB962C8B-B14F-4D97-AF65-F5344CB8AC3E}">
+        <p14:creationId xmlns:p14="http://schemas.microsoft.com/office/powerpoint/2010/main" val="2599677049"/>
       </p:ext>
     </p:extLst>
   </p:cSld>
@@ -10463,8 +13626,8 @@
           </a:p>
         </p:txBody>
       </p:sp>
-      <mc:AlternateContent xmlns:mc="http://schemas.openxmlformats.org/markup-compatibility/2006">
-        <mc:Choice xmlns:a14="http://schemas.microsoft.com/office/drawing/2010/main" Requires="a14">
+      <mc:AlternateContent xmlns:mc="http://schemas.openxmlformats.org/markup-compatibility/2006" xmlns:a14="http://schemas.microsoft.com/office/drawing/2010/main">
+        <mc:Choice Requires="a14">
           <p:sp>
             <p:nvSpPr>
               <p:cNvPr id="3" name="Content Placeholder 2">
@@ -10574,7 +13737,7 @@
             </p:txBody>
           </p:sp>
         </mc:Choice>
-        <mc:Fallback>
+        <mc:Fallback xmlns="">
           <p:sp>
             <p:nvSpPr>
               <p:cNvPr id="3" name="Content Placeholder 2">
@@ -10773,8 +13936,8 @@
           </a:p>
         </p:txBody>
       </p:sp>
-      <mc:AlternateContent xmlns:mc="http://schemas.openxmlformats.org/markup-compatibility/2006">
-        <mc:Choice xmlns:a14="http://schemas.microsoft.com/office/drawing/2010/main" Requires="a14">
+      <mc:AlternateContent xmlns:mc="http://schemas.openxmlformats.org/markup-compatibility/2006" xmlns:a14="http://schemas.microsoft.com/office/drawing/2010/main">
+        <mc:Choice Requires="a14">
           <p:sp>
             <p:nvSpPr>
               <p:cNvPr id="3" name="Content Placeholder 2">
@@ -11566,7 +14729,7 @@
             </p:txBody>
           </p:sp>
         </mc:Choice>
-        <mc:Fallback>
+        <mc:Fallback xmlns="">
           <p:sp>
             <p:nvSpPr>
               <p:cNvPr id="3" name="Content Placeholder 2">
@@ -12014,8 +15177,8 @@
           </a:p>
         </p:txBody>
       </p:sp>
-      <mc:AlternateContent xmlns:mc="http://schemas.openxmlformats.org/markup-compatibility/2006">
-        <mc:Choice xmlns:a14="http://schemas.microsoft.com/office/drawing/2010/main" Requires="a14">
+      <mc:AlternateContent xmlns:mc="http://schemas.openxmlformats.org/markup-compatibility/2006" xmlns:a14="http://schemas.microsoft.com/office/drawing/2010/main">
+        <mc:Choice Requires="a14">
           <p:sp>
             <p:nvSpPr>
               <p:cNvPr id="3" name="Content Placeholder 2">
@@ -12923,7 +16086,7 @@
             </p:txBody>
           </p:sp>
         </mc:Choice>
-        <mc:Fallback>
+        <mc:Fallback xmlns="">
           <p:sp>
             <p:nvSpPr>
               <p:cNvPr id="3" name="Content Placeholder 2">
@@ -13002,450 +16165,6 @@
           <p:cNvPr id="2" name="Title 1">
             <a:extLst>
               <a:ext uri="{FF2B5EF4-FFF2-40B4-BE49-F238E27FC236}">
-                <a16:creationId xmlns:a16="http://schemas.microsoft.com/office/drawing/2014/main" id="{6815454F-16DB-CC60-9F51-AE84F8F982AE}"/>
-              </a:ext>
-            </a:extLst>
-          </p:cNvPr>
-          <p:cNvSpPr>
-            <a:spLocks noGrp="1"/>
-          </p:cNvSpPr>
-          <p:nvPr>
-            <p:ph type="title"/>
-          </p:nvPr>
-        </p:nvSpPr>
-        <p:spPr/>
-        <p:txBody>
-          <a:bodyPr/>
-          <a:lstStyle/>
-          <a:p>
-            <a:r>
-              <a:rPr lang="en-US" dirty="0"/>
-              <a:t>Example</a:t>
-            </a:r>
-          </a:p>
-        </p:txBody>
-      </p:sp>
-      <p:sp>
-        <p:nvSpPr>
-          <p:cNvPr id="3" name="Content Placeholder 2">
-            <a:extLst>
-              <a:ext uri="{FF2B5EF4-FFF2-40B4-BE49-F238E27FC236}">
-                <a16:creationId xmlns:a16="http://schemas.microsoft.com/office/drawing/2014/main" id="{9EBF3B30-480F-8E99-F2DE-789765D15B00}"/>
-              </a:ext>
-            </a:extLst>
-          </p:cNvPr>
-          <p:cNvSpPr>
-            <a:spLocks noGrp="1"/>
-          </p:cNvSpPr>
-          <p:nvPr>
-            <p:ph idx="1"/>
-          </p:nvPr>
-        </p:nvSpPr>
-        <p:spPr>
-          <a:xfrm>
-            <a:off x="838200" y="5172125"/>
-            <a:ext cx="10515600" cy="1196402"/>
-          </a:xfrm>
-        </p:spPr>
-        <p:txBody>
-          <a:bodyPr>
-            <a:normAutofit fontScale="92500" lnSpcReduction="20000"/>
-          </a:bodyPr>
-          <a:lstStyle/>
-          <a:p>
-            <a:pPr marL="0" indent="0">
-              <a:buNone/>
-            </a:pPr>
-            <a:endParaRPr lang="en-US" dirty="0">
-              <a:cs typeface="Courier New" panose="02070309020205020404" pitchFamily="49" charset="0"/>
-            </a:endParaRPr>
-          </a:p>
-          <a:p>
-            <a:pPr marL="0" indent="0">
-              <a:buNone/>
-            </a:pPr>
-            <a:r>
-              <a:rPr lang="en-US" dirty="0">
-                <a:cs typeface="Courier New" panose="02070309020205020404" pitchFamily="49" charset="0"/>
-              </a:rPr>
-              <a:t>Worst-case time complexity?</a:t>
-            </a:r>
-          </a:p>
-          <a:p>
-            <a:pPr marL="0" indent="0">
-              <a:buNone/>
-            </a:pPr>
-            <a:r>
-              <a:rPr lang="en-US" dirty="0">
-                <a:cs typeface="Courier New" panose="02070309020205020404" pitchFamily="49" charset="0"/>
-              </a:rPr>
-              <a:t>Worst-case space complexity?</a:t>
-            </a:r>
-          </a:p>
-        </p:txBody>
-      </p:sp>
-      <p:sp>
-        <p:nvSpPr>
-          <p:cNvPr id="5" name="TextBox 4">
-            <a:extLst>
-              <a:ext uri="{FF2B5EF4-FFF2-40B4-BE49-F238E27FC236}">
-                <a16:creationId xmlns:a16="http://schemas.microsoft.com/office/drawing/2014/main" id="{B9D84CDE-497D-FA48-66D0-E18B617AC311}"/>
-              </a:ext>
-            </a:extLst>
-          </p:cNvPr>
-          <p:cNvSpPr txBox="1"/>
-          <p:nvPr/>
-        </p:nvSpPr>
-        <p:spPr>
-          <a:xfrm>
-            <a:off x="3960194" y="1459172"/>
-            <a:ext cx="4271612" cy="3785652"/>
-          </a:xfrm>
-          <a:prstGeom prst="rect">
-            <a:avLst/>
-          </a:prstGeom>
-        </p:spPr>
-        <p:style>
-          <a:lnRef idx="1">
-            <a:schemeClr val="accent4"/>
-          </a:lnRef>
-          <a:fillRef idx="2">
-            <a:schemeClr val="accent4"/>
-          </a:fillRef>
-          <a:effectRef idx="1">
-            <a:schemeClr val="accent4"/>
-          </a:effectRef>
-          <a:fontRef idx="minor">
-            <a:schemeClr val="dk1"/>
-          </a:fontRef>
-        </p:style>
-        <p:txBody>
-          <a:bodyPr wrap="square">
-            <a:spAutoFit/>
-          </a:bodyPr>
-          <a:lstStyle/>
-          <a:p>
-            <a:pPr marL="0" indent="0">
-              <a:buNone/>
-            </a:pPr>
-            <a:r>
-              <a:rPr lang="en-US" sz="2000" b="1" dirty="0">
-                <a:cs typeface="Courier New" panose="02070309020205020404" pitchFamily="49" charset="0"/>
-              </a:rPr>
-              <a:t>// n is the length of the </a:t>
-            </a:r>
-            <a:r>
-              <a:rPr lang="en-US" sz="2000" b="1" dirty="0" err="1">
-                <a:cs typeface="Courier New" panose="02070309020205020404" pitchFamily="49" charset="0"/>
-              </a:rPr>
-              <a:t>arr</a:t>
-            </a:r>
-            <a:endParaRPr lang="en-US" sz="2000" b="1" dirty="0">
-              <a:cs typeface="Courier New" panose="02070309020205020404" pitchFamily="49" charset="0"/>
-            </a:endParaRPr>
-          </a:p>
-          <a:p>
-            <a:pPr marL="0" indent="0">
-              <a:buNone/>
-            </a:pPr>
-            <a:r>
-              <a:rPr lang="en-US" sz="2000" b="1" dirty="0">
-                <a:cs typeface="Courier New" panose="02070309020205020404" pitchFamily="49" charset="0"/>
-              </a:rPr>
-              <a:t>void </a:t>
-            </a:r>
-            <a:r>
-              <a:rPr lang="en-US" sz="2000" b="1" dirty="0" err="1">
-                <a:cs typeface="Courier New" panose="02070309020205020404" pitchFamily="49" charset="0"/>
-              </a:rPr>
-              <a:t>bubbleSort</a:t>
-            </a:r>
-            <a:r>
-              <a:rPr lang="en-US" sz="2000" b="1" dirty="0">
-                <a:cs typeface="Courier New" panose="02070309020205020404" pitchFamily="49" charset="0"/>
-              </a:rPr>
-              <a:t>(int </a:t>
-            </a:r>
-            <a:r>
-              <a:rPr lang="en-US" sz="2000" b="1" dirty="0" err="1">
-                <a:cs typeface="Courier New" panose="02070309020205020404" pitchFamily="49" charset="0"/>
-              </a:rPr>
-              <a:t>arr</a:t>
-            </a:r>
-            <a:r>
-              <a:rPr lang="en-US" sz="2000" b="1" dirty="0">
-                <a:cs typeface="Courier New" panose="02070309020205020404" pitchFamily="49" charset="0"/>
-              </a:rPr>
-              <a:t>[], int n)</a:t>
-            </a:r>
-          </a:p>
-          <a:p>
-            <a:pPr marL="0" indent="0">
-              <a:buNone/>
-            </a:pPr>
-            <a:r>
-              <a:rPr lang="en-US" sz="2000" b="1" dirty="0">
-                <a:cs typeface="Courier New" panose="02070309020205020404" pitchFamily="49" charset="0"/>
-              </a:rPr>
-              <a:t>{</a:t>
-            </a:r>
-          </a:p>
-          <a:p>
-            <a:pPr marL="0" indent="0">
-              <a:buNone/>
-            </a:pPr>
-            <a:r>
-              <a:rPr lang="en-US" sz="2000" b="1" dirty="0">
-                <a:cs typeface="Courier New" panose="02070309020205020404" pitchFamily="49" charset="0"/>
-              </a:rPr>
-              <a:t>    int </a:t>
-            </a:r>
-            <a:r>
-              <a:rPr lang="en-US" sz="2000" b="1" dirty="0" err="1">
-                <a:cs typeface="Courier New" panose="02070309020205020404" pitchFamily="49" charset="0"/>
-              </a:rPr>
-              <a:t>i</a:t>
-            </a:r>
-            <a:r>
-              <a:rPr lang="en-US" sz="2000" b="1" dirty="0">
-                <a:cs typeface="Courier New" panose="02070309020205020404" pitchFamily="49" charset="0"/>
-              </a:rPr>
-              <a:t>, j;</a:t>
-            </a:r>
-          </a:p>
-          <a:p>
-            <a:pPr marL="0" indent="0">
-              <a:buNone/>
-            </a:pPr>
-            <a:r>
-              <a:rPr lang="en-US" sz="2000" b="1" dirty="0">
-                <a:cs typeface="Courier New" panose="02070309020205020404" pitchFamily="49" charset="0"/>
-              </a:rPr>
-              <a:t>    for (</a:t>
-            </a:r>
-            <a:r>
-              <a:rPr lang="en-US" sz="2000" b="1" dirty="0" err="1">
-                <a:cs typeface="Courier New" panose="02070309020205020404" pitchFamily="49" charset="0"/>
-              </a:rPr>
-              <a:t>i</a:t>
-            </a:r>
-            <a:r>
-              <a:rPr lang="en-US" sz="2000" b="1" dirty="0">
-                <a:cs typeface="Courier New" panose="02070309020205020404" pitchFamily="49" charset="0"/>
-              </a:rPr>
-              <a:t> = 0; </a:t>
-            </a:r>
-            <a:r>
-              <a:rPr lang="en-US" sz="2000" b="1" dirty="0" err="1">
-                <a:cs typeface="Courier New" panose="02070309020205020404" pitchFamily="49" charset="0"/>
-              </a:rPr>
-              <a:t>i</a:t>
-            </a:r>
-            <a:r>
-              <a:rPr lang="en-US" sz="2000" b="1" dirty="0">
-                <a:cs typeface="Courier New" panose="02070309020205020404" pitchFamily="49" charset="0"/>
-              </a:rPr>
-              <a:t> &lt; n - 1; ++</a:t>
-            </a:r>
-            <a:r>
-              <a:rPr lang="en-US" sz="2000" b="1" dirty="0" err="1">
-                <a:cs typeface="Courier New" panose="02070309020205020404" pitchFamily="49" charset="0"/>
-              </a:rPr>
-              <a:t>i</a:t>
-            </a:r>
-            <a:r>
-              <a:rPr lang="en-US" sz="2000" b="1" dirty="0">
-                <a:cs typeface="Courier New" panose="02070309020205020404" pitchFamily="49" charset="0"/>
-              </a:rPr>
-              <a:t>)</a:t>
-            </a:r>
-          </a:p>
-          <a:p>
-            <a:pPr marL="0" indent="0">
-              <a:buNone/>
-            </a:pPr>
-            <a:r>
-              <a:rPr lang="en-US" sz="2000" b="1" dirty="0">
-                <a:cs typeface="Courier New" panose="02070309020205020404" pitchFamily="49" charset="0"/>
-              </a:rPr>
-              <a:t>  </a:t>
-            </a:r>
-          </a:p>
-          <a:p>
-            <a:pPr marL="0" indent="0">
-              <a:buNone/>
-            </a:pPr>
-            <a:r>
-              <a:rPr lang="en-US" sz="2000" b="1" dirty="0">
-                <a:cs typeface="Courier New" panose="02070309020205020404" pitchFamily="49" charset="0"/>
-              </a:rPr>
-              <a:t>        // Last </a:t>
-            </a:r>
-            <a:r>
-              <a:rPr lang="en-US" sz="2000" b="1" dirty="0" err="1">
-                <a:cs typeface="Courier New" panose="02070309020205020404" pitchFamily="49" charset="0"/>
-              </a:rPr>
-              <a:t>i</a:t>
-            </a:r>
-            <a:r>
-              <a:rPr lang="en-US" sz="2000" b="1" dirty="0">
-                <a:cs typeface="Courier New" panose="02070309020205020404" pitchFamily="49" charset="0"/>
-              </a:rPr>
-              <a:t> elements are already </a:t>
-            </a:r>
-          </a:p>
-          <a:p>
-            <a:pPr marL="0" indent="0">
-              <a:buNone/>
-            </a:pPr>
-            <a:r>
-              <a:rPr lang="en-US" sz="2000" b="1" dirty="0">
-                <a:cs typeface="Courier New" panose="02070309020205020404" pitchFamily="49" charset="0"/>
-              </a:rPr>
-              <a:t>        // in place</a:t>
-            </a:r>
-          </a:p>
-          <a:p>
-            <a:pPr marL="0" indent="0">
-              <a:buNone/>
-            </a:pPr>
-            <a:r>
-              <a:rPr lang="en-US" sz="2000" b="1" dirty="0">
-                <a:cs typeface="Courier New" panose="02070309020205020404" pitchFamily="49" charset="0"/>
-              </a:rPr>
-              <a:t>        for (j = 0; j &lt; n - </a:t>
-            </a:r>
-            <a:r>
-              <a:rPr lang="en-US" sz="2000" b="1" dirty="0" err="1">
-                <a:cs typeface="Courier New" panose="02070309020205020404" pitchFamily="49" charset="0"/>
-              </a:rPr>
-              <a:t>i</a:t>
-            </a:r>
-            <a:r>
-              <a:rPr lang="en-US" sz="2000" b="1" dirty="0">
-                <a:cs typeface="Courier New" panose="02070309020205020404" pitchFamily="49" charset="0"/>
-              </a:rPr>
-              <a:t> - 1; ++j)</a:t>
-            </a:r>
-          </a:p>
-          <a:p>
-            <a:pPr marL="0" indent="0">
-              <a:buNone/>
-            </a:pPr>
-            <a:r>
-              <a:rPr lang="en-US" sz="2000" b="1" dirty="0">
-                <a:cs typeface="Courier New" panose="02070309020205020404" pitchFamily="49" charset="0"/>
-              </a:rPr>
-              <a:t>            if (</a:t>
-            </a:r>
-            <a:r>
-              <a:rPr lang="en-US" sz="2000" b="1" dirty="0" err="1">
-                <a:cs typeface="Courier New" panose="02070309020205020404" pitchFamily="49" charset="0"/>
-              </a:rPr>
-              <a:t>arr</a:t>
-            </a:r>
-            <a:r>
-              <a:rPr lang="en-US" sz="2000" b="1" dirty="0">
-                <a:cs typeface="Courier New" panose="02070309020205020404" pitchFamily="49" charset="0"/>
-              </a:rPr>
-              <a:t>[j] &gt; </a:t>
-            </a:r>
-            <a:r>
-              <a:rPr lang="en-US" sz="2000" b="1" dirty="0" err="1">
-                <a:cs typeface="Courier New" panose="02070309020205020404" pitchFamily="49" charset="0"/>
-              </a:rPr>
-              <a:t>arr</a:t>
-            </a:r>
-            <a:r>
-              <a:rPr lang="en-US" sz="2000" b="1" dirty="0">
-                <a:cs typeface="Courier New" panose="02070309020205020404" pitchFamily="49" charset="0"/>
-              </a:rPr>
-              <a:t>[j + 1])</a:t>
-            </a:r>
-          </a:p>
-          <a:p>
-            <a:pPr marL="0" indent="0">
-              <a:buNone/>
-            </a:pPr>
-            <a:r>
-              <a:rPr lang="en-US" sz="2000" b="1" dirty="0">
-                <a:cs typeface="Courier New" panose="02070309020205020404" pitchFamily="49" charset="0"/>
-              </a:rPr>
-              <a:t>                swap(</a:t>
-            </a:r>
-            <a:r>
-              <a:rPr lang="en-US" sz="2000" b="1" dirty="0" err="1">
-                <a:cs typeface="Courier New" panose="02070309020205020404" pitchFamily="49" charset="0"/>
-              </a:rPr>
-              <a:t>arr</a:t>
-            </a:r>
-            <a:r>
-              <a:rPr lang="en-US" sz="2000" b="1" dirty="0">
-                <a:cs typeface="Courier New" panose="02070309020205020404" pitchFamily="49" charset="0"/>
-              </a:rPr>
-              <a:t>[j], </a:t>
-            </a:r>
-            <a:r>
-              <a:rPr lang="en-US" sz="2000" b="1" dirty="0" err="1">
-                <a:cs typeface="Courier New" panose="02070309020205020404" pitchFamily="49" charset="0"/>
-              </a:rPr>
-              <a:t>arr</a:t>
-            </a:r>
-            <a:r>
-              <a:rPr lang="en-US" sz="2000" b="1" dirty="0">
-                <a:cs typeface="Courier New" panose="02070309020205020404" pitchFamily="49" charset="0"/>
-              </a:rPr>
-              <a:t>[j + 1]);</a:t>
-            </a:r>
-          </a:p>
-          <a:p>
-            <a:pPr marL="0" indent="0">
-              <a:buNone/>
-            </a:pPr>
-            <a:r>
-              <a:rPr lang="en-US" sz="2000" b="1" dirty="0">
-                <a:cs typeface="Courier New" panose="02070309020205020404" pitchFamily="49" charset="0"/>
-              </a:rPr>
-              <a:t>}</a:t>
-            </a:r>
-          </a:p>
-        </p:txBody>
-      </p:sp>
-    </p:spTree>
-    <p:extLst>
-      <p:ext uri="{BB962C8B-B14F-4D97-AF65-F5344CB8AC3E}">
-        <p14:creationId xmlns:p14="http://schemas.microsoft.com/office/powerpoint/2010/main" val="3680439757"/>
-      </p:ext>
-    </p:extLst>
-  </p:cSld>
-  <p:clrMapOvr>
-    <a:masterClrMapping/>
-  </p:clrMapOvr>
-</p:sld>
-</file>
-
-<file path=ppt/slides/slide8.xml><?xml version="1.0" encoding="utf-8"?>
-<p:sld xmlns:a="http://schemas.openxmlformats.org/drawingml/2006/main" xmlns:r="http://schemas.openxmlformats.org/officeDocument/2006/relationships" xmlns:p="http://schemas.openxmlformats.org/presentationml/2006/main">
-  <p:cSld>
-    <p:spTree>
-      <p:nvGrpSpPr>
-        <p:cNvPr id="1" name=""/>
-        <p:cNvGrpSpPr/>
-        <p:nvPr/>
-      </p:nvGrpSpPr>
-      <p:grpSpPr>
-        <a:xfrm>
-          <a:off x="0" y="0"/>
-          <a:ext cx="0" cy="0"/>
-          <a:chOff x="0" y="0"/>
-          <a:chExt cx="0" cy="0"/>
-        </a:xfrm>
-      </p:grpSpPr>
-      <p:sp>
-        <p:nvSpPr>
-          <p:cNvPr id="2" name="Title 1">
-            <a:extLst>
-              <a:ext uri="{FF2B5EF4-FFF2-40B4-BE49-F238E27FC236}">
                 <a16:creationId xmlns:a16="http://schemas.microsoft.com/office/drawing/2014/main" id="{4231935F-72AF-B0DD-3045-09F8AEDFB194}"/>
               </a:ext>
             </a:extLst>
@@ -13469,8 +16188,8 @@
           </a:p>
         </p:txBody>
       </p:sp>
-      <mc:AlternateContent xmlns:mc="http://schemas.openxmlformats.org/markup-compatibility/2006">
-        <mc:Choice xmlns:a14="http://schemas.microsoft.com/office/drawing/2010/main" Requires="a14">
+      <mc:AlternateContent xmlns:mc="http://schemas.openxmlformats.org/markup-compatibility/2006" xmlns:a14="http://schemas.microsoft.com/office/drawing/2010/main">
+        <mc:Choice Requires="a14">
           <p:sp>
             <p:nvSpPr>
               <p:cNvPr id="3" name="Content Placeholder 2">
@@ -13657,13 +16376,7 @@
                             <a:rPr lang="en-US" b="0" i="1" dirty="0" smtClean="0">
                               <a:latin typeface="Cambria Math" panose="02040503050406030204" pitchFamily="18" charset="0"/>
                             </a:rPr>
-                            <m:t>=</m:t>
-                          </m:r>
-                          <m:r>
-                            <a:rPr lang="en-US" b="0" i="1" dirty="0" smtClean="0">
-                              <a:latin typeface="Cambria Math" panose="02040503050406030204" pitchFamily="18" charset="0"/>
-                            </a:rPr>
-                            <m:t>1</m:t>
+                            <m:t>=1</m:t>
                           </m:r>
                         </m:sub>
                         <m:sup>
@@ -13815,7 +16528,7 @@
             </p:txBody>
           </p:sp>
         </mc:Choice>
-        <mc:Fallback>
+        <mc:Fallback xmlns="">
           <p:sp>
             <p:nvSpPr>
               <p:cNvPr id="3" name="Content Placeholder 2">
@@ -13859,8 +16572,8 @@
           </p:sp>
         </mc:Fallback>
       </mc:AlternateContent>
-      <mc:AlternateContent xmlns:mc="http://schemas.openxmlformats.org/markup-compatibility/2006">
-        <mc:Choice xmlns:a14="http://schemas.microsoft.com/office/drawing/2010/main" Requires="a14">
+      <mc:AlternateContent xmlns:mc="http://schemas.openxmlformats.org/markup-compatibility/2006" xmlns:a14="http://schemas.microsoft.com/office/drawing/2010/main">
+        <mc:Choice Requires="a14">
           <p:sp>
             <p:nvSpPr>
               <p:cNvPr id="4" name="Content Placeholder 3">
@@ -14188,7 +16901,7 @@
             </p:txBody>
           </p:sp>
         </mc:Choice>
-        <mc:Fallback>
+        <mc:Fallback xmlns="">
           <p:sp>
             <p:nvSpPr>
               <p:cNvPr id="4" name="Content Placeholder 3">
@@ -14245,17 +16958,9 @@
 </p:sld>
 </file>
 
-<file path=ppt/slides/slide9.xml><?xml version="1.0" encoding="utf-8"?>
+<file path=ppt/slides/slide8.xml><?xml version="1.0" encoding="utf-8"?>
 <p:sld xmlns:a="http://schemas.openxmlformats.org/drawingml/2006/main" xmlns:r="http://schemas.openxmlformats.org/officeDocument/2006/relationships" xmlns:p="http://schemas.openxmlformats.org/presentationml/2006/main">
   <p:cSld>
-    <p:bg>
-      <p:bgPr>
-        <a:solidFill>
-          <a:schemeClr val="bg1"/>
-        </a:solidFill>
-        <a:effectLst/>
-      </p:bgPr>
-    </p:bg>
     <p:spTree>
       <p:nvGrpSpPr>
         <p:cNvPr id="1" name=""/>
@@ -14270,72 +16975,12 @@
           <a:chExt cx="0" cy="0"/>
         </a:xfrm>
       </p:grpSpPr>
-      <p:sp useBgFill="1">
+      <p:sp>
         <p:nvSpPr>
-          <p:cNvPr id="41" name="Rectangle 36">
+          <p:cNvPr id="2" name="Title 1">
             <a:extLst>
               <a:ext uri="{FF2B5EF4-FFF2-40B4-BE49-F238E27FC236}">
-                <a16:creationId xmlns:a16="http://schemas.microsoft.com/office/drawing/2014/main" id="{45D37F4E-DDB4-456B-97E0-9937730A039F}"/>
-              </a:ext>
-              <a:ext uri="{C183D7F6-B498-43B3-948B-1728B52AA6E4}">
-                <adec:decorative xmlns:adec="http://schemas.microsoft.com/office/drawing/2017/decorative" val="1"/>
-              </a:ext>
-            </a:extLst>
-          </p:cNvPr>
-          <p:cNvSpPr>
-            <a:spLocks noGrp="1" noRot="1" noChangeAspect="1" noMove="1" noResize="1" noEditPoints="1" noAdjustHandles="1" noChangeArrowheads="1" noChangeShapeType="1" noTextEdit="1"/>
-          </p:cNvSpPr>
-          <p:nvPr>
-            <p:extLst>
-              <p:ext uri="{386F3935-93C4-4BCD-93E2-E3B085C9AB24}">
-                <p16:designElem xmlns:p16="http://schemas.microsoft.com/office/powerpoint/2015/main" val="1"/>
-              </p:ext>
-            </p:extLst>
-          </p:nvPr>
-        </p:nvSpPr>
-        <p:spPr>
-          <a:xfrm>
-            <a:off x="0" y="0"/>
-            <a:ext cx="12188952" cy="6858000"/>
-          </a:xfrm>
-          <a:prstGeom prst="rect">
-            <a:avLst/>
-          </a:prstGeom>
-          <a:ln>
-            <a:noFill/>
-          </a:ln>
-        </p:spPr>
-        <p:style>
-          <a:lnRef idx="2">
-            <a:schemeClr val="accent1">
-              <a:shade val="50000"/>
-            </a:schemeClr>
-          </a:lnRef>
-          <a:fillRef idx="1">
-            <a:schemeClr val="accent1"/>
-          </a:fillRef>
-          <a:effectRef idx="0">
-            <a:schemeClr val="accent1"/>
-          </a:effectRef>
-          <a:fontRef idx="minor">
-            <a:schemeClr val="lt1"/>
-          </a:fontRef>
-        </p:style>
-        <p:txBody>
-          <a:bodyPr rtlCol="0" anchor="ctr"/>
-          <a:lstStyle/>
-          <a:p>
-            <a:pPr algn="ctr"/>
-            <a:endParaRPr lang="en-US"/>
-          </a:p>
-        </p:txBody>
-      </p:sp>
-      <p:sp>
-        <p:nvSpPr>
-          <p:cNvPr id="5" name="Title 4">
-            <a:extLst>
-              <a:ext uri="{FF2B5EF4-FFF2-40B4-BE49-F238E27FC236}">
-                <a16:creationId xmlns:a16="http://schemas.microsoft.com/office/drawing/2014/main" id="{F8EC137F-14AC-101D-CEB8-C93AAB6F1250}"/>
+                <a16:creationId xmlns:a16="http://schemas.microsoft.com/office/drawing/2014/main" id="{6815454F-16DB-CC60-9F51-AE84F8F982AE}"/>
               </a:ext>
             </a:extLst>
           </p:cNvPr>
@@ -14346,695 +16991,470 @@
             <p:ph type="title"/>
           </p:nvPr>
         </p:nvSpPr>
-        <p:spPr>
-          <a:xfrm>
-            <a:off x="572493" y="238539"/>
-            <a:ext cx="11018520" cy="1434415"/>
-          </a:xfrm>
-        </p:spPr>
+        <p:spPr/>
         <p:txBody>
-          <a:bodyPr anchor="b">
-            <a:normAutofit/>
-          </a:bodyPr>
+          <a:bodyPr/>
           <a:lstStyle/>
           <a:p>
             <a:r>
-              <a:rPr lang="en-US" sz="5400"/>
-              <a:t>Some Final Words on Complexity</a:t>
+              <a:rPr lang="en-US" dirty="0"/>
+              <a:t>Example: Bubble Sort</a:t>
             </a:r>
           </a:p>
         </p:txBody>
       </p:sp>
       <p:sp>
         <p:nvSpPr>
-          <p:cNvPr id="42" name="sketchy line">
+          <p:cNvPr id="3" name="Content Placeholder 2">
             <a:extLst>
               <a:ext uri="{FF2B5EF4-FFF2-40B4-BE49-F238E27FC236}">
-                <a16:creationId xmlns:a16="http://schemas.microsoft.com/office/drawing/2014/main" id="{B2DD41CD-8F47-4F56-AD12-4E2FF7696987}"/>
-              </a:ext>
-              <a:ext uri="{C183D7F6-B498-43B3-948B-1728B52AA6E4}">
-                <adec:decorative xmlns:adec="http://schemas.microsoft.com/office/drawing/2017/decorative" val="1"/>
+                <a16:creationId xmlns:a16="http://schemas.microsoft.com/office/drawing/2014/main" id="{9EBF3B30-480F-8E99-F2DE-789765D15B00}"/>
               </a:ext>
             </a:extLst>
           </p:cNvPr>
           <p:cNvSpPr>
-            <a:spLocks noGrp="1" noRot="1" noChangeAspect="1" noMove="1" noResize="1" noEditPoints="1" noAdjustHandles="1" noChangeArrowheads="1" noChangeShapeType="1" noTextEdit="1"/>
+            <a:spLocks noGrp="1"/>
           </p:cNvSpPr>
           <p:nvPr>
-            <p:extLst>
-              <p:ext uri="{386F3935-93C4-4BCD-93E2-E3B085C9AB24}">
-                <p16:designElem xmlns:p16="http://schemas.microsoft.com/office/powerpoint/2015/main" val="1"/>
-              </p:ext>
-            </p:extLst>
+            <p:ph idx="1"/>
           </p:nvPr>
         </p:nvSpPr>
         <p:spPr>
           <a:xfrm>
-            <a:off x="572493" y="1681544"/>
-            <a:ext cx="10972800" cy="18288"/>
+            <a:off x="5902978" y="1386473"/>
+            <a:ext cx="4427853" cy="1574750"/>
           </a:xfrm>
-          <a:custGeom>
-            <a:avLst/>
-            <a:gdLst>
-              <a:gd name="connsiteX0" fmla="*/ 0 w 10972800"/>
-              <a:gd name="connsiteY0" fmla="*/ 0 h 18288"/>
-              <a:gd name="connsiteX1" fmla="*/ 356616 w 10972800"/>
-              <a:gd name="connsiteY1" fmla="*/ 0 h 18288"/>
-              <a:gd name="connsiteX2" fmla="*/ 1042416 w 10972800"/>
-              <a:gd name="connsiteY2" fmla="*/ 0 h 18288"/>
-              <a:gd name="connsiteX3" fmla="*/ 1947672 w 10972800"/>
-              <a:gd name="connsiteY3" fmla="*/ 0 h 18288"/>
-              <a:gd name="connsiteX4" fmla="*/ 2633472 w 10972800"/>
-              <a:gd name="connsiteY4" fmla="*/ 0 h 18288"/>
-              <a:gd name="connsiteX5" fmla="*/ 2990088 w 10972800"/>
-              <a:gd name="connsiteY5" fmla="*/ 0 h 18288"/>
-              <a:gd name="connsiteX6" fmla="*/ 3456432 w 10972800"/>
-              <a:gd name="connsiteY6" fmla="*/ 0 h 18288"/>
-              <a:gd name="connsiteX7" fmla="*/ 4361688 w 10972800"/>
-              <a:gd name="connsiteY7" fmla="*/ 0 h 18288"/>
-              <a:gd name="connsiteX8" fmla="*/ 5266944 w 10972800"/>
-              <a:gd name="connsiteY8" fmla="*/ 0 h 18288"/>
-              <a:gd name="connsiteX9" fmla="*/ 6172200 w 10972800"/>
-              <a:gd name="connsiteY9" fmla="*/ 0 h 18288"/>
-              <a:gd name="connsiteX10" fmla="*/ 6528816 w 10972800"/>
-              <a:gd name="connsiteY10" fmla="*/ 0 h 18288"/>
-              <a:gd name="connsiteX11" fmla="*/ 7214616 w 10972800"/>
-              <a:gd name="connsiteY11" fmla="*/ 0 h 18288"/>
-              <a:gd name="connsiteX12" fmla="*/ 7790688 w 10972800"/>
-              <a:gd name="connsiteY12" fmla="*/ 0 h 18288"/>
-              <a:gd name="connsiteX13" fmla="*/ 8147304 w 10972800"/>
-              <a:gd name="connsiteY13" fmla="*/ 0 h 18288"/>
-              <a:gd name="connsiteX14" fmla="*/ 9052560 w 10972800"/>
-              <a:gd name="connsiteY14" fmla="*/ 0 h 18288"/>
-              <a:gd name="connsiteX15" fmla="*/ 9409176 w 10972800"/>
-              <a:gd name="connsiteY15" fmla="*/ 0 h 18288"/>
-              <a:gd name="connsiteX16" fmla="*/ 9765792 w 10972800"/>
-              <a:gd name="connsiteY16" fmla="*/ 0 h 18288"/>
-              <a:gd name="connsiteX17" fmla="*/ 10341864 w 10972800"/>
-              <a:gd name="connsiteY17" fmla="*/ 0 h 18288"/>
-              <a:gd name="connsiteX18" fmla="*/ 10972800 w 10972800"/>
-              <a:gd name="connsiteY18" fmla="*/ 0 h 18288"/>
-              <a:gd name="connsiteX19" fmla="*/ 10972800 w 10972800"/>
-              <a:gd name="connsiteY19" fmla="*/ 18288 h 18288"/>
-              <a:gd name="connsiteX20" fmla="*/ 10177272 w 10972800"/>
-              <a:gd name="connsiteY20" fmla="*/ 18288 h 18288"/>
-              <a:gd name="connsiteX21" fmla="*/ 9820656 w 10972800"/>
-              <a:gd name="connsiteY21" fmla="*/ 18288 h 18288"/>
-              <a:gd name="connsiteX22" fmla="*/ 9464040 w 10972800"/>
-              <a:gd name="connsiteY22" fmla="*/ 18288 h 18288"/>
-              <a:gd name="connsiteX23" fmla="*/ 8778240 w 10972800"/>
-              <a:gd name="connsiteY23" fmla="*/ 18288 h 18288"/>
-              <a:gd name="connsiteX24" fmla="*/ 8421624 w 10972800"/>
-              <a:gd name="connsiteY24" fmla="*/ 18288 h 18288"/>
-              <a:gd name="connsiteX25" fmla="*/ 7735824 w 10972800"/>
-              <a:gd name="connsiteY25" fmla="*/ 18288 h 18288"/>
-              <a:gd name="connsiteX26" fmla="*/ 6940296 w 10972800"/>
-              <a:gd name="connsiteY26" fmla="*/ 18288 h 18288"/>
-              <a:gd name="connsiteX27" fmla="*/ 6254496 w 10972800"/>
-              <a:gd name="connsiteY27" fmla="*/ 18288 h 18288"/>
-              <a:gd name="connsiteX28" fmla="*/ 5458968 w 10972800"/>
-              <a:gd name="connsiteY28" fmla="*/ 18288 h 18288"/>
-              <a:gd name="connsiteX29" fmla="*/ 4663440 w 10972800"/>
-              <a:gd name="connsiteY29" fmla="*/ 18288 h 18288"/>
-              <a:gd name="connsiteX30" fmla="*/ 4306824 w 10972800"/>
-              <a:gd name="connsiteY30" fmla="*/ 18288 h 18288"/>
-              <a:gd name="connsiteX31" fmla="*/ 3840480 w 10972800"/>
-              <a:gd name="connsiteY31" fmla="*/ 18288 h 18288"/>
-              <a:gd name="connsiteX32" fmla="*/ 3264408 w 10972800"/>
-              <a:gd name="connsiteY32" fmla="*/ 18288 h 18288"/>
-              <a:gd name="connsiteX33" fmla="*/ 2578608 w 10972800"/>
-              <a:gd name="connsiteY33" fmla="*/ 18288 h 18288"/>
-              <a:gd name="connsiteX34" fmla="*/ 1673352 w 10972800"/>
-              <a:gd name="connsiteY34" fmla="*/ 18288 h 18288"/>
-              <a:gd name="connsiteX35" fmla="*/ 877824 w 10972800"/>
-              <a:gd name="connsiteY35" fmla="*/ 18288 h 18288"/>
-              <a:gd name="connsiteX36" fmla="*/ 0 w 10972800"/>
-              <a:gd name="connsiteY36" fmla="*/ 18288 h 18288"/>
-              <a:gd name="connsiteX37" fmla="*/ 0 w 10972800"/>
-              <a:gd name="connsiteY37" fmla="*/ 0 h 18288"/>
-            </a:gdLst>
-            <a:ahLst/>
-            <a:cxnLst>
-              <a:cxn ang="0">
-                <a:pos x="connsiteX0" y="connsiteY0"/>
-              </a:cxn>
-              <a:cxn ang="0">
-                <a:pos x="connsiteX1" y="connsiteY1"/>
-              </a:cxn>
-              <a:cxn ang="0">
-                <a:pos x="connsiteX2" y="connsiteY2"/>
-              </a:cxn>
-              <a:cxn ang="0">
-                <a:pos x="connsiteX3" y="connsiteY3"/>
-              </a:cxn>
-              <a:cxn ang="0">
-                <a:pos x="connsiteX4" y="connsiteY4"/>
-              </a:cxn>
-              <a:cxn ang="0">
-                <a:pos x="connsiteX5" y="connsiteY5"/>
-              </a:cxn>
-              <a:cxn ang="0">
-                <a:pos x="connsiteX6" y="connsiteY6"/>
-              </a:cxn>
-              <a:cxn ang="0">
-                <a:pos x="connsiteX7" y="connsiteY7"/>
-              </a:cxn>
-              <a:cxn ang="0">
-                <a:pos x="connsiteX8" y="connsiteY8"/>
-              </a:cxn>
-              <a:cxn ang="0">
-                <a:pos x="connsiteX9" y="connsiteY9"/>
-              </a:cxn>
-              <a:cxn ang="0">
-                <a:pos x="connsiteX10" y="connsiteY10"/>
-              </a:cxn>
-              <a:cxn ang="0">
-                <a:pos x="connsiteX11" y="connsiteY11"/>
-              </a:cxn>
-              <a:cxn ang="0">
-                <a:pos x="connsiteX12" y="connsiteY12"/>
-              </a:cxn>
-              <a:cxn ang="0">
-                <a:pos x="connsiteX13" y="connsiteY13"/>
-              </a:cxn>
-              <a:cxn ang="0">
-                <a:pos x="connsiteX14" y="connsiteY14"/>
-              </a:cxn>
-              <a:cxn ang="0">
-                <a:pos x="connsiteX15" y="connsiteY15"/>
-              </a:cxn>
-              <a:cxn ang="0">
-                <a:pos x="connsiteX16" y="connsiteY16"/>
-              </a:cxn>
-              <a:cxn ang="0">
-                <a:pos x="connsiteX17" y="connsiteY17"/>
-              </a:cxn>
-              <a:cxn ang="0">
-                <a:pos x="connsiteX18" y="connsiteY18"/>
-              </a:cxn>
-              <a:cxn ang="0">
-                <a:pos x="connsiteX19" y="connsiteY19"/>
-              </a:cxn>
-              <a:cxn ang="0">
-                <a:pos x="connsiteX20" y="connsiteY20"/>
-              </a:cxn>
-              <a:cxn ang="0">
-                <a:pos x="connsiteX21" y="connsiteY21"/>
-              </a:cxn>
-              <a:cxn ang="0">
-                <a:pos x="connsiteX22" y="connsiteY22"/>
-              </a:cxn>
-              <a:cxn ang="0">
-                <a:pos x="connsiteX23" y="connsiteY23"/>
-              </a:cxn>
-              <a:cxn ang="0">
-                <a:pos x="connsiteX24" y="connsiteY24"/>
-              </a:cxn>
-              <a:cxn ang="0">
-                <a:pos x="connsiteX25" y="connsiteY25"/>
-              </a:cxn>
-              <a:cxn ang="0">
-                <a:pos x="connsiteX26" y="connsiteY26"/>
-              </a:cxn>
-              <a:cxn ang="0">
-                <a:pos x="connsiteX27" y="connsiteY27"/>
-              </a:cxn>
-              <a:cxn ang="0">
-                <a:pos x="connsiteX28" y="connsiteY28"/>
-              </a:cxn>
-              <a:cxn ang="0">
-                <a:pos x="connsiteX29" y="connsiteY29"/>
-              </a:cxn>
-              <a:cxn ang="0">
-                <a:pos x="connsiteX30" y="connsiteY30"/>
-              </a:cxn>
-              <a:cxn ang="0">
-                <a:pos x="connsiteX31" y="connsiteY31"/>
-              </a:cxn>
-              <a:cxn ang="0">
-                <a:pos x="connsiteX32" y="connsiteY32"/>
-              </a:cxn>
-              <a:cxn ang="0">
-                <a:pos x="connsiteX33" y="connsiteY33"/>
-              </a:cxn>
-              <a:cxn ang="0">
-                <a:pos x="connsiteX34" y="connsiteY34"/>
-              </a:cxn>
-              <a:cxn ang="0">
-                <a:pos x="connsiteX35" y="connsiteY35"/>
-              </a:cxn>
-              <a:cxn ang="0">
-                <a:pos x="connsiteX36" y="connsiteY36"/>
-              </a:cxn>
-              <a:cxn ang="0">
-                <a:pos x="connsiteX37" y="connsiteY37"/>
-              </a:cxn>
-            </a:cxnLst>
-            <a:rect l="l" t="t" r="r" b="b"/>
-            <a:pathLst>
-              <a:path w="10972800" h="18288" fill="none" extrusionOk="0">
-                <a:moveTo>
-                  <a:pt x="0" y="0"/>
-                </a:moveTo>
-                <a:cubicBezTo>
-                  <a:pt x="165916" y="-1866"/>
-                  <a:pt x="188720" y="13756"/>
-                  <a:pt x="356616" y="0"/>
-                </a:cubicBezTo>
-                <a:cubicBezTo>
-                  <a:pt x="524512" y="-13756"/>
-                  <a:pt x="734781" y="8922"/>
-                  <a:pt x="1042416" y="0"/>
-                </a:cubicBezTo>
-                <a:cubicBezTo>
-                  <a:pt x="1350051" y="-8922"/>
-                  <a:pt x="1595982" y="-26315"/>
-                  <a:pt x="1947672" y="0"/>
-                </a:cubicBezTo>
-                <a:cubicBezTo>
-                  <a:pt x="2299362" y="26315"/>
-                  <a:pt x="2292691" y="-19526"/>
-                  <a:pt x="2633472" y="0"/>
-                </a:cubicBezTo>
-                <a:cubicBezTo>
-                  <a:pt x="2974253" y="19526"/>
-                  <a:pt x="2857309" y="10773"/>
-                  <a:pt x="2990088" y="0"/>
-                </a:cubicBezTo>
-                <a:cubicBezTo>
-                  <a:pt x="3122867" y="-10773"/>
-                  <a:pt x="3359343" y="7194"/>
-                  <a:pt x="3456432" y="0"/>
-                </a:cubicBezTo>
-                <a:cubicBezTo>
-                  <a:pt x="3553521" y="-7194"/>
-                  <a:pt x="4136258" y="5108"/>
-                  <a:pt x="4361688" y="0"/>
-                </a:cubicBezTo>
-                <a:cubicBezTo>
-                  <a:pt x="4587118" y="-5108"/>
-                  <a:pt x="4992424" y="-42958"/>
-                  <a:pt x="5266944" y="0"/>
-                </a:cubicBezTo>
-                <a:cubicBezTo>
-                  <a:pt x="5541464" y="42958"/>
-                  <a:pt x="5882966" y="-3430"/>
-                  <a:pt x="6172200" y="0"/>
-                </a:cubicBezTo>
-                <a:cubicBezTo>
-                  <a:pt x="6461434" y="3430"/>
-                  <a:pt x="6432127" y="6688"/>
-                  <a:pt x="6528816" y="0"/>
-                </a:cubicBezTo>
-                <a:cubicBezTo>
-                  <a:pt x="6625505" y="-6688"/>
-                  <a:pt x="6916805" y="-436"/>
-                  <a:pt x="7214616" y="0"/>
-                </a:cubicBezTo>
-                <a:cubicBezTo>
-                  <a:pt x="7512427" y="436"/>
-                  <a:pt x="7626159" y="-6909"/>
-                  <a:pt x="7790688" y="0"/>
-                </a:cubicBezTo>
-                <a:cubicBezTo>
-                  <a:pt x="7955217" y="6909"/>
-                  <a:pt x="8048891" y="15307"/>
-                  <a:pt x="8147304" y="0"/>
-                </a:cubicBezTo>
-                <a:cubicBezTo>
-                  <a:pt x="8245717" y="-15307"/>
-                  <a:pt x="8645618" y="-11734"/>
-                  <a:pt x="9052560" y="0"/>
-                </a:cubicBezTo>
-                <a:cubicBezTo>
-                  <a:pt x="9459502" y="11734"/>
-                  <a:pt x="9320584" y="8388"/>
-                  <a:pt x="9409176" y="0"/>
-                </a:cubicBezTo>
-                <a:cubicBezTo>
-                  <a:pt x="9497768" y="-8388"/>
-                  <a:pt x="9644192" y="8379"/>
-                  <a:pt x="9765792" y="0"/>
-                </a:cubicBezTo>
-                <a:cubicBezTo>
-                  <a:pt x="9887392" y="-8379"/>
-                  <a:pt x="10105220" y="-12663"/>
-                  <a:pt x="10341864" y="0"/>
-                </a:cubicBezTo>
-                <a:cubicBezTo>
-                  <a:pt x="10578508" y="12663"/>
-                  <a:pt x="10773103" y="-5786"/>
-                  <a:pt x="10972800" y="0"/>
-                </a:cubicBezTo>
-                <a:cubicBezTo>
-                  <a:pt x="10972146" y="8818"/>
-                  <a:pt x="10972240" y="13823"/>
-                  <a:pt x="10972800" y="18288"/>
-                </a:cubicBezTo>
-                <a:cubicBezTo>
-                  <a:pt x="10588778" y="31598"/>
-                  <a:pt x="10543381" y="-12698"/>
-                  <a:pt x="10177272" y="18288"/>
-                </a:cubicBezTo>
-                <a:cubicBezTo>
-                  <a:pt x="9811163" y="49274"/>
-                  <a:pt x="9996817" y="25662"/>
-                  <a:pt x="9820656" y="18288"/>
-                </a:cubicBezTo>
-                <a:cubicBezTo>
-                  <a:pt x="9644495" y="10914"/>
-                  <a:pt x="9607007" y="31631"/>
-                  <a:pt x="9464040" y="18288"/>
-                </a:cubicBezTo>
-                <a:cubicBezTo>
-                  <a:pt x="9321073" y="4945"/>
-                  <a:pt x="9114189" y="28940"/>
-                  <a:pt x="8778240" y="18288"/>
-                </a:cubicBezTo>
-                <a:cubicBezTo>
-                  <a:pt x="8442291" y="7636"/>
-                  <a:pt x="8594763" y="987"/>
-                  <a:pt x="8421624" y="18288"/>
-                </a:cubicBezTo>
-                <a:cubicBezTo>
-                  <a:pt x="8248485" y="35589"/>
-                  <a:pt x="7929515" y="37573"/>
-                  <a:pt x="7735824" y="18288"/>
-                </a:cubicBezTo>
-                <a:cubicBezTo>
-                  <a:pt x="7542133" y="-997"/>
-                  <a:pt x="7252504" y="33858"/>
-                  <a:pt x="6940296" y="18288"/>
-                </a:cubicBezTo>
-                <a:cubicBezTo>
-                  <a:pt x="6628088" y="2718"/>
-                  <a:pt x="6528503" y="48389"/>
-                  <a:pt x="6254496" y="18288"/>
-                </a:cubicBezTo>
-                <a:cubicBezTo>
-                  <a:pt x="5980489" y="-11813"/>
-                  <a:pt x="5695784" y="-3740"/>
-                  <a:pt x="5458968" y="18288"/>
-                </a:cubicBezTo>
-                <a:cubicBezTo>
-                  <a:pt x="5222152" y="40316"/>
-                  <a:pt x="5010751" y="19095"/>
-                  <a:pt x="4663440" y="18288"/>
-                </a:cubicBezTo>
-                <a:cubicBezTo>
-                  <a:pt x="4316129" y="17481"/>
-                  <a:pt x="4425552" y="1606"/>
-                  <a:pt x="4306824" y="18288"/>
-                </a:cubicBezTo>
-                <a:cubicBezTo>
-                  <a:pt x="4188096" y="34970"/>
-                  <a:pt x="3941535" y="7481"/>
-                  <a:pt x="3840480" y="18288"/>
-                </a:cubicBezTo>
-                <a:cubicBezTo>
-                  <a:pt x="3739425" y="29095"/>
-                  <a:pt x="3402388" y="17641"/>
-                  <a:pt x="3264408" y="18288"/>
-                </a:cubicBezTo>
-                <a:cubicBezTo>
-                  <a:pt x="3126428" y="18935"/>
-                  <a:pt x="2776779" y="9983"/>
-                  <a:pt x="2578608" y="18288"/>
-                </a:cubicBezTo>
-                <a:cubicBezTo>
-                  <a:pt x="2380437" y="26593"/>
-                  <a:pt x="1909468" y="25818"/>
-                  <a:pt x="1673352" y="18288"/>
-                </a:cubicBezTo>
-                <a:cubicBezTo>
-                  <a:pt x="1437236" y="10758"/>
-                  <a:pt x="1131180" y="49884"/>
-                  <a:pt x="877824" y="18288"/>
-                </a:cubicBezTo>
-                <a:cubicBezTo>
-                  <a:pt x="624468" y="-13308"/>
-                  <a:pt x="206753" y="2195"/>
-                  <a:pt x="0" y="18288"/>
-                </a:cubicBezTo>
-                <a:cubicBezTo>
-                  <a:pt x="313" y="10654"/>
-                  <a:pt x="-263" y="4056"/>
-                  <a:pt x="0" y="0"/>
-                </a:cubicBezTo>
-                <a:close/>
-              </a:path>
-              <a:path w="10972800" h="18288" stroke="0" extrusionOk="0">
-                <a:moveTo>
-                  <a:pt x="0" y="0"/>
-                </a:moveTo>
-                <a:cubicBezTo>
-                  <a:pt x="164017" y="-17675"/>
-                  <a:pt x="309425" y="9913"/>
-                  <a:pt x="466344" y="0"/>
-                </a:cubicBezTo>
-                <a:cubicBezTo>
-                  <a:pt x="623263" y="-9913"/>
-                  <a:pt x="659300" y="-14524"/>
-                  <a:pt x="822960" y="0"/>
-                </a:cubicBezTo>
-                <a:cubicBezTo>
-                  <a:pt x="986620" y="14524"/>
-                  <a:pt x="1105222" y="-16481"/>
-                  <a:pt x="1289304" y="0"/>
-                </a:cubicBezTo>
-                <a:cubicBezTo>
-                  <a:pt x="1473386" y="16481"/>
-                  <a:pt x="1693223" y="26161"/>
-                  <a:pt x="1975104" y="0"/>
-                </a:cubicBezTo>
-                <a:cubicBezTo>
-                  <a:pt x="2256985" y="-26161"/>
-                  <a:pt x="2435781" y="23061"/>
-                  <a:pt x="2770632" y="0"/>
-                </a:cubicBezTo>
-                <a:cubicBezTo>
-                  <a:pt x="3105483" y="-23061"/>
-                  <a:pt x="3247479" y="-44011"/>
-                  <a:pt x="3675888" y="0"/>
-                </a:cubicBezTo>
-                <a:cubicBezTo>
-                  <a:pt x="4104297" y="44011"/>
-                  <a:pt x="4280918" y="4017"/>
-                  <a:pt x="4581144" y="0"/>
-                </a:cubicBezTo>
-                <a:cubicBezTo>
-                  <a:pt x="4881370" y="-4017"/>
-                  <a:pt x="5021699" y="-11889"/>
-                  <a:pt x="5157216" y="0"/>
-                </a:cubicBezTo>
-                <a:cubicBezTo>
-                  <a:pt x="5292733" y="11889"/>
-                  <a:pt x="5603398" y="-17698"/>
-                  <a:pt x="5952744" y="0"/>
-                </a:cubicBezTo>
-                <a:cubicBezTo>
-                  <a:pt x="6302090" y="17698"/>
-                  <a:pt x="6353093" y="-11909"/>
-                  <a:pt x="6638544" y="0"/>
-                </a:cubicBezTo>
-                <a:cubicBezTo>
-                  <a:pt x="6923995" y="11909"/>
-                  <a:pt x="7053404" y="21630"/>
-                  <a:pt x="7214616" y="0"/>
-                </a:cubicBezTo>
-                <a:cubicBezTo>
-                  <a:pt x="7375828" y="-21630"/>
-                  <a:pt x="7837963" y="3886"/>
-                  <a:pt x="8010144" y="0"/>
-                </a:cubicBezTo>
-                <a:cubicBezTo>
-                  <a:pt x="8182325" y="-3886"/>
-                  <a:pt x="8224183" y="16009"/>
-                  <a:pt x="8366760" y="0"/>
-                </a:cubicBezTo>
-                <a:cubicBezTo>
-                  <a:pt x="8509337" y="-16009"/>
-                  <a:pt x="8687920" y="-5720"/>
-                  <a:pt x="8942832" y="0"/>
-                </a:cubicBezTo>
-                <a:cubicBezTo>
-                  <a:pt x="9197744" y="5720"/>
-                  <a:pt x="9368437" y="20479"/>
-                  <a:pt x="9628632" y="0"/>
-                </a:cubicBezTo>
-                <a:cubicBezTo>
-                  <a:pt x="9888827" y="-20479"/>
-                  <a:pt x="10560858" y="-20746"/>
-                  <a:pt x="10972800" y="0"/>
-                </a:cubicBezTo>
-                <a:cubicBezTo>
-                  <a:pt x="10972186" y="5722"/>
-                  <a:pt x="10972980" y="12495"/>
-                  <a:pt x="10972800" y="18288"/>
-                </a:cubicBezTo>
-                <a:cubicBezTo>
-                  <a:pt x="10786146" y="12536"/>
-                  <a:pt x="10623717" y="14033"/>
-                  <a:pt x="10506456" y="18288"/>
-                </a:cubicBezTo>
-                <a:cubicBezTo>
-                  <a:pt x="10389195" y="22543"/>
-                  <a:pt x="10296178" y="20107"/>
-                  <a:pt x="10149840" y="18288"/>
-                </a:cubicBezTo>
-                <a:cubicBezTo>
-                  <a:pt x="10003502" y="16469"/>
-                  <a:pt x="9767530" y="28891"/>
-                  <a:pt x="9464040" y="18288"/>
-                </a:cubicBezTo>
-                <a:cubicBezTo>
-                  <a:pt x="9160550" y="7685"/>
-                  <a:pt x="9229050" y="2659"/>
-                  <a:pt x="8997696" y="18288"/>
-                </a:cubicBezTo>
-                <a:cubicBezTo>
-                  <a:pt x="8766342" y="33917"/>
-                  <a:pt x="8340136" y="34864"/>
-                  <a:pt x="8092440" y="18288"/>
-                </a:cubicBezTo>
-                <a:cubicBezTo>
-                  <a:pt x="7844744" y="1712"/>
-                  <a:pt x="7863720" y="27405"/>
-                  <a:pt x="7735824" y="18288"/>
-                </a:cubicBezTo>
-                <a:cubicBezTo>
-                  <a:pt x="7607928" y="9171"/>
-                  <a:pt x="7323619" y="461"/>
-                  <a:pt x="7050024" y="18288"/>
-                </a:cubicBezTo>
-                <a:cubicBezTo>
-                  <a:pt x="6776429" y="36115"/>
-                  <a:pt x="6787899" y="28206"/>
-                  <a:pt x="6693408" y="18288"/>
-                </a:cubicBezTo>
-                <a:cubicBezTo>
-                  <a:pt x="6598917" y="8370"/>
-                  <a:pt x="6395231" y="19114"/>
-                  <a:pt x="6227064" y="18288"/>
-                </a:cubicBezTo>
-                <a:cubicBezTo>
-                  <a:pt x="6058897" y="17462"/>
-                  <a:pt x="5618582" y="1091"/>
-                  <a:pt x="5431536" y="18288"/>
-                </a:cubicBezTo>
-                <a:cubicBezTo>
-                  <a:pt x="5244490" y="35485"/>
-                  <a:pt x="4729797" y="-9650"/>
-                  <a:pt x="4526280" y="18288"/>
-                </a:cubicBezTo>
-                <a:cubicBezTo>
-                  <a:pt x="4322763" y="46226"/>
-                  <a:pt x="4216797" y="756"/>
-                  <a:pt x="4059936" y="18288"/>
-                </a:cubicBezTo>
-                <a:cubicBezTo>
-                  <a:pt x="3903075" y="35820"/>
-                  <a:pt x="3537912" y="42098"/>
-                  <a:pt x="3374136" y="18288"/>
-                </a:cubicBezTo>
-                <a:cubicBezTo>
-                  <a:pt x="3210360" y="-5522"/>
-                  <a:pt x="3126842" y="39135"/>
-                  <a:pt x="2907792" y="18288"/>
-                </a:cubicBezTo>
-                <a:cubicBezTo>
-                  <a:pt x="2688742" y="-2559"/>
-                  <a:pt x="2490436" y="34100"/>
-                  <a:pt x="2112264" y="18288"/>
-                </a:cubicBezTo>
-                <a:cubicBezTo>
-                  <a:pt x="1734092" y="2476"/>
-                  <a:pt x="1744622" y="-7274"/>
-                  <a:pt x="1536192" y="18288"/>
-                </a:cubicBezTo>
-                <a:cubicBezTo>
-                  <a:pt x="1327762" y="43850"/>
-                  <a:pt x="1189025" y="6435"/>
-                  <a:pt x="1069848" y="18288"/>
-                </a:cubicBezTo>
-                <a:cubicBezTo>
-                  <a:pt x="950671" y="30141"/>
-                  <a:pt x="858345" y="33684"/>
-                  <a:pt x="713232" y="18288"/>
-                </a:cubicBezTo>
-                <a:cubicBezTo>
-                  <a:pt x="568119" y="2892"/>
-                  <a:pt x="250292" y="5410"/>
-                  <a:pt x="0" y="18288"/>
-                </a:cubicBezTo>
-                <a:cubicBezTo>
-                  <a:pt x="465" y="13062"/>
-                  <a:pt x="-894" y="9029"/>
-                  <a:pt x="0" y="0"/>
-                </a:cubicBezTo>
-                <a:close/>
-              </a:path>
-            </a:pathLst>
-          </a:custGeom>
-          <a:solidFill>
-            <a:schemeClr val="accent2">
-              <a:alpha val="75000"/>
-            </a:schemeClr>
-          </a:solidFill>
-          <a:ln w="44450" cap="rnd">
-            <a:solidFill>
-              <a:schemeClr val="accent2">
-                <a:alpha val="75000"/>
-              </a:schemeClr>
-            </a:solidFill>
-            <a:round/>
+        </p:spPr>
+        <p:txBody>
+          <a:bodyPr>
+            <a:normAutofit fontScale="92500"/>
+          </a:bodyPr>
+          <a:lstStyle/>
+          <a:p>
+            <a:pPr marL="0" indent="0">
+              <a:buNone/>
+            </a:pPr>
+            <a:r>
+              <a:rPr lang="en-US" dirty="0">
+                <a:cs typeface="Courier New" panose="02070309020205020404" pitchFamily="49" charset="0"/>
+              </a:rPr>
+              <a:t>Worst-case time complexity?</a:t>
+            </a:r>
+          </a:p>
+          <a:p>
+            <a:pPr marL="0" indent="0">
+              <a:buNone/>
+            </a:pPr>
+            <a:endParaRPr lang="en-US" dirty="0">
+              <a:cs typeface="Courier New" panose="02070309020205020404" pitchFamily="49" charset="0"/>
+            </a:endParaRPr>
+          </a:p>
+          <a:p>
+            <a:pPr marL="0" indent="0">
+              <a:buNone/>
+            </a:pPr>
+            <a:r>
+              <a:rPr lang="en-US" dirty="0">
+                <a:cs typeface="Courier New" panose="02070309020205020404" pitchFamily="49" charset="0"/>
+              </a:rPr>
+              <a:t>Worst-case space complexity?</a:t>
+            </a:r>
+          </a:p>
+        </p:txBody>
+      </p:sp>
+      <p:sp>
+        <p:nvSpPr>
+          <p:cNvPr id="5" name="TextBox 4">
             <a:extLst>
-              <a:ext uri="{C807C97D-BFC1-408E-A445-0C87EB9F89A2}">
-                <ask:lineSketchStyleProps xmlns:ask="http://schemas.microsoft.com/office/drawing/2018/sketchyshapes" sd="2727557108">
-                  <a:prstGeom prst="rect">
-                    <a:avLst/>
-                  </a:prstGeom>
-                  <ask:type>
-                    <ask:lineSketchFreehand/>
-                  </ask:type>
-                </ask:lineSketchStyleProps>
+              <a:ext uri="{FF2B5EF4-FFF2-40B4-BE49-F238E27FC236}">
+                <a16:creationId xmlns:a16="http://schemas.microsoft.com/office/drawing/2014/main" id="{B9D84CDE-497D-FA48-66D0-E18B617AC311}"/>
               </a:ext>
             </a:extLst>
-          </a:ln>
+          </p:cNvPr>
+          <p:cNvSpPr txBox="1"/>
+          <p:nvPr/>
+        </p:nvSpPr>
+        <p:spPr>
+          <a:xfrm>
+            <a:off x="976363" y="1386473"/>
+            <a:ext cx="3903646" cy="3785652"/>
+          </a:xfrm>
+          <a:prstGeom prst="rect">
+            <a:avLst/>
+          </a:prstGeom>
         </p:spPr>
         <p:style>
-          <a:lnRef idx="2">
-            <a:schemeClr val="accent1">
-              <a:shade val="50000"/>
-            </a:schemeClr>
+          <a:lnRef idx="1">
+            <a:schemeClr val="accent4"/>
           </a:lnRef>
-          <a:fillRef idx="1">
-            <a:schemeClr val="accent1"/>
+          <a:fillRef idx="2">
+            <a:schemeClr val="accent4"/>
           </a:fillRef>
-          <a:effectRef idx="0">
-            <a:schemeClr val="accent1"/>
+          <a:effectRef idx="1">
+            <a:schemeClr val="accent4"/>
           </a:effectRef>
           <a:fontRef idx="minor">
-            <a:schemeClr val="lt1"/>
+            <a:schemeClr val="dk1"/>
           </a:fontRef>
         </p:style>
         <p:txBody>
-          <a:bodyPr rtlCol="0" anchor="ctr"/>
+          <a:bodyPr wrap="square">
+            <a:spAutoFit/>
+          </a:bodyPr>
           <a:lstStyle/>
           <a:p>
-            <a:pPr algn="ctr"/>
-            <a:endParaRPr lang="en-US"/>
+            <a:pPr marL="0" indent="0">
+              <a:buNone/>
+            </a:pPr>
+            <a:r>
+              <a:rPr lang="en-US" sz="2000" dirty="0">
+                <a:cs typeface="Courier New" panose="02070309020205020404" pitchFamily="49" charset="0"/>
+              </a:rPr>
+              <a:t>// n is the length of the </a:t>
+            </a:r>
+            <a:r>
+              <a:rPr lang="en-US" sz="2000" dirty="0" err="1">
+                <a:cs typeface="Courier New" panose="02070309020205020404" pitchFamily="49" charset="0"/>
+              </a:rPr>
+              <a:t>arr</a:t>
+            </a:r>
+            <a:endParaRPr lang="en-US" sz="2000" dirty="0">
+              <a:cs typeface="Courier New" panose="02070309020205020404" pitchFamily="49" charset="0"/>
+            </a:endParaRPr>
+          </a:p>
+          <a:p>
+            <a:pPr marL="0" indent="0">
+              <a:buNone/>
+            </a:pPr>
+            <a:r>
+              <a:rPr lang="en-US" sz="2000" dirty="0">
+                <a:cs typeface="Courier New" panose="02070309020205020404" pitchFamily="49" charset="0"/>
+              </a:rPr>
+              <a:t>void </a:t>
+            </a:r>
+            <a:r>
+              <a:rPr lang="en-US" sz="2000" dirty="0" err="1">
+                <a:cs typeface="Courier New" panose="02070309020205020404" pitchFamily="49" charset="0"/>
+              </a:rPr>
+              <a:t>bubbleSort</a:t>
+            </a:r>
+            <a:r>
+              <a:rPr lang="en-US" sz="2000" dirty="0">
+                <a:cs typeface="Courier New" panose="02070309020205020404" pitchFamily="49" charset="0"/>
+              </a:rPr>
+              <a:t>(int </a:t>
+            </a:r>
+            <a:r>
+              <a:rPr lang="en-US" sz="2000" dirty="0" err="1">
+                <a:cs typeface="Courier New" panose="02070309020205020404" pitchFamily="49" charset="0"/>
+              </a:rPr>
+              <a:t>arr</a:t>
+            </a:r>
+            <a:r>
+              <a:rPr lang="en-US" sz="2000" dirty="0">
+                <a:cs typeface="Courier New" panose="02070309020205020404" pitchFamily="49" charset="0"/>
+              </a:rPr>
+              <a:t>[], int n)</a:t>
+            </a:r>
+          </a:p>
+          <a:p>
+            <a:pPr marL="0" indent="0">
+              <a:buNone/>
+            </a:pPr>
+            <a:r>
+              <a:rPr lang="en-US" sz="2000" dirty="0">
+                <a:cs typeface="Courier New" panose="02070309020205020404" pitchFamily="49" charset="0"/>
+              </a:rPr>
+              <a:t>{</a:t>
+            </a:r>
+          </a:p>
+          <a:p>
+            <a:pPr marL="0" indent="0">
+              <a:buNone/>
+            </a:pPr>
+            <a:r>
+              <a:rPr lang="en-US" sz="2000" dirty="0">
+                <a:cs typeface="Courier New" panose="02070309020205020404" pitchFamily="49" charset="0"/>
+              </a:rPr>
+              <a:t>    int </a:t>
+            </a:r>
+            <a:r>
+              <a:rPr lang="en-US" sz="2000" dirty="0" err="1">
+                <a:cs typeface="Courier New" panose="02070309020205020404" pitchFamily="49" charset="0"/>
+              </a:rPr>
+              <a:t>i</a:t>
+            </a:r>
+            <a:r>
+              <a:rPr lang="en-US" sz="2000" dirty="0">
+                <a:cs typeface="Courier New" panose="02070309020205020404" pitchFamily="49" charset="0"/>
+              </a:rPr>
+              <a:t>, j;</a:t>
+            </a:r>
+          </a:p>
+          <a:p>
+            <a:pPr marL="0" indent="0">
+              <a:buNone/>
+            </a:pPr>
+            <a:r>
+              <a:rPr lang="en-US" sz="2000" dirty="0">
+                <a:cs typeface="Courier New" panose="02070309020205020404" pitchFamily="49" charset="0"/>
+              </a:rPr>
+              <a:t>    for (</a:t>
+            </a:r>
+            <a:r>
+              <a:rPr lang="en-US" sz="2000" dirty="0" err="1">
+                <a:cs typeface="Courier New" panose="02070309020205020404" pitchFamily="49" charset="0"/>
+              </a:rPr>
+              <a:t>i</a:t>
+            </a:r>
+            <a:r>
+              <a:rPr lang="en-US" sz="2000" dirty="0">
+                <a:cs typeface="Courier New" panose="02070309020205020404" pitchFamily="49" charset="0"/>
+              </a:rPr>
+              <a:t> = 0; </a:t>
+            </a:r>
+            <a:r>
+              <a:rPr lang="en-US" sz="2000" dirty="0" err="1">
+                <a:cs typeface="Courier New" panose="02070309020205020404" pitchFamily="49" charset="0"/>
+              </a:rPr>
+              <a:t>i</a:t>
+            </a:r>
+            <a:r>
+              <a:rPr lang="en-US" sz="2000" dirty="0">
+                <a:cs typeface="Courier New" panose="02070309020205020404" pitchFamily="49" charset="0"/>
+              </a:rPr>
+              <a:t> &lt; n - 1; ++</a:t>
+            </a:r>
+            <a:r>
+              <a:rPr lang="en-US" sz="2000" dirty="0" err="1">
+                <a:cs typeface="Courier New" panose="02070309020205020404" pitchFamily="49" charset="0"/>
+              </a:rPr>
+              <a:t>i</a:t>
+            </a:r>
+            <a:r>
+              <a:rPr lang="en-US" sz="2000" dirty="0">
+                <a:cs typeface="Courier New" panose="02070309020205020404" pitchFamily="49" charset="0"/>
+              </a:rPr>
+              <a:t>)</a:t>
+            </a:r>
+          </a:p>
+          <a:p>
+            <a:pPr marL="0" indent="0">
+              <a:buNone/>
+            </a:pPr>
+            <a:r>
+              <a:rPr lang="en-US" sz="2000" dirty="0">
+                <a:cs typeface="Courier New" panose="02070309020205020404" pitchFamily="49" charset="0"/>
+              </a:rPr>
+              <a:t>  </a:t>
+            </a:r>
+          </a:p>
+          <a:p>
+            <a:pPr marL="0" indent="0">
+              <a:buNone/>
+            </a:pPr>
+            <a:r>
+              <a:rPr lang="en-US" sz="2000" dirty="0">
+                <a:cs typeface="Courier New" panose="02070309020205020404" pitchFamily="49" charset="0"/>
+              </a:rPr>
+              <a:t>        // Last </a:t>
+            </a:r>
+            <a:r>
+              <a:rPr lang="en-US" sz="2000" dirty="0" err="1">
+                <a:cs typeface="Courier New" panose="02070309020205020404" pitchFamily="49" charset="0"/>
+              </a:rPr>
+              <a:t>i</a:t>
+            </a:r>
+            <a:r>
+              <a:rPr lang="en-US" sz="2000" dirty="0">
+                <a:cs typeface="Courier New" panose="02070309020205020404" pitchFamily="49" charset="0"/>
+              </a:rPr>
+              <a:t> elements are already </a:t>
+            </a:r>
+          </a:p>
+          <a:p>
+            <a:pPr marL="0" indent="0">
+              <a:buNone/>
+            </a:pPr>
+            <a:r>
+              <a:rPr lang="en-US" sz="2000" dirty="0">
+                <a:cs typeface="Courier New" panose="02070309020205020404" pitchFamily="49" charset="0"/>
+              </a:rPr>
+              <a:t>        // in place</a:t>
+            </a:r>
+          </a:p>
+          <a:p>
+            <a:pPr marL="0" indent="0">
+              <a:buNone/>
+            </a:pPr>
+            <a:r>
+              <a:rPr lang="en-US" sz="2000" dirty="0">
+                <a:cs typeface="Courier New" panose="02070309020205020404" pitchFamily="49" charset="0"/>
+              </a:rPr>
+              <a:t>        for (j = 0; j &lt; n - </a:t>
+            </a:r>
+            <a:r>
+              <a:rPr lang="en-US" sz="2000" dirty="0" err="1">
+                <a:cs typeface="Courier New" panose="02070309020205020404" pitchFamily="49" charset="0"/>
+              </a:rPr>
+              <a:t>i</a:t>
+            </a:r>
+            <a:r>
+              <a:rPr lang="en-US" sz="2000" dirty="0">
+                <a:cs typeface="Courier New" panose="02070309020205020404" pitchFamily="49" charset="0"/>
+              </a:rPr>
+              <a:t> - 1; ++j)</a:t>
+            </a:r>
+          </a:p>
+          <a:p>
+            <a:pPr marL="0" indent="0">
+              <a:buNone/>
+            </a:pPr>
+            <a:r>
+              <a:rPr lang="en-US" sz="2000" dirty="0">
+                <a:cs typeface="Courier New" panose="02070309020205020404" pitchFamily="49" charset="0"/>
+              </a:rPr>
+              <a:t>            if (</a:t>
+            </a:r>
+            <a:r>
+              <a:rPr lang="en-US" sz="2000" dirty="0" err="1">
+                <a:cs typeface="Courier New" panose="02070309020205020404" pitchFamily="49" charset="0"/>
+              </a:rPr>
+              <a:t>arr</a:t>
+            </a:r>
+            <a:r>
+              <a:rPr lang="en-US" sz="2000" dirty="0">
+                <a:cs typeface="Courier New" panose="02070309020205020404" pitchFamily="49" charset="0"/>
+              </a:rPr>
+              <a:t>[j] &gt; </a:t>
+            </a:r>
+            <a:r>
+              <a:rPr lang="en-US" sz="2000" dirty="0" err="1">
+                <a:cs typeface="Courier New" panose="02070309020205020404" pitchFamily="49" charset="0"/>
+              </a:rPr>
+              <a:t>arr</a:t>
+            </a:r>
+            <a:r>
+              <a:rPr lang="en-US" sz="2000" dirty="0">
+                <a:cs typeface="Courier New" panose="02070309020205020404" pitchFamily="49" charset="0"/>
+              </a:rPr>
+              <a:t>[j + 1])</a:t>
+            </a:r>
+          </a:p>
+          <a:p>
+            <a:pPr marL="0" indent="0">
+              <a:buNone/>
+            </a:pPr>
+            <a:r>
+              <a:rPr lang="en-US" sz="2000" dirty="0">
+                <a:cs typeface="Courier New" panose="02070309020205020404" pitchFamily="49" charset="0"/>
+              </a:rPr>
+              <a:t>                swap(</a:t>
+            </a:r>
+            <a:r>
+              <a:rPr lang="en-US" sz="2000" dirty="0" err="1">
+                <a:cs typeface="Courier New" panose="02070309020205020404" pitchFamily="49" charset="0"/>
+              </a:rPr>
+              <a:t>arr</a:t>
+            </a:r>
+            <a:r>
+              <a:rPr lang="en-US" sz="2000" dirty="0">
+                <a:cs typeface="Courier New" panose="02070309020205020404" pitchFamily="49" charset="0"/>
+              </a:rPr>
+              <a:t>[j], </a:t>
+            </a:r>
+            <a:r>
+              <a:rPr lang="en-US" sz="2000" dirty="0" err="1">
+                <a:cs typeface="Courier New" panose="02070309020205020404" pitchFamily="49" charset="0"/>
+              </a:rPr>
+              <a:t>arr</a:t>
+            </a:r>
+            <a:r>
+              <a:rPr lang="en-US" sz="2000" dirty="0">
+                <a:cs typeface="Courier New" panose="02070309020205020404" pitchFamily="49" charset="0"/>
+              </a:rPr>
+              <a:t>[j + 1]);</a:t>
+            </a:r>
+          </a:p>
+          <a:p>
+            <a:pPr marL="0" indent="0">
+              <a:buNone/>
+            </a:pPr>
+            <a:r>
+              <a:rPr lang="en-US" sz="2000" dirty="0">
+                <a:cs typeface="Courier New" panose="02070309020205020404" pitchFamily="49" charset="0"/>
+              </a:rPr>
+              <a:t>}</a:t>
+            </a:r>
           </a:p>
         </p:txBody>
       </p:sp>
-      <mc:AlternateContent xmlns:mc="http://schemas.openxmlformats.org/markup-compatibility/2006">
-        <mc:Choice xmlns:a14="http://schemas.microsoft.com/office/drawing/2010/main" Requires="a14">
+    </p:spTree>
+    <p:extLst>
+      <p:ext uri="{BB962C8B-B14F-4D97-AF65-F5344CB8AC3E}">
+        <p14:creationId xmlns:p14="http://schemas.microsoft.com/office/powerpoint/2010/main" val="3680439757"/>
+      </p:ext>
+    </p:extLst>
+  </p:cSld>
+  <p:clrMapOvr>
+    <a:masterClrMapping/>
+  </p:clrMapOvr>
+</p:sld>
+</file>
+
+<file path=ppt/slides/slide9.xml><?xml version="1.0" encoding="utf-8"?>
+<p:sld xmlns:a="http://schemas.openxmlformats.org/drawingml/2006/main" xmlns:r="http://schemas.openxmlformats.org/officeDocument/2006/relationships" xmlns:p="http://schemas.openxmlformats.org/presentationml/2006/main">
+  <p:cSld>
+    <p:spTree>
+      <p:nvGrpSpPr>
+        <p:cNvPr id="1" name=""/>
+        <p:cNvGrpSpPr/>
+        <p:nvPr/>
+      </p:nvGrpSpPr>
+      <p:grpSpPr>
+        <a:xfrm>
+          <a:off x="0" y="0"/>
+          <a:ext cx="0" cy="0"/>
+          <a:chOff x="0" y="0"/>
+          <a:chExt cx="0" cy="0"/>
+        </a:xfrm>
+      </p:grpSpPr>
+      <p:sp>
+        <p:nvSpPr>
+          <p:cNvPr id="2" name="Title 1">
+            <a:extLst>
+              <a:ext uri="{FF2B5EF4-FFF2-40B4-BE49-F238E27FC236}">
+                <a16:creationId xmlns:a16="http://schemas.microsoft.com/office/drawing/2014/main" id="{6815454F-16DB-CC60-9F51-AE84F8F982AE}"/>
+              </a:ext>
+            </a:extLst>
+          </p:cNvPr>
+          <p:cNvSpPr>
+            <a:spLocks noGrp="1"/>
+          </p:cNvSpPr>
+          <p:nvPr>
+            <p:ph type="title"/>
+          </p:nvPr>
+        </p:nvSpPr>
+        <p:spPr/>
+        <p:txBody>
+          <a:bodyPr/>
+          <a:lstStyle/>
+          <a:p>
+            <a:r>
+              <a:rPr lang="en-US" dirty="0"/>
+              <a:t>Example: Bubble Sort</a:t>
+            </a:r>
+          </a:p>
+        </p:txBody>
+      </p:sp>
+      <mc:AlternateContent xmlns:mc="http://schemas.openxmlformats.org/markup-compatibility/2006" xmlns:a14="http://schemas.microsoft.com/office/drawing/2010/main">
+        <mc:Choice Requires="a14">
           <p:sp>
             <p:nvSpPr>
-              <p:cNvPr id="6" name="Content Placeholder 5">
+              <p:cNvPr id="3" name="Content Placeholder 2">
                 <a:extLst>
                   <a:ext uri="{FF2B5EF4-FFF2-40B4-BE49-F238E27FC236}">
-                    <a16:creationId xmlns:a16="http://schemas.microsoft.com/office/drawing/2014/main" id="{A8850277-4FE6-EA5B-089D-4BD3AE738FBA}"/>
+                    <a16:creationId xmlns:a16="http://schemas.microsoft.com/office/drawing/2014/main" id="{9EBF3B30-480F-8E99-F2DE-789765D15B00}"/>
                   </a:ext>
                 </a:extLst>
               </p:cNvPr>
@@ -15047,128 +17467,95 @@
             </p:nvSpPr>
             <p:spPr>
               <a:xfrm>
-                <a:off x="572493" y="2071316"/>
-                <a:ext cx="6713552" cy="4119172"/>
+                <a:off x="838200" y="5172125"/>
+                <a:ext cx="10515600" cy="1196402"/>
               </a:xfrm>
             </p:spPr>
             <p:txBody>
-              <a:bodyPr anchor="t">
-                <a:normAutofit fontScale="85000" lnSpcReduction="20000"/>
+              <a:bodyPr>
+                <a:normAutofit fontScale="92500" lnSpcReduction="10000"/>
               </a:bodyPr>
               <a:lstStyle/>
               <a:p>
+                <a:pPr marL="0" indent="0">
+                  <a:buNone/>
+                </a:pPr>
+                <a:endParaRPr lang="en-US" dirty="0">
+                  <a:cs typeface="Courier New" panose="02070309020205020404" pitchFamily="49" charset="0"/>
+                </a:endParaRPr>
+              </a:p>
+              <a:p>
+                <a:pPr marL="0" indent="0">
+                  <a:buNone/>
+                </a:pPr>
                 <a:r>
-                  <a:rPr lang="en-US" sz="1900" dirty="0"/>
-                  <a:t>Better complexity does not mean faster! Complexity analysis ignores constants.</a:t>
+                  <a:rPr lang="en-US" dirty="0">
+                    <a:cs typeface="Courier New" panose="02070309020205020404" pitchFamily="49" charset="0"/>
+                  </a:rPr>
+                  <a:t>Worst-case space complexity? </a:t>
+                </a:r>
+                <a:br>
+                  <a:rPr lang="en-US" dirty="0">
+                    <a:cs typeface="Courier New" panose="02070309020205020404" pitchFamily="49" charset="0"/>
+                  </a:rPr>
+                </a:br>
+                <a:r>
+                  <a:rPr lang="en-US" dirty="0">
+                    <a:cs typeface="Courier New" panose="02070309020205020404" pitchFamily="49" charset="0"/>
+                  </a:rPr>
+                  <a:t>Only memory for </a:t>
                 </a:r>
                 <a:r>
-                  <a:rPr lang="en-US" sz="1900" b="1" dirty="0"/>
-                  <a:t> runtime</a:t>
-                </a:r>
-                <a:endParaRPr lang="en-US" sz="1900" dirty="0"/>
-              </a:p>
-              <a:p>
-                <a:endParaRPr lang="en-US" sz="1900" dirty="0"/>
-              </a:p>
-              <a:p>
-                <a:r>
-                  <a:rPr lang="en-US" sz="1900" b="1" dirty="0"/>
-                  <a:t>Assumption</a:t>
+                  <a:rPr lang="en-US" dirty="0" err="1">
+                    <a:cs typeface="Courier New" panose="02070309020205020404" pitchFamily="49" charset="0"/>
+                  </a:rPr>
+                  <a:t>i</a:t>
                 </a:r>
                 <a:r>
-                  <a:rPr lang="en-US" sz="1900" dirty="0"/>
-                  <a:t> that each operation takes the same amount of time is very strong.</a:t>
-                </a:r>
-              </a:p>
-              <a:p>
-                <a:endParaRPr lang="en-US" sz="1900" dirty="0"/>
-              </a:p>
-              <a:p>
-                <a:r>
-                  <a:rPr lang="en-US" sz="1900" dirty="0"/>
-                  <a:t>Complexity analysis points to the part of the code that would benefit from algorithmic </a:t>
-                </a:r>
-                <a:r>
-                  <a:rPr lang="en-US" sz="1900" b="1" dirty="0"/>
-                  <a:t>optimization</a:t>
-                </a:r>
-                <a:r>
-                  <a:rPr lang="en-US" sz="1900" dirty="0"/>
-                  <a:t>.</a:t>
-                </a:r>
-              </a:p>
-              <a:p>
-                <a:endParaRPr lang="en-US" sz="1900" dirty="0"/>
-              </a:p>
-              <a:p>
-                <a:r>
-                  <a:rPr lang="en-US" sz="1900" dirty="0"/>
-                  <a:t>Complexity analysis looks at the </a:t>
-                </a:r>
-                <a:r>
-                  <a:rPr lang="en-US" sz="1900" b="1" dirty="0"/>
-                  <a:t>algorithm</a:t>
-                </a:r>
-                <a:r>
-                  <a:rPr lang="en-US" sz="1900" dirty="0"/>
-                  <a:t> and bad implementations (e.g., copying arrays unnecessarily)  may lead to worse run time.</a:t>
-                </a:r>
-              </a:p>
-              <a:p>
-                <a:endParaRPr lang="en-US" sz="1900" dirty="0"/>
-              </a:p>
-              <a:p>
-                <a:r>
-                  <a:rPr lang="en-US" sz="1900" b="1" dirty="0"/>
-                  <a:t>Big-Oh looks at the worst case. </a:t>
-                </a:r>
-                <a:r>
-                  <a:rPr lang="en-US" sz="1900" dirty="0"/>
-                  <a:t>Average case analysis is typically way harder to determine. Also, it does not give a guarantee.</a:t>
-                </a:r>
-              </a:p>
-              <a:p>
-                <a:endParaRPr lang="en-US" sz="1900" dirty="0"/>
-              </a:p>
-              <a:p>
-                <a:r>
-                  <a:rPr lang="en-US" sz="1900" dirty="0"/>
-                  <a:t>Space complexity analysis looks at how the memory need grows with </a:t>
+                  <a:rPr lang="en-US" dirty="0">
+                    <a:cs typeface="Courier New" panose="02070309020205020404" pitchFamily="49" charset="0"/>
+                  </a:rPr>
+                  <a:t> and j is needed  </a:t>
                 </a:r>
                 <a14:m>
                   <m:oMath xmlns:m="http://schemas.openxmlformats.org/officeDocument/2006/math">
                     <m:r>
-                      <a:rPr lang="en-US" sz="1900" i="1" dirty="0" smtClean="0">
+                      <a:rPr lang="en-US" b="0" i="1" smtClean="0">
                         <a:latin typeface="Cambria Math" panose="02040503050406030204" pitchFamily="18" charset="0"/>
+                        <a:cs typeface="Courier New" panose="02070309020205020404" pitchFamily="49" charset="0"/>
                       </a:rPr>
-                      <m:t>𝑁</m:t>
+                      <m:t>→</m:t>
+                    </m:r>
+                    <m:r>
+                      <a:rPr lang="en-US" b="0" i="1" smtClean="0">
+                        <a:latin typeface="Cambria Math" panose="02040503050406030204" pitchFamily="18" charset="0"/>
+                        <a:cs typeface="Courier New" panose="02070309020205020404" pitchFamily="49" charset="0"/>
+                      </a:rPr>
+                      <m:t>𝑂</m:t>
+                    </m:r>
+                    <m:r>
+                      <a:rPr lang="en-US" b="0" i="1" smtClean="0">
+                        <a:latin typeface="Cambria Math" panose="02040503050406030204" pitchFamily="18" charset="0"/>
+                        <a:cs typeface="Courier New" panose="02070309020205020404" pitchFamily="49" charset="0"/>
+                      </a:rPr>
+                      <m:t>(1)</m:t>
                     </m:r>
                   </m:oMath>
                 </a14:m>
-                <a:r>
-                  <a:rPr lang="en-US" sz="1900" dirty="0"/>
-                  <a:t>.</a:t>
-                </a:r>
-              </a:p>
-              <a:p>
-                <a:endParaRPr lang="en-US" sz="1900" dirty="0"/>
-              </a:p>
-              <a:p>
-                <a:endParaRPr lang="en-US" sz="1900" dirty="0"/>
-              </a:p>
-              <a:p>
-                <a:endParaRPr lang="en-US" sz="1900" dirty="0"/>
+                <a:endParaRPr lang="en-US" dirty="0">
+                  <a:cs typeface="Courier New" panose="02070309020205020404" pitchFamily="49" charset="0"/>
+                </a:endParaRPr>
               </a:p>
             </p:txBody>
           </p:sp>
         </mc:Choice>
-        <mc:Fallback>
+        <mc:Fallback xmlns="">
           <p:sp>
             <p:nvSpPr>
-              <p:cNvPr id="6" name="Content Placeholder 5">
+              <p:cNvPr id="3" name="Content Placeholder 2">
                 <a:extLst>
                   <a:ext uri="{FF2B5EF4-FFF2-40B4-BE49-F238E27FC236}">
-                    <a16:creationId xmlns:a16="http://schemas.microsoft.com/office/drawing/2014/main" id="{A8850277-4FE6-EA5B-089D-4BD3AE738FBA}"/>
+                    <a16:creationId xmlns:a16="http://schemas.microsoft.com/office/drawing/2014/main" id="{9EBF3B30-480F-8E99-F2DE-789765D15B00}"/>
                   </a:ext>
                 </a:extLst>
               </p:cNvPr>
@@ -15181,13 +17568,13 @@
             </p:nvSpPr>
             <p:spPr>
               <a:xfrm>
-                <a:off x="572493" y="2071316"/>
-                <a:ext cx="6713552" cy="4119172"/>
+                <a:off x="838200" y="5172125"/>
+                <a:ext cx="10515600" cy="1196402"/>
               </a:xfrm>
               <a:blipFill>
                 <a:blip r:embed="rId2"/>
                 <a:stretch>
-                  <a:fillRect l="-363" t="-1923" r="-636" b="-1479"/>
+                  <a:fillRect l="-1043" b="-11675"/>
                 </a:stretch>
               </a:blipFill>
             </p:spPr>
@@ -15206,45 +17593,779 @@
           </p:sp>
         </mc:Fallback>
       </mc:AlternateContent>
-      <p:pic>
-        <p:nvPicPr>
-          <p:cNvPr id="32" name="Picture 31" descr="Geometric graphic background molecule and communication">
+      <p:sp>
+        <p:nvSpPr>
+          <p:cNvPr id="5" name="TextBox 4">
             <a:extLst>
               <a:ext uri="{FF2B5EF4-FFF2-40B4-BE49-F238E27FC236}">
-                <a16:creationId xmlns:a16="http://schemas.microsoft.com/office/drawing/2014/main" id="{25D4464C-4ED1-742A-26CA-58CFB1836073}"/>
+                <a16:creationId xmlns:a16="http://schemas.microsoft.com/office/drawing/2014/main" id="{B9D84CDE-497D-FA48-66D0-E18B617AC311}"/>
               </a:ext>
             </a:extLst>
           </p:cNvPr>
-          <p:cNvPicPr>
-            <a:picLocks noChangeAspect="1"/>
-          </p:cNvPicPr>
+          <p:cNvSpPr txBox="1"/>
           <p:nvPr/>
-        </p:nvPicPr>
-        <p:blipFill rotWithShape="1">
-          <a:blip r:embed="rId3">
-            <a:extLst>
-              <a:ext uri="{28A0092B-C50C-407E-A947-70E740481C1C}">
-                <a14:useLocalDpi xmlns:a14="http://schemas.microsoft.com/office/drawing/2010/main" val="0"/>
-              </a:ext>
-            </a:extLst>
-          </a:blip>
-          <a:srcRect l="17196" r="2714" b="1"/>
-          <a:stretch/>
-        </p:blipFill>
+        </p:nvSpPr>
         <p:spPr>
           <a:xfrm>
-            <a:off x="7675658" y="2093976"/>
-            <a:ext cx="3941064" cy="4096512"/>
+            <a:off x="838200" y="1386473"/>
+            <a:ext cx="3903646" cy="3785652"/>
           </a:xfrm>
           <a:prstGeom prst="rect">
             <a:avLst/>
           </a:prstGeom>
         </p:spPr>
-      </p:pic>
+        <p:style>
+          <a:lnRef idx="1">
+            <a:schemeClr val="accent4"/>
+          </a:lnRef>
+          <a:fillRef idx="2">
+            <a:schemeClr val="accent4"/>
+          </a:fillRef>
+          <a:effectRef idx="1">
+            <a:schemeClr val="accent4"/>
+          </a:effectRef>
+          <a:fontRef idx="minor">
+            <a:schemeClr val="dk1"/>
+          </a:fontRef>
+        </p:style>
+        <p:txBody>
+          <a:bodyPr wrap="square">
+            <a:spAutoFit/>
+          </a:bodyPr>
+          <a:lstStyle/>
+          <a:p>
+            <a:pPr marL="0" indent="0">
+              <a:buNone/>
+            </a:pPr>
+            <a:r>
+              <a:rPr lang="en-US" sz="2000" dirty="0">
+                <a:cs typeface="Courier New" panose="02070309020205020404" pitchFamily="49" charset="0"/>
+              </a:rPr>
+              <a:t>// n is the length of the </a:t>
+            </a:r>
+            <a:r>
+              <a:rPr lang="en-US" sz="2000" dirty="0" err="1">
+                <a:cs typeface="Courier New" panose="02070309020205020404" pitchFamily="49" charset="0"/>
+              </a:rPr>
+              <a:t>arr</a:t>
+            </a:r>
+            <a:endParaRPr lang="en-US" sz="2000" dirty="0">
+              <a:cs typeface="Courier New" panose="02070309020205020404" pitchFamily="49" charset="0"/>
+            </a:endParaRPr>
+          </a:p>
+          <a:p>
+            <a:pPr marL="0" indent="0">
+              <a:buNone/>
+            </a:pPr>
+            <a:r>
+              <a:rPr lang="en-US" sz="2000" dirty="0">
+                <a:cs typeface="Courier New" panose="02070309020205020404" pitchFamily="49" charset="0"/>
+              </a:rPr>
+              <a:t>void </a:t>
+            </a:r>
+            <a:r>
+              <a:rPr lang="en-US" sz="2000" dirty="0" err="1">
+                <a:cs typeface="Courier New" panose="02070309020205020404" pitchFamily="49" charset="0"/>
+              </a:rPr>
+              <a:t>bubbleSort</a:t>
+            </a:r>
+            <a:r>
+              <a:rPr lang="en-US" sz="2000" dirty="0">
+                <a:cs typeface="Courier New" panose="02070309020205020404" pitchFamily="49" charset="0"/>
+              </a:rPr>
+              <a:t>(int </a:t>
+            </a:r>
+            <a:r>
+              <a:rPr lang="en-US" sz="2000" dirty="0" err="1">
+                <a:cs typeface="Courier New" panose="02070309020205020404" pitchFamily="49" charset="0"/>
+              </a:rPr>
+              <a:t>arr</a:t>
+            </a:r>
+            <a:r>
+              <a:rPr lang="en-US" sz="2000" dirty="0">
+                <a:cs typeface="Courier New" panose="02070309020205020404" pitchFamily="49" charset="0"/>
+              </a:rPr>
+              <a:t>[], int n)</a:t>
+            </a:r>
+          </a:p>
+          <a:p>
+            <a:pPr marL="0" indent="0">
+              <a:buNone/>
+            </a:pPr>
+            <a:r>
+              <a:rPr lang="en-US" sz="2000" dirty="0">
+                <a:cs typeface="Courier New" panose="02070309020205020404" pitchFamily="49" charset="0"/>
+              </a:rPr>
+              <a:t>{</a:t>
+            </a:r>
+          </a:p>
+          <a:p>
+            <a:pPr marL="0" indent="0">
+              <a:buNone/>
+            </a:pPr>
+            <a:r>
+              <a:rPr lang="en-US" sz="2000" dirty="0">
+                <a:cs typeface="Courier New" panose="02070309020205020404" pitchFamily="49" charset="0"/>
+              </a:rPr>
+              <a:t>    int </a:t>
+            </a:r>
+            <a:r>
+              <a:rPr lang="en-US" sz="2000" dirty="0" err="1">
+                <a:cs typeface="Courier New" panose="02070309020205020404" pitchFamily="49" charset="0"/>
+              </a:rPr>
+              <a:t>i</a:t>
+            </a:r>
+            <a:r>
+              <a:rPr lang="en-US" sz="2000" dirty="0">
+                <a:cs typeface="Courier New" panose="02070309020205020404" pitchFamily="49" charset="0"/>
+              </a:rPr>
+              <a:t>, j;</a:t>
+            </a:r>
+          </a:p>
+          <a:p>
+            <a:pPr marL="0" indent="0">
+              <a:buNone/>
+            </a:pPr>
+            <a:r>
+              <a:rPr lang="en-US" sz="2000" dirty="0">
+                <a:cs typeface="Courier New" panose="02070309020205020404" pitchFamily="49" charset="0"/>
+              </a:rPr>
+              <a:t>    for (</a:t>
+            </a:r>
+            <a:r>
+              <a:rPr lang="en-US" sz="2000" dirty="0" err="1">
+                <a:cs typeface="Courier New" panose="02070309020205020404" pitchFamily="49" charset="0"/>
+              </a:rPr>
+              <a:t>i</a:t>
+            </a:r>
+            <a:r>
+              <a:rPr lang="en-US" sz="2000" dirty="0">
+                <a:cs typeface="Courier New" panose="02070309020205020404" pitchFamily="49" charset="0"/>
+              </a:rPr>
+              <a:t> = 0; </a:t>
+            </a:r>
+            <a:r>
+              <a:rPr lang="en-US" sz="2000" dirty="0" err="1">
+                <a:cs typeface="Courier New" panose="02070309020205020404" pitchFamily="49" charset="0"/>
+              </a:rPr>
+              <a:t>i</a:t>
+            </a:r>
+            <a:r>
+              <a:rPr lang="en-US" sz="2000" dirty="0">
+                <a:cs typeface="Courier New" panose="02070309020205020404" pitchFamily="49" charset="0"/>
+              </a:rPr>
+              <a:t> &lt; n - 1; ++</a:t>
+            </a:r>
+            <a:r>
+              <a:rPr lang="en-US" sz="2000" dirty="0" err="1">
+                <a:cs typeface="Courier New" panose="02070309020205020404" pitchFamily="49" charset="0"/>
+              </a:rPr>
+              <a:t>i</a:t>
+            </a:r>
+            <a:r>
+              <a:rPr lang="en-US" sz="2000" dirty="0">
+                <a:cs typeface="Courier New" panose="02070309020205020404" pitchFamily="49" charset="0"/>
+              </a:rPr>
+              <a:t>)</a:t>
+            </a:r>
+          </a:p>
+          <a:p>
+            <a:pPr marL="0" indent="0">
+              <a:buNone/>
+            </a:pPr>
+            <a:r>
+              <a:rPr lang="en-US" sz="2000" dirty="0">
+                <a:cs typeface="Courier New" panose="02070309020205020404" pitchFamily="49" charset="0"/>
+              </a:rPr>
+              <a:t>  </a:t>
+            </a:r>
+          </a:p>
+          <a:p>
+            <a:pPr marL="0" indent="0">
+              <a:buNone/>
+            </a:pPr>
+            <a:r>
+              <a:rPr lang="en-US" sz="2000" dirty="0">
+                <a:cs typeface="Courier New" panose="02070309020205020404" pitchFamily="49" charset="0"/>
+              </a:rPr>
+              <a:t>        // Last </a:t>
+            </a:r>
+            <a:r>
+              <a:rPr lang="en-US" sz="2000" dirty="0" err="1">
+                <a:cs typeface="Courier New" panose="02070309020205020404" pitchFamily="49" charset="0"/>
+              </a:rPr>
+              <a:t>i</a:t>
+            </a:r>
+            <a:r>
+              <a:rPr lang="en-US" sz="2000" dirty="0">
+                <a:cs typeface="Courier New" panose="02070309020205020404" pitchFamily="49" charset="0"/>
+              </a:rPr>
+              <a:t> elements are already </a:t>
+            </a:r>
+          </a:p>
+          <a:p>
+            <a:pPr marL="0" indent="0">
+              <a:buNone/>
+            </a:pPr>
+            <a:r>
+              <a:rPr lang="en-US" sz="2000" dirty="0">
+                <a:cs typeface="Courier New" panose="02070309020205020404" pitchFamily="49" charset="0"/>
+              </a:rPr>
+              <a:t>        // in place</a:t>
+            </a:r>
+          </a:p>
+          <a:p>
+            <a:pPr marL="0" indent="0">
+              <a:buNone/>
+            </a:pPr>
+            <a:r>
+              <a:rPr lang="en-US" sz="2000" dirty="0">
+                <a:cs typeface="Courier New" panose="02070309020205020404" pitchFamily="49" charset="0"/>
+              </a:rPr>
+              <a:t>        for (j = 0; j &lt; n - </a:t>
+            </a:r>
+            <a:r>
+              <a:rPr lang="en-US" sz="2000" dirty="0" err="1">
+                <a:cs typeface="Courier New" panose="02070309020205020404" pitchFamily="49" charset="0"/>
+              </a:rPr>
+              <a:t>i</a:t>
+            </a:r>
+            <a:r>
+              <a:rPr lang="en-US" sz="2000" dirty="0">
+                <a:cs typeface="Courier New" panose="02070309020205020404" pitchFamily="49" charset="0"/>
+              </a:rPr>
+              <a:t> - 1; ++j)</a:t>
+            </a:r>
+          </a:p>
+          <a:p>
+            <a:pPr marL="0" indent="0">
+              <a:buNone/>
+            </a:pPr>
+            <a:r>
+              <a:rPr lang="en-US" sz="2000" dirty="0">
+                <a:cs typeface="Courier New" panose="02070309020205020404" pitchFamily="49" charset="0"/>
+              </a:rPr>
+              <a:t>            if (</a:t>
+            </a:r>
+            <a:r>
+              <a:rPr lang="en-US" sz="2000" dirty="0" err="1">
+                <a:cs typeface="Courier New" panose="02070309020205020404" pitchFamily="49" charset="0"/>
+              </a:rPr>
+              <a:t>arr</a:t>
+            </a:r>
+            <a:r>
+              <a:rPr lang="en-US" sz="2000" dirty="0">
+                <a:cs typeface="Courier New" panose="02070309020205020404" pitchFamily="49" charset="0"/>
+              </a:rPr>
+              <a:t>[j] &gt; </a:t>
+            </a:r>
+            <a:r>
+              <a:rPr lang="en-US" sz="2000" dirty="0" err="1">
+                <a:cs typeface="Courier New" panose="02070309020205020404" pitchFamily="49" charset="0"/>
+              </a:rPr>
+              <a:t>arr</a:t>
+            </a:r>
+            <a:r>
+              <a:rPr lang="en-US" sz="2000" dirty="0">
+                <a:cs typeface="Courier New" panose="02070309020205020404" pitchFamily="49" charset="0"/>
+              </a:rPr>
+              <a:t>[j + 1])</a:t>
+            </a:r>
+          </a:p>
+          <a:p>
+            <a:pPr marL="0" indent="0">
+              <a:buNone/>
+            </a:pPr>
+            <a:r>
+              <a:rPr lang="en-US" sz="2000" dirty="0">
+                <a:cs typeface="Courier New" panose="02070309020205020404" pitchFamily="49" charset="0"/>
+              </a:rPr>
+              <a:t>                swap(</a:t>
+            </a:r>
+            <a:r>
+              <a:rPr lang="en-US" sz="2000" dirty="0" err="1">
+                <a:cs typeface="Courier New" panose="02070309020205020404" pitchFamily="49" charset="0"/>
+              </a:rPr>
+              <a:t>arr</a:t>
+            </a:r>
+            <a:r>
+              <a:rPr lang="en-US" sz="2000" dirty="0">
+                <a:cs typeface="Courier New" panose="02070309020205020404" pitchFamily="49" charset="0"/>
+              </a:rPr>
+              <a:t>[j], </a:t>
+            </a:r>
+            <a:r>
+              <a:rPr lang="en-US" sz="2000" dirty="0" err="1">
+                <a:cs typeface="Courier New" panose="02070309020205020404" pitchFamily="49" charset="0"/>
+              </a:rPr>
+              <a:t>arr</a:t>
+            </a:r>
+            <a:r>
+              <a:rPr lang="en-US" sz="2000" dirty="0">
+                <a:cs typeface="Courier New" panose="02070309020205020404" pitchFamily="49" charset="0"/>
+              </a:rPr>
+              <a:t>[j + 1]);</a:t>
+            </a:r>
+          </a:p>
+          <a:p>
+            <a:pPr marL="0" indent="0">
+              <a:buNone/>
+            </a:pPr>
+            <a:r>
+              <a:rPr lang="en-US" sz="2000" dirty="0">
+                <a:cs typeface="Courier New" panose="02070309020205020404" pitchFamily="49" charset="0"/>
+              </a:rPr>
+              <a:t>}</a:t>
+            </a:r>
+          </a:p>
+        </p:txBody>
+      </p:sp>
+      <mc:AlternateContent xmlns:mc="http://schemas.openxmlformats.org/markup-compatibility/2006">
+        <mc:Choice xmlns:a14="http://schemas.microsoft.com/office/drawing/2010/main" Requires="a14">
+          <p:sp>
+            <p:nvSpPr>
+              <p:cNvPr id="4" name="TextBox 3">
+                <a:extLst>
+                  <a:ext uri="{FF2B5EF4-FFF2-40B4-BE49-F238E27FC236}">
+                    <a16:creationId xmlns:a16="http://schemas.microsoft.com/office/drawing/2014/main" id="{9407AE05-784B-C77C-D299-5EF0EE0606E3}"/>
+                  </a:ext>
+                </a:extLst>
+              </p:cNvPr>
+              <p:cNvSpPr txBox="1"/>
+              <p:nvPr/>
+            </p:nvSpPr>
+            <p:spPr>
+              <a:xfrm>
+                <a:off x="5197640" y="1386473"/>
+                <a:ext cx="6006166" cy="3456074"/>
+              </a:xfrm>
+              <a:prstGeom prst="rect">
+                <a:avLst/>
+              </a:prstGeom>
+              <a:noFill/>
+            </p:spPr>
+            <p:txBody>
+              <a:bodyPr wrap="square" rtlCol="0">
+                <a:spAutoFit/>
+              </a:bodyPr>
+              <a:lstStyle/>
+              <a:p>
+                <a:r>
+                  <a:rPr lang="en-US" sz="2400" dirty="0">
+                    <a:cs typeface="Courier New" panose="02070309020205020404" pitchFamily="49" charset="0"/>
+                  </a:rPr>
+                  <a:t>Worst-case time complexity?</a:t>
+                </a:r>
+              </a:p>
+              <a:p>
+                <a:endParaRPr lang="en-US" dirty="0"/>
+              </a:p>
+              <a:p>
+                <a:r>
+                  <a:rPr lang="en-US" dirty="0" err="1"/>
+                  <a:t>i</a:t>
+                </a:r>
+                <a:r>
+                  <a:rPr lang="en-US" dirty="0"/>
+                  <a:t> = 1 : n – 1 iterations in j-loop</a:t>
+                </a:r>
+              </a:p>
+              <a:p>
+                <a:r>
+                  <a:rPr lang="en-US" dirty="0" err="1"/>
+                  <a:t>i</a:t>
+                </a:r>
+                <a:r>
+                  <a:rPr lang="en-US" dirty="0"/>
+                  <a:t> = 2 : n – 2</a:t>
+                </a:r>
+              </a:p>
+              <a:p>
+                <a:r>
+                  <a:rPr lang="en-US" dirty="0" err="1"/>
+                  <a:t>i</a:t>
+                </a:r>
+                <a:r>
+                  <a:rPr lang="en-US" dirty="0"/>
+                  <a:t> = 3 : n – 3</a:t>
+                </a:r>
+              </a:p>
+              <a:p>
+                <a:r>
+                  <a:rPr lang="en-US" dirty="0"/>
+                  <a:t>…</a:t>
+                </a:r>
+              </a:p>
+              <a:p>
+                <a:r>
+                  <a:rPr lang="en-US" dirty="0" err="1"/>
+                  <a:t>i</a:t>
+                </a:r>
+                <a:r>
+                  <a:rPr lang="en-US" dirty="0"/>
+                  <a:t> = n - 2 : n – (n - 2) – 1 = 1</a:t>
+                </a:r>
+              </a:p>
+              <a:p>
+                <a:r>
+                  <a:rPr lang="en-US" dirty="0" err="1"/>
+                  <a:t>i</a:t>
+                </a:r>
+                <a:r>
+                  <a:rPr lang="en-US" dirty="0"/>
+                  <a:t> = n - 1 : n – (n - 1) – 1 = 0</a:t>
+                </a:r>
+              </a:p>
+              <a:p>
+                <a:endParaRPr lang="en-US" dirty="0"/>
+              </a:p>
+              <a:p>
+                <a:pPr/>
+                <a14:m>
+                  <m:oMathPara xmlns:m="http://schemas.openxmlformats.org/officeDocument/2006/math">
+                    <m:oMathParaPr>
+                      <m:jc m:val="centerGroup"/>
+                    </m:oMathParaPr>
+                    <m:oMath xmlns:m="http://schemas.openxmlformats.org/officeDocument/2006/math">
+                      <m:nary>
+                        <m:naryPr>
+                          <m:chr m:val="∑"/>
+                          <m:ctrlPr>
+                            <a:rPr lang="en-US" i="1" smtClean="0">
+                              <a:latin typeface="Cambria Math" panose="02040503050406030204" pitchFamily="18" charset="0"/>
+                            </a:rPr>
+                          </m:ctrlPr>
+                        </m:naryPr>
+                        <m:sub>
+                          <m:r>
+                            <m:rPr>
+                              <m:brk m:alnAt="23"/>
+                            </m:rPr>
+                            <a:rPr lang="en-US" b="0" i="1" smtClean="0">
+                              <a:latin typeface="Cambria Math" panose="02040503050406030204" pitchFamily="18" charset="0"/>
+                            </a:rPr>
+                            <m:t>𝑖</m:t>
+                          </m:r>
+                          <m:r>
+                            <a:rPr lang="en-US" b="0" i="1" smtClean="0">
+                              <a:latin typeface="Cambria Math" panose="02040503050406030204" pitchFamily="18" charset="0"/>
+                            </a:rPr>
+                            <m:t>=0</m:t>
+                          </m:r>
+                        </m:sub>
+                        <m:sup>
+                          <m:r>
+                            <a:rPr lang="en-US" b="0" i="1" smtClean="0">
+                              <a:latin typeface="Cambria Math" panose="02040503050406030204" pitchFamily="18" charset="0"/>
+                            </a:rPr>
+                            <m:t>𝑛</m:t>
+                          </m:r>
+                          <m:r>
+                            <a:rPr lang="en-US" b="0" i="1" smtClean="0">
+                              <a:latin typeface="Cambria Math" panose="02040503050406030204" pitchFamily="18" charset="0"/>
+                            </a:rPr>
+                            <m:t>−1</m:t>
+                          </m:r>
+                        </m:sup>
+                        <m:e>
+                          <m:r>
+                            <a:rPr lang="en-US" b="0" i="1" smtClean="0">
+                              <a:latin typeface="Cambria Math" panose="02040503050406030204" pitchFamily="18" charset="0"/>
+                            </a:rPr>
+                            <m:t>𝑖</m:t>
+                          </m:r>
+                        </m:e>
+                      </m:nary>
+                      <m:r>
+                        <a:rPr lang="en-US" b="0" i="1" smtClean="0">
+                          <a:latin typeface="Cambria Math" panose="02040503050406030204" pitchFamily="18" charset="0"/>
+                        </a:rPr>
+                        <m:t>=</m:t>
+                      </m:r>
+                      <m:f>
+                        <m:fPr>
+                          <m:ctrlPr>
+                            <a:rPr lang="en-US" b="0" i="1" smtClean="0">
+                              <a:latin typeface="Cambria Math" panose="02040503050406030204" pitchFamily="18" charset="0"/>
+                            </a:rPr>
+                          </m:ctrlPr>
+                        </m:fPr>
+                        <m:num>
+                          <m:r>
+                            <a:rPr lang="en-US" b="0" i="1" smtClean="0">
+                              <a:latin typeface="Cambria Math" panose="02040503050406030204" pitchFamily="18" charset="0"/>
+                            </a:rPr>
+                            <m:t>(</m:t>
+                          </m:r>
+                          <m:r>
+                            <a:rPr lang="en-US" b="0" i="1" smtClean="0">
+                              <a:latin typeface="Cambria Math" panose="02040503050406030204" pitchFamily="18" charset="0"/>
+                            </a:rPr>
+                            <m:t>𝑛</m:t>
+                          </m:r>
+                          <m:r>
+                            <a:rPr lang="en-US" b="0" i="1" smtClean="0">
+                              <a:latin typeface="Cambria Math" panose="02040503050406030204" pitchFamily="18" charset="0"/>
+                            </a:rPr>
+                            <m:t>−1)(</m:t>
+                          </m:r>
+                          <m:r>
+                            <a:rPr lang="en-US" b="0" i="1" smtClean="0">
+                              <a:latin typeface="Cambria Math" panose="02040503050406030204" pitchFamily="18" charset="0"/>
+                            </a:rPr>
+                            <m:t>𝑛</m:t>
+                          </m:r>
+                          <m:r>
+                            <a:rPr lang="en-US" b="0" i="1" smtClean="0">
+                              <a:latin typeface="Cambria Math" panose="02040503050406030204" pitchFamily="18" charset="0"/>
+                            </a:rPr>
+                            <m:t>−1+1)</m:t>
+                          </m:r>
+                        </m:num>
+                        <m:den>
+                          <m:r>
+                            <a:rPr lang="en-US" b="0" i="1" smtClean="0">
+                              <a:latin typeface="Cambria Math" panose="02040503050406030204" pitchFamily="18" charset="0"/>
+                            </a:rPr>
+                            <m:t>2</m:t>
+                          </m:r>
+                        </m:den>
+                      </m:f>
+                      <m:r>
+                        <a:rPr lang="en-US" b="0" i="1" smtClean="0">
+                          <a:latin typeface="Cambria Math" panose="02040503050406030204" pitchFamily="18" charset="0"/>
+                        </a:rPr>
+                        <m:t>=</m:t>
+                      </m:r>
+                      <m:f>
+                        <m:fPr>
+                          <m:ctrlPr>
+                            <a:rPr lang="en-US" b="0" i="1" smtClean="0">
+                              <a:latin typeface="Cambria Math" panose="02040503050406030204" pitchFamily="18" charset="0"/>
+                            </a:rPr>
+                          </m:ctrlPr>
+                        </m:fPr>
+                        <m:num>
+                          <m:r>
+                            <a:rPr lang="en-US" b="0" i="1" smtClean="0">
+                              <a:latin typeface="Cambria Math" panose="02040503050406030204" pitchFamily="18" charset="0"/>
+                            </a:rPr>
+                            <m:t>𝑛</m:t>
+                          </m:r>
+                          <m:r>
+                            <a:rPr lang="en-US" b="0" i="1" smtClean="0">
+                              <a:latin typeface="Cambria Math" panose="02040503050406030204" pitchFamily="18" charset="0"/>
+                            </a:rPr>
+                            <m:t>(</m:t>
+                          </m:r>
+                          <m:r>
+                            <a:rPr lang="en-US" b="0" i="1" smtClean="0">
+                              <a:latin typeface="Cambria Math" panose="02040503050406030204" pitchFamily="18" charset="0"/>
+                            </a:rPr>
+                            <m:t>𝑛</m:t>
+                          </m:r>
+                          <m:r>
+                            <a:rPr lang="en-US" b="0" i="1" smtClean="0">
+                              <a:latin typeface="Cambria Math" panose="02040503050406030204" pitchFamily="18" charset="0"/>
+                            </a:rPr>
+                            <m:t>−1)</m:t>
+                          </m:r>
+                        </m:num>
+                        <m:den>
+                          <m:r>
+                            <a:rPr lang="en-US" b="0" i="1" smtClean="0">
+                              <a:latin typeface="Cambria Math" panose="02040503050406030204" pitchFamily="18" charset="0"/>
+                            </a:rPr>
+                            <m:t>2</m:t>
+                          </m:r>
+                        </m:den>
+                      </m:f>
+                      <m:r>
+                        <a:rPr lang="en-US" b="0" i="1" smtClean="0">
+                          <a:latin typeface="Cambria Math" panose="02040503050406030204" pitchFamily="18" charset="0"/>
+                        </a:rPr>
+                        <m:t>=</m:t>
+                      </m:r>
+                      <m:f>
+                        <m:fPr>
+                          <m:ctrlPr>
+                            <a:rPr lang="en-US" b="0" i="1" smtClean="0">
+                              <a:latin typeface="Cambria Math" panose="02040503050406030204" pitchFamily="18" charset="0"/>
+                            </a:rPr>
+                          </m:ctrlPr>
+                        </m:fPr>
+                        <m:num>
+                          <m:sSup>
+                            <m:sSupPr>
+                              <m:ctrlPr>
+                                <a:rPr lang="en-US" b="0" i="1" smtClean="0">
+                                  <a:latin typeface="Cambria Math" panose="02040503050406030204" pitchFamily="18" charset="0"/>
+                                </a:rPr>
+                              </m:ctrlPr>
+                            </m:sSupPr>
+                            <m:e>
+                              <m:r>
+                                <a:rPr lang="en-US" b="0" i="1" smtClean="0">
+                                  <a:latin typeface="Cambria Math" panose="02040503050406030204" pitchFamily="18" charset="0"/>
+                                </a:rPr>
+                                <m:t>𝑛</m:t>
+                              </m:r>
+                            </m:e>
+                            <m:sup>
+                              <m:r>
+                                <a:rPr lang="en-US" b="0" i="1" smtClean="0">
+                                  <a:latin typeface="Cambria Math" panose="02040503050406030204" pitchFamily="18" charset="0"/>
+                                </a:rPr>
+                                <m:t>2</m:t>
+                              </m:r>
+                            </m:sup>
+                          </m:sSup>
+                        </m:num>
+                        <m:den>
+                          <m:r>
+                            <a:rPr lang="en-US" b="0" i="1" smtClean="0">
+                              <a:latin typeface="Cambria Math" panose="02040503050406030204" pitchFamily="18" charset="0"/>
+                            </a:rPr>
+                            <m:t>2</m:t>
+                          </m:r>
+                        </m:den>
+                      </m:f>
+                      <m:r>
+                        <a:rPr lang="en-US" b="0" i="1" smtClean="0">
+                          <a:latin typeface="Cambria Math" panose="02040503050406030204" pitchFamily="18" charset="0"/>
+                        </a:rPr>
+                        <m:t>−</m:t>
+                      </m:r>
+                      <m:f>
+                        <m:fPr>
+                          <m:ctrlPr>
+                            <a:rPr lang="en-US" b="0" i="1" smtClean="0">
+                              <a:latin typeface="Cambria Math" panose="02040503050406030204" pitchFamily="18" charset="0"/>
+                            </a:rPr>
+                          </m:ctrlPr>
+                        </m:fPr>
+                        <m:num>
+                          <m:r>
+                            <a:rPr lang="en-US" b="0" i="1" smtClean="0">
+                              <a:latin typeface="Cambria Math" panose="02040503050406030204" pitchFamily="18" charset="0"/>
+                            </a:rPr>
+                            <m:t>𝑛</m:t>
+                          </m:r>
+                        </m:num>
+                        <m:den>
+                          <m:r>
+                            <a:rPr lang="en-US" b="0" i="1" smtClean="0">
+                              <a:latin typeface="Cambria Math" panose="02040503050406030204" pitchFamily="18" charset="0"/>
+                            </a:rPr>
+                            <m:t>2</m:t>
+                          </m:r>
+                        </m:den>
+                      </m:f>
+                      <m:r>
+                        <a:rPr lang="en-US" b="0" i="1" smtClean="0">
+                          <a:latin typeface="Cambria Math" panose="02040503050406030204" pitchFamily="18" charset="0"/>
+                        </a:rPr>
+                        <m:t>→</m:t>
+                      </m:r>
+                      <m:r>
+                        <a:rPr lang="en-US" b="0" i="1" smtClean="0">
+                          <a:latin typeface="Cambria Math" panose="02040503050406030204" pitchFamily="18" charset="0"/>
+                        </a:rPr>
+                        <m:t>𝑂</m:t>
+                      </m:r>
+                      <m:d>
+                        <m:dPr>
+                          <m:ctrlPr>
+                            <a:rPr lang="en-US" b="0" i="1" smtClean="0">
+                              <a:latin typeface="Cambria Math" panose="02040503050406030204" pitchFamily="18" charset="0"/>
+                            </a:rPr>
+                          </m:ctrlPr>
+                        </m:dPr>
+                        <m:e>
+                          <m:sSup>
+                            <m:sSupPr>
+                              <m:ctrlPr>
+                                <a:rPr lang="en-US" b="0" i="1" smtClean="0">
+                                  <a:latin typeface="Cambria Math" panose="02040503050406030204" pitchFamily="18" charset="0"/>
+                                </a:rPr>
+                              </m:ctrlPr>
+                            </m:sSupPr>
+                            <m:e>
+                              <m:r>
+                                <a:rPr lang="en-US" b="0" i="1" smtClean="0">
+                                  <a:latin typeface="Cambria Math" panose="02040503050406030204" pitchFamily="18" charset="0"/>
+                                </a:rPr>
+                                <m:t>𝑛</m:t>
+                              </m:r>
+                            </m:e>
+                            <m:sup>
+                              <m:r>
+                                <a:rPr lang="en-US" b="0" i="1" smtClean="0">
+                                  <a:latin typeface="Cambria Math" panose="02040503050406030204" pitchFamily="18" charset="0"/>
+                                </a:rPr>
+                                <m:t>2</m:t>
+                              </m:r>
+                            </m:sup>
+                          </m:sSup>
+                        </m:e>
+                      </m:d>
+                    </m:oMath>
+                  </m:oMathPara>
+                </a14:m>
+                <a:endParaRPr lang="en-US" dirty="0"/>
+              </a:p>
+            </p:txBody>
+          </p:sp>
+        </mc:Choice>
+        <mc:Fallback>
+          <p:sp>
+            <p:nvSpPr>
+              <p:cNvPr id="4" name="TextBox 3">
+                <a:extLst>
+                  <a:ext uri="{FF2B5EF4-FFF2-40B4-BE49-F238E27FC236}">
+                    <a16:creationId xmlns:a16="http://schemas.microsoft.com/office/drawing/2014/main" id="{9407AE05-784B-C77C-D299-5EF0EE0606E3}"/>
+                  </a:ext>
+                </a:extLst>
+              </p:cNvPr>
+              <p:cNvSpPr txBox="1">
+                <a:spLocks noRot="1" noChangeAspect="1" noMove="1" noResize="1" noEditPoints="1" noAdjustHandles="1" noChangeArrowheads="1" noChangeShapeType="1" noTextEdit="1"/>
+              </p:cNvSpPr>
+              <p:nvPr/>
+            </p:nvSpPr>
+            <p:spPr>
+              <a:xfrm>
+                <a:off x="5197640" y="1386473"/>
+                <a:ext cx="6006166" cy="3456074"/>
+              </a:xfrm>
+              <a:prstGeom prst="rect">
+                <a:avLst/>
+              </a:prstGeom>
+              <a:blipFill>
+                <a:blip r:embed="rId3"/>
+                <a:stretch>
+                  <a:fillRect l="-1624" t="-1411"/>
+                </a:stretch>
+              </a:blipFill>
+            </p:spPr>
+            <p:txBody>
+              <a:bodyPr/>
+              <a:lstStyle/>
+              <a:p>
+                <a:r>
+                  <a:rPr lang="en-US">
+                    <a:noFill/>
+                  </a:rPr>
+                  <a:t> </a:t>
+                </a:r>
+              </a:p>
+            </p:txBody>
+          </p:sp>
+        </mc:Fallback>
+      </mc:AlternateContent>
     </p:spTree>
     <p:extLst>
       <p:ext uri="{BB962C8B-B14F-4D97-AF65-F5344CB8AC3E}">
-        <p14:creationId xmlns:p14="http://schemas.microsoft.com/office/powerpoint/2010/main" val="2599677049"/>
+        <p14:creationId xmlns:p14="http://schemas.microsoft.com/office/powerpoint/2010/main" val="1135607329"/>
       </p:ext>
     </p:extLst>
   </p:cSld>

--- a/slides/Chapter2_Algorithm_Analysis.pptx
+++ b/slides/Chapter2_Algorithm_Analysis.pptx
@@ -6154,7 +6154,7 @@
           <a:p>
             <a:fld id="{E46FABD4-8113-4726-8979-3F798E899A77}" type="datetimeFigureOut">
               <a:rPr lang="en-US" smtClean="0"/>
-              <a:t>6/28/2022</a:t>
+              <a:t>7/18/2022</a:t>
             </a:fld>
             <a:endParaRPr lang="en-US"/>
           </a:p>
@@ -6352,7 +6352,7 @@
           <a:p>
             <a:fld id="{E46FABD4-8113-4726-8979-3F798E899A77}" type="datetimeFigureOut">
               <a:rPr lang="en-US" smtClean="0"/>
-              <a:t>6/28/2022</a:t>
+              <a:t>7/18/2022</a:t>
             </a:fld>
             <a:endParaRPr lang="en-US"/>
           </a:p>
@@ -6560,7 +6560,7 @@
           <a:p>
             <a:fld id="{E46FABD4-8113-4726-8979-3F798E899A77}" type="datetimeFigureOut">
               <a:rPr lang="en-US" smtClean="0"/>
-              <a:t>6/28/2022</a:t>
+              <a:t>7/18/2022</a:t>
             </a:fld>
             <a:endParaRPr lang="en-US"/>
           </a:p>
@@ -6758,7 +6758,7 @@
           <a:p>
             <a:fld id="{E46FABD4-8113-4726-8979-3F798E899A77}" type="datetimeFigureOut">
               <a:rPr lang="en-US" smtClean="0"/>
-              <a:t>6/28/2022</a:t>
+              <a:t>7/18/2022</a:t>
             </a:fld>
             <a:endParaRPr lang="en-US"/>
           </a:p>
@@ -7033,7 +7033,7 @@
           <a:p>
             <a:fld id="{E46FABD4-8113-4726-8979-3F798E899A77}" type="datetimeFigureOut">
               <a:rPr lang="en-US" smtClean="0"/>
-              <a:t>6/28/2022</a:t>
+              <a:t>7/18/2022</a:t>
             </a:fld>
             <a:endParaRPr lang="en-US"/>
           </a:p>
@@ -7298,7 +7298,7 @@
           <a:p>
             <a:fld id="{E46FABD4-8113-4726-8979-3F798E899A77}" type="datetimeFigureOut">
               <a:rPr lang="en-US" smtClean="0"/>
-              <a:t>6/28/2022</a:t>
+              <a:t>7/18/2022</a:t>
             </a:fld>
             <a:endParaRPr lang="en-US"/>
           </a:p>
@@ -7710,7 +7710,7 @@
           <a:p>
             <a:fld id="{E46FABD4-8113-4726-8979-3F798E899A77}" type="datetimeFigureOut">
               <a:rPr lang="en-US" smtClean="0"/>
-              <a:t>6/28/2022</a:t>
+              <a:t>7/18/2022</a:t>
             </a:fld>
             <a:endParaRPr lang="en-US"/>
           </a:p>
@@ -7851,7 +7851,7 @@
           <a:p>
             <a:fld id="{E46FABD4-8113-4726-8979-3F798E899A77}" type="datetimeFigureOut">
               <a:rPr lang="en-US" smtClean="0"/>
-              <a:t>6/28/2022</a:t>
+              <a:t>7/18/2022</a:t>
             </a:fld>
             <a:endParaRPr lang="en-US"/>
           </a:p>
@@ -7964,7 +7964,7 @@
           <a:p>
             <a:fld id="{E46FABD4-8113-4726-8979-3F798E899A77}" type="datetimeFigureOut">
               <a:rPr lang="en-US" smtClean="0"/>
-              <a:t>6/28/2022</a:t>
+              <a:t>7/18/2022</a:t>
             </a:fld>
             <a:endParaRPr lang="en-US"/>
           </a:p>
@@ -8275,7 +8275,7 @@
           <a:p>
             <a:fld id="{E46FABD4-8113-4726-8979-3F798E899A77}" type="datetimeFigureOut">
               <a:rPr lang="en-US" smtClean="0"/>
-              <a:t>6/28/2022</a:t>
+              <a:t>7/18/2022</a:t>
             </a:fld>
             <a:endParaRPr lang="en-US"/>
           </a:p>
@@ -8563,7 +8563,7 @@
           <a:p>
             <a:fld id="{E46FABD4-8113-4726-8979-3F798E899A77}" type="datetimeFigureOut">
               <a:rPr lang="en-US" smtClean="0"/>
-              <a:t>6/28/2022</a:t>
+              <a:t>7/18/2022</a:t>
             </a:fld>
             <a:endParaRPr lang="en-US"/>
           </a:p>
@@ -8804,7 +8804,7 @@
           <a:p>
             <a:fld id="{E46FABD4-8113-4726-8979-3F798E899A77}" type="datetimeFigureOut">
               <a:rPr lang="en-US" smtClean="0"/>
-              <a:t>6/28/2022</a:t>
+              <a:t>7/18/2022</a:t>
             </a:fld>
             <a:endParaRPr lang="en-US"/>
           </a:p>
@@ -10419,7 +10419,7 @@
         <p:spPr>
           <a:xfrm>
             <a:off x="931243" y="1421180"/>
-            <a:ext cx="4391527" cy="2800767"/>
+            <a:ext cx="4969043" cy="3046988"/>
           </a:xfrm>
           <a:prstGeom prst="rect">
             <a:avLst/>
@@ -10446,132 +10446,225 @@
           <a:lstStyle/>
           <a:p>
             <a:r>
-              <a:rPr lang="en-US" sz="1600" dirty="0"/>
+              <a:rPr lang="en-US" sz="1600" dirty="0">
+                <a:latin typeface="Lucida Console" panose="020B0609040504020204" pitchFamily="49" charset="0"/>
+                <a:cs typeface="Arabic Typesetting" panose="020B0604020202020204" pitchFamily="66" charset="-78"/>
+              </a:rPr>
               <a:t>template &lt;</a:t>
             </a:r>
             <a:r>
-              <a:rPr lang="en-US" sz="1600" dirty="0" err="1"/>
+              <a:rPr lang="en-US" sz="1600" dirty="0" err="1">
+                <a:latin typeface="Lucida Console" panose="020B0609040504020204" pitchFamily="49" charset="0"/>
+                <a:cs typeface="Arabic Typesetting" panose="020B0604020202020204" pitchFamily="66" charset="-78"/>
+              </a:rPr>
               <a:t>typename</a:t>
             </a:r>
             <a:r>
-              <a:rPr lang="en-US" sz="1600" dirty="0"/>
+              <a:rPr lang="en-US" sz="1600" dirty="0">
+                <a:latin typeface="Lucida Console" panose="020B0609040504020204" pitchFamily="49" charset="0"/>
+                <a:cs typeface="Arabic Typesetting" panose="020B0604020202020204" pitchFamily="66" charset="-78"/>
+              </a:rPr>
               <a:t> Comparable&gt;</a:t>
             </a:r>
           </a:p>
           <a:p>
             <a:r>
-              <a:rPr lang="en-US" sz="1600" dirty="0"/>
+              <a:rPr lang="en-US" sz="1600" dirty="0">
+                <a:latin typeface="Lucida Console" panose="020B0609040504020204" pitchFamily="49" charset="0"/>
+                <a:cs typeface="Arabic Typesetting" panose="020B0604020202020204" pitchFamily="66" charset="-78"/>
+              </a:rPr>
               <a:t>int </a:t>
             </a:r>
             <a:r>
-              <a:rPr lang="en-US" sz="1600" dirty="0" err="1"/>
+              <a:rPr lang="en-US" sz="1600" dirty="0" err="1">
+                <a:latin typeface="Lucida Console" panose="020B0609040504020204" pitchFamily="49" charset="0"/>
+                <a:cs typeface="Arabic Typesetting" panose="020B0604020202020204" pitchFamily="66" charset="-78"/>
+              </a:rPr>
               <a:t>linearSearch</a:t>
             </a:r>
             <a:r>
-              <a:rPr lang="en-US" sz="1600" dirty="0"/>
-              <a:t>( const vector&lt;Comparable&gt; &amp; a, </a:t>
+              <a:rPr lang="en-US" sz="1600" dirty="0">
+                <a:latin typeface="Lucida Console" panose="020B0609040504020204" pitchFamily="49" charset="0"/>
+                <a:cs typeface="Arabic Typesetting" panose="020B0604020202020204" pitchFamily="66" charset="-78"/>
+              </a:rPr>
+              <a:t>(</a:t>
+            </a:r>
+          </a:p>
+          <a:p>
+            <a:r>
+              <a:rPr lang="en-US" sz="1600" dirty="0">
+                <a:latin typeface="Lucida Console" panose="020B0609040504020204" pitchFamily="49" charset="0"/>
+                <a:cs typeface="Arabic Typesetting" panose="020B0604020202020204" pitchFamily="66" charset="-78"/>
+              </a:rPr>
+              <a:t>  const vector&lt;Comparable&gt; &amp; a, </a:t>
             </a:r>
             <a:br>
-              <a:rPr lang="en-US" sz="1600" dirty="0"/>
+              <a:rPr lang="en-US" sz="1600" dirty="0">
+                <a:latin typeface="Lucida Console" panose="020B0609040504020204" pitchFamily="49" charset="0"/>
+                <a:cs typeface="Arabic Typesetting" panose="020B0604020202020204" pitchFamily="66" charset="-78"/>
+              </a:rPr>
             </a:br>
             <a:r>
-              <a:rPr lang="en-US" sz="1600" dirty="0"/>
-              <a:t>                                const Comparable &amp; x )</a:t>
-            </a:r>
-          </a:p>
-          <a:p>
-            <a:r>
-              <a:rPr lang="en-US" sz="1600" dirty="0"/>
+              <a:rPr lang="en-US" sz="1600" dirty="0">
+                <a:latin typeface="Lucida Console" panose="020B0609040504020204" pitchFamily="49" charset="0"/>
+                <a:cs typeface="Arabic Typesetting" panose="020B0604020202020204" pitchFamily="66" charset="-78"/>
+              </a:rPr>
+              <a:t>  const Comparable &amp; x )</a:t>
+            </a:r>
+          </a:p>
+          <a:p>
+            <a:r>
+              <a:rPr lang="en-US" sz="1600" dirty="0">
+                <a:latin typeface="Lucida Console" panose="020B0609040504020204" pitchFamily="49" charset="0"/>
+                <a:cs typeface="Arabic Typesetting" panose="020B0604020202020204" pitchFamily="66" charset="-78"/>
+              </a:rPr>
               <a:t>{</a:t>
             </a:r>
           </a:p>
           <a:p>
             <a:r>
-              <a:rPr lang="en-US" sz="1600" dirty="0"/>
+              <a:rPr lang="en-US" sz="1600" dirty="0">
+                <a:latin typeface="Lucida Console" panose="020B0609040504020204" pitchFamily="49" charset="0"/>
+                <a:cs typeface="Arabic Typesetting" panose="020B0604020202020204" pitchFamily="66" charset="-78"/>
+              </a:rPr>
               <a:t>    for(int </a:t>
             </a:r>
             <a:r>
-              <a:rPr lang="en-US" sz="1600" dirty="0" err="1"/>
+              <a:rPr lang="en-US" sz="1600" dirty="0" err="1">
+                <a:latin typeface="Lucida Console" panose="020B0609040504020204" pitchFamily="49" charset="0"/>
+                <a:cs typeface="Arabic Typesetting" panose="020B0604020202020204" pitchFamily="66" charset="-78"/>
+              </a:rPr>
               <a:t>i</a:t>
             </a:r>
             <a:r>
-              <a:rPr lang="en-US" sz="1600" dirty="0"/>
+              <a:rPr lang="en-US" sz="1600" dirty="0">
+                <a:latin typeface="Lucida Console" panose="020B0609040504020204" pitchFamily="49" charset="0"/>
+                <a:cs typeface="Arabic Typesetting" panose="020B0604020202020204" pitchFamily="66" charset="-78"/>
+              </a:rPr>
               <a:t> = 0; </a:t>
             </a:r>
             <a:r>
-              <a:rPr lang="en-US" sz="1600" dirty="0" err="1"/>
+              <a:rPr lang="en-US" sz="1600" dirty="0" err="1">
+                <a:latin typeface="Lucida Console" panose="020B0609040504020204" pitchFamily="49" charset="0"/>
+                <a:cs typeface="Arabic Typesetting" panose="020B0604020202020204" pitchFamily="66" charset="-78"/>
+              </a:rPr>
               <a:t>i</a:t>
             </a:r>
             <a:r>
-              <a:rPr lang="en-US" sz="1600" dirty="0"/>
+              <a:rPr lang="en-US" sz="1600" dirty="0">
+                <a:latin typeface="Lucida Console" panose="020B0609040504020204" pitchFamily="49" charset="0"/>
+                <a:cs typeface="Arabic Typesetting" panose="020B0604020202020204" pitchFamily="66" charset="-78"/>
+              </a:rPr>
               <a:t> &lt; </a:t>
             </a:r>
             <a:r>
-              <a:rPr lang="en-US" sz="1600" dirty="0" err="1"/>
+              <a:rPr lang="en-US" sz="1600" dirty="0" err="1">
+                <a:latin typeface="Lucida Console" panose="020B0609040504020204" pitchFamily="49" charset="0"/>
+                <a:cs typeface="Arabic Typesetting" panose="020B0604020202020204" pitchFamily="66" charset="-78"/>
+              </a:rPr>
               <a:t>a.size</a:t>
             </a:r>
             <a:r>
-              <a:rPr lang="en-US" sz="1600" dirty="0"/>
+              <a:rPr lang="en-US" sz="1600" dirty="0">
+                <a:latin typeface="Lucida Console" panose="020B0609040504020204" pitchFamily="49" charset="0"/>
+                <a:cs typeface="Arabic Typesetting" panose="020B0604020202020204" pitchFamily="66" charset="-78"/>
+              </a:rPr>
               <a:t>(); ++</a:t>
             </a:r>
             <a:r>
-              <a:rPr lang="en-US" sz="1600" dirty="0" err="1"/>
+              <a:rPr lang="en-US" sz="1600" dirty="0" err="1">
+                <a:latin typeface="Lucida Console" panose="020B0609040504020204" pitchFamily="49" charset="0"/>
+                <a:cs typeface="Arabic Typesetting" panose="020B0604020202020204" pitchFamily="66" charset="-78"/>
+              </a:rPr>
               <a:t>i</a:t>
             </a:r>
             <a:r>
-              <a:rPr lang="en-US" sz="1600" dirty="0"/>
+              <a:rPr lang="en-US" sz="1600" dirty="0">
+                <a:latin typeface="Lucida Console" panose="020B0609040504020204" pitchFamily="49" charset="0"/>
+                <a:cs typeface="Arabic Typesetting" panose="020B0604020202020204" pitchFamily="66" charset="-78"/>
+              </a:rPr>
               <a:t>)</a:t>
             </a:r>
           </a:p>
           <a:p>
             <a:r>
-              <a:rPr lang="en-US" sz="1600" dirty="0"/>
+              <a:rPr lang="en-US" sz="1600" dirty="0">
+                <a:latin typeface="Lucida Console" panose="020B0609040504020204" pitchFamily="49" charset="0"/>
+                <a:cs typeface="Arabic Typesetting" panose="020B0604020202020204" pitchFamily="66" charset="-78"/>
+              </a:rPr>
               <a:t>    {</a:t>
             </a:r>
           </a:p>
           <a:p>
             <a:r>
-              <a:rPr lang="en-US" sz="1600" dirty="0"/>
+              <a:rPr lang="en-US" sz="1600" dirty="0">
+                <a:latin typeface="Lucida Console" panose="020B0609040504020204" pitchFamily="49" charset="0"/>
+                <a:cs typeface="Arabic Typesetting" panose="020B0604020202020204" pitchFamily="66" charset="-78"/>
+              </a:rPr>
               <a:t>        if( a[ </a:t>
             </a:r>
             <a:r>
-              <a:rPr lang="en-US" sz="1600" dirty="0" err="1"/>
+              <a:rPr lang="en-US" sz="1600" dirty="0" err="1">
+                <a:latin typeface="Lucida Console" panose="020B0609040504020204" pitchFamily="49" charset="0"/>
+                <a:cs typeface="Arabic Typesetting" panose="020B0604020202020204" pitchFamily="66" charset="-78"/>
+              </a:rPr>
               <a:t>i</a:t>
             </a:r>
             <a:r>
-              <a:rPr lang="en-US" sz="1600" dirty="0"/>
+              <a:rPr lang="en-US" sz="1600" dirty="0">
+                <a:latin typeface="Lucida Console" panose="020B0609040504020204" pitchFamily="49" charset="0"/>
+                <a:cs typeface="Arabic Typesetting" panose="020B0604020202020204" pitchFamily="66" charset="-78"/>
+              </a:rPr>
               <a:t> ] == x )     </a:t>
             </a:r>
           </a:p>
           <a:p>
             <a:r>
-              <a:rPr lang="en-US" sz="1600" dirty="0"/>
+              <a:rPr lang="en-US" sz="1600" dirty="0">
+                <a:latin typeface="Lucida Console" panose="020B0609040504020204" pitchFamily="49" charset="0"/>
+                <a:cs typeface="Arabic Typesetting" panose="020B0604020202020204" pitchFamily="66" charset="-78"/>
+              </a:rPr>
               <a:t>            return </a:t>
             </a:r>
             <a:r>
-              <a:rPr lang="en-US" sz="1600" dirty="0" err="1"/>
+              <a:rPr lang="en-US" sz="1600" dirty="0" err="1">
+                <a:latin typeface="Lucida Console" panose="020B0609040504020204" pitchFamily="49" charset="0"/>
+                <a:cs typeface="Arabic Typesetting" panose="020B0604020202020204" pitchFamily="66" charset="-78"/>
+              </a:rPr>
               <a:t>i</a:t>
             </a:r>
             <a:r>
-              <a:rPr lang="en-US" sz="1600" dirty="0"/>
+              <a:rPr lang="en-US" sz="1600" dirty="0">
+                <a:latin typeface="Lucida Console" panose="020B0609040504020204" pitchFamily="49" charset="0"/>
+                <a:cs typeface="Arabic Typesetting" panose="020B0604020202020204" pitchFamily="66" charset="-78"/>
+              </a:rPr>
               <a:t>;</a:t>
             </a:r>
           </a:p>
           <a:p>
             <a:r>
-              <a:rPr lang="en-US" sz="1600" dirty="0"/>
+              <a:rPr lang="en-US" sz="1600" dirty="0">
+                <a:latin typeface="Lucida Console" panose="020B0609040504020204" pitchFamily="49" charset="0"/>
+                <a:cs typeface="Arabic Typesetting" panose="020B0604020202020204" pitchFamily="66" charset="-78"/>
+              </a:rPr>
               <a:t>    }</a:t>
             </a:r>
           </a:p>
           <a:p>
             <a:r>
-              <a:rPr lang="en-US" sz="1600" dirty="0"/>
+              <a:rPr lang="en-US" sz="1600" dirty="0">
+                <a:latin typeface="Lucida Console" panose="020B0609040504020204" pitchFamily="49" charset="0"/>
+                <a:cs typeface="Arabic Typesetting" panose="020B0604020202020204" pitchFamily="66" charset="-78"/>
+              </a:rPr>
               <a:t>    return -1</a:t>
             </a:r>
           </a:p>
           <a:p>
             <a:r>
-              <a:rPr lang="en-US" sz="1600" dirty="0"/>
+              <a:rPr lang="en-US" sz="1600" dirty="0">
+                <a:latin typeface="Lucida Console" panose="020B0609040504020204" pitchFamily="49" charset="0"/>
+                <a:cs typeface="Arabic Typesetting" panose="020B0604020202020204" pitchFamily="66" charset="-78"/>
+              </a:rPr>
               <a:t>}</a:t>
             </a:r>
           </a:p>
@@ -10635,8 +10728,8 @@
           </a:p>
         </p:txBody>
       </p:sp>
-      <mc:AlternateContent xmlns:mc="http://schemas.openxmlformats.org/markup-compatibility/2006">
-        <mc:Choice xmlns:a14="http://schemas.microsoft.com/office/drawing/2010/main" Requires="a14">
+      <mc:AlternateContent xmlns:mc="http://schemas.openxmlformats.org/markup-compatibility/2006" xmlns:a14="http://schemas.microsoft.com/office/drawing/2010/main">
+        <mc:Choice Requires="a14">
           <p:sp>
             <p:nvSpPr>
               <p:cNvPr id="4" name="Content Placeholder 3">
@@ -10770,7 +10863,7 @@
             </p:txBody>
           </p:sp>
         </mc:Choice>
-        <mc:Fallback>
+        <mc:Fallback xmlns="">
           <p:sp>
             <p:nvSpPr>
               <p:cNvPr id="4" name="Content Placeholder 3">
@@ -10829,7 +10922,7 @@
         <p:spPr>
           <a:xfrm>
             <a:off x="931243" y="1421180"/>
-            <a:ext cx="4391527" cy="2800767"/>
+            <a:ext cx="4901666" cy="3046988"/>
           </a:xfrm>
           <a:prstGeom prst="rect">
             <a:avLst/>
@@ -10856,132 +10949,196 @@
           <a:lstStyle/>
           <a:p>
             <a:r>
-              <a:rPr lang="en-US" sz="1600" dirty="0"/>
+              <a:rPr lang="en-US" sz="1600" dirty="0">
+                <a:latin typeface="Lucida Console" panose="020B0609040504020204" pitchFamily="49" charset="0"/>
+              </a:rPr>
               <a:t>template &lt;</a:t>
             </a:r>
             <a:r>
-              <a:rPr lang="en-US" sz="1600" dirty="0" err="1"/>
+              <a:rPr lang="en-US" sz="1600" dirty="0" err="1">
+                <a:latin typeface="Lucida Console" panose="020B0609040504020204" pitchFamily="49" charset="0"/>
+              </a:rPr>
               <a:t>typename</a:t>
             </a:r>
             <a:r>
-              <a:rPr lang="en-US" sz="1600" dirty="0"/>
+              <a:rPr lang="en-US" sz="1600" dirty="0">
+                <a:latin typeface="Lucida Console" panose="020B0609040504020204" pitchFamily="49" charset="0"/>
+              </a:rPr>
               <a:t> Comparable&gt;</a:t>
             </a:r>
           </a:p>
           <a:p>
             <a:r>
-              <a:rPr lang="en-US" sz="1600" dirty="0"/>
+              <a:rPr lang="en-US" sz="1600" dirty="0">
+                <a:latin typeface="Lucida Console" panose="020B0609040504020204" pitchFamily="49" charset="0"/>
+              </a:rPr>
               <a:t>int </a:t>
             </a:r>
             <a:r>
-              <a:rPr lang="en-US" sz="1600" dirty="0" err="1"/>
+              <a:rPr lang="en-US" sz="1600" dirty="0" err="1">
+                <a:latin typeface="Lucida Console" panose="020B0609040504020204" pitchFamily="49" charset="0"/>
+              </a:rPr>
               <a:t>linearSearch</a:t>
             </a:r>
             <a:r>
-              <a:rPr lang="en-US" sz="1600" dirty="0"/>
-              <a:t>( const vector&lt;Comparable&gt; &amp; a, </a:t>
+              <a:rPr lang="en-US" sz="1600" dirty="0">
+                <a:latin typeface="Lucida Console" panose="020B0609040504020204" pitchFamily="49" charset="0"/>
+              </a:rPr>
+              <a:t>( </a:t>
+            </a:r>
+          </a:p>
+          <a:p>
+            <a:r>
+              <a:rPr lang="en-US" sz="1600" dirty="0">
+                <a:latin typeface="Lucida Console" panose="020B0609040504020204" pitchFamily="49" charset="0"/>
+              </a:rPr>
+              <a:t>  const vector&lt;Comparable&gt; &amp; a, </a:t>
             </a:r>
             <a:br>
-              <a:rPr lang="en-US" sz="1600" dirty="0"/>
+              <a:rPr lang="en-US" sz="1600" dirty="0">
+                <a:latin typeface="Lucida Console" panose="020B0609040504020204" pitchFamily="49" charset="0"/>
+              </a:rPr>
             </a:br>
             <a:r>
-              <a:rPr lang="en-US" sz="1600" dirty="0"/>
-              <a:t>                                const Comparable &amp; x )</a:t>
-            </a:r>
-          </a:p>
-          <a:p>
-            <a:r>
-              <a:rPr lang="en-US" sz="1600" dirty="0"/>
+              <a:rPr lang="en-US" sz="1600" dirty="0">
+                <a:latin typeface="Lucida Console" panose="020B0609040504020204" pitchFamily="49" charset="0"/>
+              </a:rPr>
+              <a:t>  const Comparable &amp; x )</a:t>
+            </a:r>
+          </a:p>
+          <a:p>
+            <a:r>
+              <a:rPr lang="en-US" sz="1600" dirty="0">
+                <a:latin typeface="Lucida Console" panose="020B0609040504020204" pitchFamily="49" charset="0"/>
+              </a:rPr>
               <a:t>{</a:t>
             </a:r>
           </a:p>
           <a:p>
             <a:r>
-              <a:rPr lang="en-US" sz="1600" dirty="0"/>
+              <a:rPr lang="en-US" sz="1600" dirty="0">
+                <a:latin typeface="Lucida Console" panose="020B0609040504020204" pitchFamily="49" charset="0"/>
+              </a:rPr>
               <a:t>    for(int </a:t>
             </a:r>
             <a:r>
-              <a:rPr lang="en-US" sz="1600" dirty="0" err="1"/>
+              <a:rPr lang="en-US" sz="1600" dirty="0" err="1">
+                <a:latin typeface="Lucida Console" panose="020B0609040504020204" pitchFamily="49" charset="0"/>
+              </a:rPr>
               <a:t>i</a:t>
             </a:r>
             <a:r>
-              <a:rPr lang="en-US" sz="1600" dirty="0"/>
+              <a:rPr lang="en-US" sz="1600" dirty="0">
+                <a:latin typeface="Lucida Console" panose="020B0609040504020204" pitchFamily="49" charset="0"/>
+              </a:rPr>
               <a:t> = 0; </a:t>
             </a:r>
             <a:r>
-              <a:rPr lang="en-US" sz="1600" dirty="0" err="1"/>
+              <a:rPr lang="en-US" sz="1600" dirty="0" err="1">
+                <a:latin typeface="Lucida Console" panose="020B0609040504020204" pitchFamily="49" charset="0"/>
+              </a:rPr>
               <a:t>i</a:t>
             </a:r>
             <a:r>
-              <a:rPr lang="en-US" sz="1600" dirty="0"/>
+              <a:rPr lang="en-US" sz="1600" dirty="0">
+                <a:latin typeface="Lucida Console" panose="020B0609040504020204" pitchFamily="49" charset="0"/>
+              </a:rPr>
               <a:t> &lt; </a:t>
             </a:r>
             <a:r>
-              <a:rPr lang="en-US" sz="1600" dirty="0" err="1"/>
+              <a:rPr lang="en-US" sz="1600" dirty="0" err="1">
+                <a:latin typeface="Lucida Console" panose="020B0609040504020204" pitchFamily="49" charset="0"/>
+              </a:rPr>
               <a:t>a.size</a:t>
             </a:r>
             <a:r>
-              <a:rPr lang="en-US" sz="1600" dirty="0"/>
+              <a:rPr lang="en-US" sz="1600" dirty="0">
+                <a:latin typeface="Lucida Console" panose="020B0609040504020204" pitchFamily="49" charset="0"/>
+              </a:rPr>
               <a:t>(); ++</a:t>
             </a:r>
             <a:r>
-              <a:rPr lang="en-US" sz="1600" dirty="0" err="1"/>
+              <a:rPr lang="en-US" sz="1600" dirty="0" err="1">
+                <a:latin typeface="Lucida Console" panose="020B0609040504020204" pitchFamily="49" charset="0"/>
+              </a:rPr>
               <a:t>i</a:t>
             </a:r>
             <a:r>
-              <a:rPr lang="en-US" sz="1600" dirty="0"/>
+              <a:rPr lang="en-US" sz="1600" dirty="0">
+                <a:latin typeface="Lucida Console" panose="020B0609040504020204" pitchFamily="49" charset="0"/>
+              </a:rPr>
               <a:t>)</a:t>
             </a:r>
           </a:p>
           <a:p>
             <a:r>
-              <a:rPr lang="en-US" sz="1600" dirty="0"/>
+              <a:rPr lang="en-US" sz="1600" dirty="0">
+                <a:latin typeface="Lucida Console" panose="020B0609040504020204" pitchFamily="49" charset="0"/>
+              </a:rPr>
               <a:t>    {</a:t>
             </a:r>
           </a:p>
           <a:p>
             <a:r>
-              <a:rPr lang="en-US" sz="1600" dirty="0"/>
+              <a:rPr lang="en-US" sz="1600" dirty="0">
+                <a:latin typeface="Lucida Console" panose="020B0609040504020204" pitchFamily="49" charset="0"/>
+              </a:rPr>
               <a:t>        if( a[ </a:t>
             </a:r>
             <a:r>
-              <a:rPr lang="en-US" sz="1600" dirty="0" err="1"/>
+              <a:rPr lang="en-US" sz="1600" dirty="0" err="1">
+                <a:latin typeface="Lucida Console" panose="020B0609040504020204" pitchFamily="49" charset="0"/>
+              </a:rPr>
               <a:t>i</a:t>
             </a:r>
             <a:r>
-              <a:rPr lang="en-US" sz="1600" dirty="0"/>
+              <a:rPr lang="en-US" sz="1600" dirty="0">
+                <a:latin typeface="Lucida Console" panose="020B0609040504020204" pitchFamily="49" charset="0"/>
+              </a:rPr>
               <a:t> ] == x )     </a:t>
             </a:r>
           </a:p>
           <a:p>
             <a:r>
-              <a:rPr lang="en-US" sz="1600" dirty="0"/>
+              <a:rPr lang="en-US" sz="1600" dirty="0">
+                <a:latin typeface="Lucida Console" panose="020B0609040504020204" pitchFamily="49" charset="0"/>
+              </a:rPr>
               <a:t>            return </a:t>
             </a:r>
             <a:r>
-              <a:rPr lang="en-US" sz="1600" dirty="0" err="1"/>
+              <a:rPr lang="en-US" sz="1600" dirty="0" err="1">
+                <a:latin typeface="Lucida Console" panose="020B0609040504020204" pitchFamily="49" charset="0"/>
+              </a:rPr>
               <a:t>i</a:t>
             </a:r>
             <a:r>
-              <a:rPr lang="en-US" sz="1600" dirty="0"/>
+              <a:rPr lang="en-US" sz="1600" dirty="0">
+                <a:latin typeface="Lucida Console" panose="020B0609040504020204" pitchFamily="49" charset="0"/>
+              </a:rPr>
               <a:t>;</a:t>
             </a:r>
           </a:p>
           <a:p>
             <a:r>
-              <a:rPr lang="en-US" sz="1600" dirty="0"/>
+              <a:rPr lang="en-US" sz="1600" dirty="0">
+                <a:latin typeface="Lucida Console" panose="020B0609040504020204" pitchFamily="49" charset="0"/>
+              </a:rPr>
               <a:t>    }</a:t>
             </a:r>
           </a:p>
           <a:p>
             <a:r>
-              <a:rPr lang="en-US" sz="1600" dirty="0"/>
+              <a:rPr lang="en-US" sz="1600" dirty="0">
+                <a:latin typeface="Lucida Console" panose="020B0609040504020204" pitchFamily="49" charset="0"/>
+              </a:rPr>
               <a:t>    return -1</a:t>
             </a:r>
           </a:p>
           <a:p>
             <a:r>
-              <a:rPr lang="en-US" sz="1600" dirty="0"/>
+              <a:rPr lang="en-US" sz="1600" dirty="0">
+                <a:latin typeface="Lucida Console" panose="020B0609040504020204" pitchFamily="49" charset="0"/>
+              </a:rPr>
               <a:t>}</a:t>
             </a:r>
           </a:p>
@@ -11111,7 +11268,7 @@
         <p:spPr>
           <a:xfrm>
             <a:off x="931243" y="1421180"/>
-            <a:ext cx="4391527" cy="4924425"/>
+            <a:ext cx="5054871" cy="5016758"/>
           </a:xfrm>
           <a:prstGeom prst="rect">
             <a:avLst/>
@@ -11138,134 +11295,194 @@
           <a:lstStyle/>
           <a:p>
             <a:r>
-              <a:rPr lang="en-US" sz="1600" dirty="0"/>
+              <a:rPr lang="en-US" sz="1600" dirty="0">
+                <a:latin typeface="Lucida Console" panose="020B0609040504020204" pitchFamily="49" charset="0"/>
+              </a:rPr>
               <a:t>template &lt;</a:t>
             </a:r>
             <a:r>
-              <a:rPr lang="en-US" sz="1600" dirty="0" err="1"/>
+              <a:rPr lang="en-US" sz="1600" dirty="0" err="1">
+                <a:latin typeface="Lucida Console" panose="020B0609040504020204" pitchFamily="49" charset="0"/>
+              </a:rPr>
               <a:t>typename</a:t>
             </a:r>
             <a:r>
-              <a:rPr lang="en-US" sz="1600" dirty="0"/>
+              <a:rPr lang="en-US" sz="1600" dirty="0">
+                <a:latin typeface="Lucida Console" panose="020B0609040504020204" pitchFamily="49" charset="0"/>
+              </a:rPr>
               <a:t> Comparable&gt;</a:t>
             </a:r>
           </a:p>
           <a:p>
             <a:r>
-              <a:rPr lang="en-US" sz="1600" dirty="0"/>
+              <a:rPr lang="en-US" sz="1600" dirty="0">
+                <a:latin typeface="Lucida Console" panose="020B0609040504020204" pitchFamily="49" charset="0"/>
+              </a:rPr>
               <a:t>int </a:t>
             </a:r>
             <a:r>
-              <a:rPr lang="en-US" sz="1600" dirty="0" err="1"/>
+              <a:rPr lang="en-US" sz="1600" dirty="0" err="1">
+                <a:latin typeface="Lucida Console" panose="020B0609040504020204" pitchFamily="49" charset="0"/>
+              </a:rPr>
               <a:t>binarySearch</a:t>
             </a:r>
             <a:r>
-              <a:rPr lang="en-US" sz="1600" dirty="0"/>
-              <a:t>( const vector&lt;Comparable&gt; &amp; a, </a:t>
+              <a:rPr lang="en-US" sz="1600" dirty="0">
+                <a:latin typeface="Lucida Console" panose="020B0609040504020204" pitchFamily="49" charset="0"/>
+              </a:rPr>
+              <a:t>( </a:t>
+            </a:r>
+          </a:p>
+          <a:p>
+            <a:r>
+              <a:rPr lang="en-US" sz="1600" dirty="0">
+                <a:latin typeface="Lucida Console" panose="020B0609040504020204" pitchFamily="49" charset="0"/>
+              </a:rPr>
+              <a:t>  const vector&lt;Comparable&gt; &amp; a, </a:t>
             </a:r>
             <a:br>
-              <a:rPr lang="en-US" sz="1600" dirty="0"/>
+              <a:rPr lang="en-US" sz="1600" dirty="0">
+                <a:latin typeface="Lucida Console" panose="020B0609040504020204" pitchFamily="49" charset="0"/>
+              </a:rPr>
             </a:br>
             <a:r>
-              <a:rPr lang="en-US" sz="1600" dirty="0"/>
-              <a:t>                                const Comparable &amp; x )</a:t>
-            </a:r>
-          </a:p>
-          <a:p>
-            <a:r>
-              <a:rPr lang="en-US" sz="1600" dirty="0"/>
+              <a:rPr lang="en-US" sz="1600" dirty="0">
+                <a:latin typeface="Lucida Console" panose="020B0609040504020204" pitchFamily="49" charset="0"/>
+              </a:rPr>
+              <a:t>  const Comparable &amp; x )</a:t>
+            </a:r>
+          </a:p>
+          <a:p>
+            <a:r>
+              <a:rPr lang="en-US" sz="1600" dirty="0">
+                <a:latin typeface="Lucida Console" panose="020B0609040504020204" pitchFamily="49" charset="0"/>
+              </a:rPr>
               <a:t>{</a:t>
             </a:r>
           </a:p>
           <a:p>
             <a:r>
-              <a:rPr lang="en-US" sz="1600" dirty="0"/>
+              <a:rPr lang="en-US" sz="1600" dirty="0">
+                <a:latin typeface="Lucida Console" panose="020B0609040504020204" pitchFamily="49" charset="0"/>
+              </a:rPr>
               <a:t>    int low = 0, high = </a:t>
             </a:r>
             <a:r>
-              <a:rPr lang="en-US" sz="1600" dirty="0" err="1"/>
+              <a:rPr lang="en-US" sz="1600" dirty="0" err="1">
+                <a:latin typeface="Lucida Console" panose="020B0609040504020204" pitchFamily="49" charset="0"/>
+              </a:rPr>
               <a:t>a.size</a:t>
             </a:r>
             <a:r>
-              <a:rPr lang="en-US" sz="1600" dirty="0"/>
+              <a:rPr lang="en-US" sz="1600" dirty="0">
+                <a:latin typeface="Lucida Console" panose="020B0609040504020204" pitchFamily="49" charset="0"/>
+              </a:rPr>
               <a:t>( ) - 1;</a:t>
             </a:r>
           </a:p>
           <a:p>
-            <a:endParaRPr lang="en-US" sz="1600" dirty="0"/>
-          </a:p>
-          <a:p>
-            <a:r>
-              <a:rPr lang="en-US" sz="1600" dirty="0"/>
+            <a:endParaRPr lang="en-US" sz="1600" dirty="0">
+              <a:latin typeface="Lucida Console" panose="020B0609040504020204" pitchFamily="49" charset="0"/>
+            </a:endParaRPr>
+          </a:p>
+          <a:p>
+            <a:r>
+              <a:rPr lang="en-US" sz="1600" dirty="0">
+                <a:latin typeface="Lucida Console" panose="020B0609040504020204" pitchFamily="49" charset="0"/>
+              </a:rPr>
               <a:t>    while( low &lt;= high )</a:t>
             </a:r>
           </a:p>
           <a:p>
             <a:r>
-              <a:rPr lang="en-US" sz="1600" dirty="0"/>
+              <a:rPr lang="en-US" sz="1600" dirty="0">
+                <a:latin typeface="Lucida Console" panose="020B0609040504020204" pitchFamily="49" charset="0"/>
+              </a:rPr>
               <a:t>    {</a:t>
             </a:r>
           </a:p>
           <a:p>
             <a:r>
-              <a:rPr lang="en-US" sz="1600" dirty="0"/>
+              <a:rPr lang="en-US" sz="1600" dirty="0">
+                <a:latin typeface="Lucida Console" panose="020B0609040504020204" pitchFamily="49" charset="0"/>
+              </a:rPr>
               <a:t>        int mid = ( low + high ) / 2;</a:t>
             </a:r>
           </a:p>
           <a:p>
-            <a:endParaRPr lang="en-US" sz="1600" dirty="0"/>
-          </a:p>
-          <a:p>
-            <a:r>
-              <a:rPr lang="en-US" sz="1600" dirty="0"/>
+            <a:endParaRPr lang="en-US" sz="1600" dirty="0">
+              <a:latin typeface="Lucida Console" panose="020B0609040504020204" pitchFamily="49" charset="0"/>
+            </a:endParaRPr>
+          </a:p>
+          <a:p>
+            <a:r>
+              <a:rPr lang="en-US" sz="1600" dirty="0">
+                <a:latin typeface="Lucida Console" panose="020B0609040504020204" pitchFamily="49" charset="0"/>
+              </a:rPr>
               <a:t>        if( a[ mid ] &lt; x )</a:t>
             </a:r>
           </a:p>
           <a:p>
             <a:r>
-              <a:rPr lang="en-US" sz="1600" dirty="0"/>
+              <a:rPr lang="en-US" sz="1600" dirty="0">
+                <a:latin typeface="Lucida Console" panose="020B0609040504020204" pitchFamily="49" charset="0"/>
+              </a:rPr>
               <a:t>            low = mid + 1;</a:t>
             </a:r>
           </a:p>
           <a:p>
             <a:r>
-              <a:rPr lang="en-US" sz="1600" dirty="0"/>
+              <a:rPr lang="en-US" sz="1600" dirty="0">
+                <a:latin typeface="Lucida Console" panose="020B0609040504020204" pitchFamily="49" charset="0"/>
+              </a:rPr>
               <a:t>        else if( a[ mid ] &gt; x )</a:t>
             </a:r>
           </a:p>
           <a:p>
             <a:r>
-              <a:rPr lang="en-US" sz="1600" dirty="0"/>
+              <a:rPr lang="en-US" sz="1600" dirty="0">
+                <a:latin typeface="Lucida Console" panose="020B0609040504020204" pitchFamily="49" charset="0"/>
+              </a:rPr>
               <a:t>            high = mid - 1;</a:t>
             </a:r>
           </a:p>
           <a:p>
             <a:r>
-              <a:rPr lang="en-US" sz="1600" dirty="0"/>
+              <a:rPr lang="en-US" sz="1600" dirty="0">
+                <a:latin typeface="Lucida Console" panose="020B0609040504020204" pitchFamily="49" charset="0"/>
+              </a:rPr>
               <a:t>        else</a:t>
             </a:r>
           </a:p>
           <a:p>
             <a:r>
-              <a:rPr lang="en-US" sz="1600" dirty="0"/>
+              <a:rPr lang="en-US" sz="1600" dirty="0">
+                <a:latin typeface="Lucida Console" panose="020B0609040504020204" pitchFamily="49" charset="0"/>
+              </a:rPr>
               <a:t>            return mid;   // Found</a:t>
             </a:r>
           </a:p>
           <a:p>
             <a:r>
-              <a:rPr lang="en-US" sz="1600" dirty="0"/>
+              <a:rPr lang="en-US" sz="1600" dirty="0">
+                <a:latin typeface="Lucida Console" panose="020B0609040504020204" pitchFamily="49" charset="0"/>
+              </a:rPr>
               <a:t>    }</a:t>
             </a:r>
           </a:p>
           <a:p>
             <a:r>
-              <a:rPr lang="en-US" sz="1600" dirty="0"/>
+              <a:rPr lang="en-US" sz="1600" dirty="0">
+                <a:latin typeface="Lucida Console" panose="020B0609040504020204" pitchFamily="49" charset="0"/>
+              </a:rPr>
               <a:t>    return -1</a:t>
             </a:r>
           </a:p>
           <a:p>
             <a:r>
-              <a:rPr lang="en-US" sz="1600" dirty="0"/>
+              <a:rPr lang="en-US" sz="1600" dirty="0">
+                <a:latin typeface="Lucida Console" panose="020B0609040504020204" pitchFamily="49" charset="0"/>
+              </a:rPr>
               <a:t>}</a:t>
             </a:r>
           </a:p>
@@ -11329,8 +11546,8 @@
           </a:p>
         </p:txBody>
       </p:sp>
-      <mc:AlternateContent xmlns:mc="http://schemas.openxmlformats.org/markup-compatibility/2006">
-        <mc:Choice xmlns:a14="http://schemas.microsoft.com/office/drawing/2010/main" Requires="a14">
+      <mc:AlternateContent xmlns:mc="http://schemas.openxmlformats.org/markup-compatibility/2006" xmlns:a14="http://schemas.microsoft.com/office/drawing/2010/main">
+        <mc:Choice Requires="a14">
           <p:sp>
             <p:nvSpPr>
               <p:cNvPr id="4" name="Content Placeholder 3">
@@ -11886,7 +12103,7 @@
             </p:txBody>
           </p:sp>
         </mc:Choice>
-        <mc:Fallback>
+        <mc:Fallback xmlns="">
           <p:sp>
             <p:nvSpPr>
               <p:cNvPr id="4" name="Content Placeholder 3">
@@ -13419,7 +13636,7 @@
               <a:buNone/>
             </a:pPr>
             <a:r>
-              <a:rPr lang="en-US" sz="4000"/>
+              <a:rPr lang="en-US" sz="4000" dirty="0"/>
               <a:t>What is an Algorithm?</a:t>
             </a:r>
           </a:p>
@@ -17076,8 +17293,8 @@
         </p:nvSpPr>
         <p:spPr>
           <a:xfrm>
-            <a:off x="976363" y="1386473"/>
-            <a:ext cx="3903646" cy="3785652"/>
+            <a:off x="976362" y="1386473"/>
+            <a:ext cx="4606291" cy="2677656"/>
           </a:xfrm>
           <a:prstGeom prst="rect">
             <a:avLst/>
@@ -17107,18 +17324,21 @@
               <a:buNone/>
             </a:pPr>
             <a:r>
-              <a:rPr lang="en-US" sz="2000" dirty="0">
+              <a:rPr lang="en-US" sz="1400" dirty="0">
+                <a:latin typeface="Lucida Console" panose="020B0609040504020204" pitchFamily="49" charset="0"/>
                 <a:cs typeface="Courier New" panose="02070309020205020404" pitchFamily="49" charset="0"/>
               </a:rPr>
               <a:t>// n is the length of the </a:t>
             </a:r>
             <a:r>
-              <a:rPr lang="en-US" sz="2000" dirty="0" err="1">
+              <a:rPr lang="en-US" sz="1400" dirty="0" err="1">
+                <a:latin typeface="Lucida Console" panose="020B0609040504020204" pitchFamily="49" charset="0"/>
                 <a:cs typeface="Courier New" panose="02070309020205020404" pitchFamily="49" charset="0"/>
               </a:rPr>
               <a:t>arr</a:t>
             </a:r>
-            <a:endParaRPr lang="en-US" sz="2000" dirty="0">
+            <a:endParaRPr lang="en-US" sz="1400" dirty="0">
+              <a:latin typeface="Lucida Console" panose="020B0609040504020204" pitchFamily="49" charset="0"/>
               <a:cs typeface="Courier New" panose="02070309020205020404" pitchFamily="49" charset="0"/>
             </a:endParaRPr>
           </a:p>
@@ -17127,31 +17347,36 @@
               <a:buNone/>
             </a:pPr>
             <a:r>
-              <a:rPr lang="en-US" sz="2000" dirty="0">
+              <a:rPr lang="en-US" sz="1400" dirty="0">
+                <a:latin typeface="Lucida Console" panose="020B0609040504020204" pitchFamily="49" charset="0"/>
                 <a:cs typeface="Courier New" panose="02070309020205020404" pitchFamily="49" charset="0"/>
               </a:rPr>
               <a:t>void </a:t>
             </a:r>
             <a:r>
-              <a:rPr lang="en-US" sz="2000" dirty="0" err="1">
+              <a:rPr lang="en-US" sz="1400" dirty="0" err="1">
+                <a:latin typeface="Lucida Console" panose="020B0609040504020204" pitchFamily="49" charset="0"/>
                 <a:cs typeface="Courier New" panose="02070309020205020404" pitchFamily="49" charset="0"/>
               </a:rPr>
               <a:t>bubbleSort</a:t>
             </a:r>
             <a:r>
-              <a:rPr lang="en-US" sz="2000" dirty="0">
+              <a:rPr lang="en-US" sz="1400" dirty="0">
+                <a:latin typeface="Lucida Console" panose="020B0609040504020204" pitchFamily="49" charset="0"/>
                 <a:cs typeface="Courier New" panose="02070309020205020404" pitchFamily="49" charset="0"/>
               </a:rPr>
               <a:t>(int </a:t>
             </a:r>
             <a:r>
-              <a:rPr lang="en-US" sz="2000" dirty="0" err="1">
+              <a:rPr lang="en-US" sz="1400" dirty="0" err="1">
+                <a:latin typeface="Lucida Console" panose="020B0609040504020204" pitchFamily="49" charset="0"/>
                 <a:cs typeface="Courier New" panose="02070309020205020404" pitchFamily="49" charset="0"/>
               </a:rPr>
               <a:t>arr</a:t>
             </a:r>
             <a:r>
-              <a:rPr lang="en-US" sz="2000" dirty="0">
+              <a:rPr lang="en-US" sz="1400" dirty="0">
+                <a:latin typeface="Lucida Console" panose="020B0609040504020204" pitchFamily="49" charset="0"/>
                 <a:cs typeface="Courier New" panose="02070309020205020404" pitchFamily="49" charset="0"/>
               </a:rPr>
               <a:t>[], int n)</a:t>
@@ -17162,7 +17387,8 @@
               <a:buNone/>
             </a:pPr>
             <a:r>
-              <a:rPr lang="en-US" sz="2000" dirty="0">
+              <a:rPr lang="en-US" sz="1400" dirty="0">
+                <a:latin typeface="Lucida Console" panose="020B0609040504020204" pitchFamily="49" charset="0"/>
                 <a:cs typeface="Courier New" panose="02070309020205020404" pitchFamily="49" charset="0"/>
               </a:rPr>
               <a:t>{</a:t>
@@ -17173,19 +17399,22 @@
               <a:buNone/>
             </a:pPr>
             <a:r>
-              <a:rPr lang="en-US" sz="2000" dirty="0">
+              <a:rPr lang="en-US" sz="1400" dirty="0">
+                <a:latin typeface="Lucida Console" panose="020B0609040504020204" pitchFamily="49" charset="0"/>
                 <a:cs typeface="Courier New" panose="02070309020205020404" pitchFamily="49" charset="0"/>
               </a:rPr>
               <a:t>    int </a:t>
             </a:r>
             <a:r>
-              <a:rPr lang="en-US" sz="2000" dirty="0" err="1">
+              <a:rPr lang="en-US" sz="1400" dirty="0" err="1">
+                <a:latin typeface="Lucida Console" panose="020B0609040504020204" pitchFamily="49" charset="0"/>
                 <a:cs typeface="Courier New" panose="02070309020205020404" pitchFamily="49" charset="0"/>
               </a:rPr>
               <a:t>i</a:t>
             </a:r>
             <a:r>
-              <a:rPr lang="en-US" sz="2000" dirty="0">
+              <a:rPr lang="en-US" sz="1400" dirty="0">
+                <a:latin typeface="Lucida Console" panose="020B0609040504020204" pitchFamily="49" charset="0"/>
                 <a:cs typeface="Courier New" panose="02070309020205020404" pitchFamily="49" charset="0"/>
               </a:rPr>
               <a:t>, j;</a:t>
@@ -17196,43 +17425,50 @@
               <a:buNone/>
             </a:pPr>
             <a:r>
-              <a:rPr lang="en-US" sz="2000" dirty="0">
+              <a:rPr lang="en-US" sz="1400" dirty="0">
+                <a:latin typeface="Lucida Console" panose="020B0609040504020204" pitchFamily="49" charset="0"/>
                 <a:cs typeface="Courier New" panose="02070309020205020404" pitchFamily="49" charset="0"/>
               </a:rPr>
               <a:t>    for (</a:t>
             </a:r>
             <a:r>
-              <a:rPr lang="en-US" sz="2000" dirty="0" err="1">
+              <a:rPr lang="en-US" sz="1400" dirty="0" err="1">
+                <a:latin typeface="Lucida Console" panose="020B0609040504020204" pitchFamily="49" charset="0"/>
                 <a:cs typeface="Courier New" panose="02070309020205020404" pitchFamily="49" charset="0"/>
               </a:rPr>
               <a:t>i</a:t>
             </a:r>
             <a:r>
-              <a:rPr lang="en-US" sz="2000" dirty="0">
+              <a:rPr lang="en-US" sz="1400" dirty="0">
+                <a:latin typeface="Lucida Console" panose="020B0609040504020204" pitchFamily="49" charset="0"/>
                 <a:cs typeface="Courier New" panose="02070309020205020404" pitchFamily="49" charset="0"/>
               </a:rPr>
               <a:t> = 0; </a:t>
             </a:r>
             <a:r>
-              <a:rPr lang="en-US" sz="2000" dirty="0" err="1">
+              <a:rPr lang="en-US" sz="1400" dirty="0" err="1">
+                <a:latin typeface="Lucida Console" panose="020B0609040504020204" pitchFamily="49" charset="0"/>
                 <a:cs typeface="Courier New" panose="02070309020205020404" pitchFamily="49" charset="0"/>
               </a:rPr>
               <a:t>i</a:t>
             </a:r>
             <a:r>
-              <a:rPr lang="en-US" sz="2000" dirty="0">
+              <a:rPr lang="en-US" sz="1400" dirty="0">
+                <a:latin typeface="Lucida Console" panose="020B0609040504020204" pitchFamily="49" charset="0"/>
                 <a:cs typeface="Courier New" panose="02070309020205020404" pitchFamily="49" charset="0"/>
               </a:rPr>
               <a:t> &lt; n - 1; ++</a:t>
             </a:r>
             <a:r>
-              <a:rPr lang="en-US" sz="2000" dirty="0" err="1">
+              <a:rPr lang="en-US" sz="1400" dirty="0" err="1">
+                <a:latin typeface="Lucida Console" panose="020B0609040504020204" pitchFamily="49" charset="0"/>
                 <a:cs typeface="Courier New" panose="02070309020205020404" pitchFamily="49" charset="0"/>
               </a:rPr>
               <a:t>i</a:t>
             </a:r>
             <a:r>
-              <a:rPr lang="en-US" sz="2000" dirty="0">
+              <a:rPr lang="en-US" sz="1400" dirty="0">
+                <a:latin typeface="Lucida Console" panose="020B0609040504020204" pitchFamily="49" charset="0"/>
                 <a:cs typeface="Courier New" panose="02070309020205020404" pitchFamily="49" charset="0"/>
               </a:rPr>
               <a:t>)</a:t>
@@ -17243,7 +17479,8 @@
               <a:buNone/>
             </a:pPr>
             <a:r>
-              <a:rPr lang="en-US" sz="2000" dirty="0">
+              <a:rPr lang="en-US" sz="1400" dirty="0">
+                <a:latin typeface="Lucida Console" panose="020B0609040504020204" pitchFamily="49" charset="0"/>
                 <a:cs typeface="Courier New" panose="02070309020205020404" pitchFamily="49" charset="0"/>
               </a:rPr>
               <a:t>  </a:t>
@@ -17254,19 +17491,22 @@
               <a:buNone/>
             </a:pPr>
             <a:r>
-              <a:rPr lang="en-US" sz="2000" dirty="0">
+              <a:rPr lang="en-US" sz="1400" dirty="0">
+                <a:latin typeface="Lucida Console" panose="020B0609040504020204" pitchFamily="49" charset="0"/>
                 <a:cs typeface="Courier New" panose="02070309020205020404" pitchFamily="49" charset="0"/>
               </a:rPr>
               <a:t>        // Last </a:t>
             </a:r>
             <a:r>
-              <a:rPr lang="en-US" sz="2000" dirty="0" err="1">
+              <a:rPr lang="en-US" sz="1400" dirty="0" err="1">
+                <a:latin typeface="Lucida Console" panose="020B0609040504020204" pitchFamily="49" charset="0"/>
                 <a:cs typeface="Courier New" panose="02070309020205020404" pitchFamily="49" charset="0"/>
               </a:rPr>
               <a:t>i</a:t>
             </a:r>
             <a:r>
-              <a:rPr lang="en-US" sz="2000" dirty="0">
+              <a:rPr lang="en-US" sz="1400" dirty="0">
+                <a:latin typeface="Lucida Console" panose="020B0609040504020204" pitchFamily="49" charset="0"/>
                 <a:cs typeface="Courier New" panose="02070309020205020404" pitchFamily="49" charset="0"/>
               </a:rPr>
               <a:t> elements are already </a:t>
@@ -17277,7 +17517,8 @@
               <a:buNone/>
             </a:pPr>
             <a:r>
-              <a:rPr lang="en-US" sz="2000" dirty="0">
+              <a:rPr lang="en-US" sz="1400" dirty="0">
+                <a:latin typeface="Lucida Console" panose="020B0609040504020204" pitchFamily="49" charset="0"/>
                 <a:cs typeface="Courier New" panose="02070309020205020404" pitchFamily="49" charset="0"/>
               </a:rPr>
               <a:t>        // in place</a:t>
@@ -17288,19 +17529,22 @@
               <a:buNone/>
             </a:pPr>
             <a:r>
-              <a:rPr lang="en-US" sz="2000" dirty="0">
+              <a:rPr lang="en-US" sz="1400" dirty="0">
+                <a:latin typeface="Lucida Console" panose="020B0609040504020204" pitchFamily="49" charset="0"/>
                 <a:cs typeface="Courier New" panose="02070309020205020404" pitchFamily="49" charset="0"/>
               </a:rPr>
               <a:t>        for (j = 0; j &lt; n - </a:t>
             </a:r>
             <a:r>
-              <a:rPr lang="en-US" sz="2000" dirty="0" err="1">
+              <a:rPr lang="en-US" sz="1400" dirty="0" err="1">
+                <a:latin typeface="Lucida Console" panose="020B0609040504020204" pitchFamily="49" charset="0"/>
                 <a:cs typeface="Courier New" panose="02070309020205020404" pitchFamily="49" charset="0"/>
               </a:rPr>
               <a:t>i</a:t>
             </a:r>
             <a:r>
-              <a:rPr lang="en-US" sz="2000" dirty="0">
+              <a:rPr lang="en-US" sz="1400" dirty="0">
+                <a:latin typeface="Lucida Console" panose="020B0609040504020204" pitchFamily="49" charset="0"/>
                 <a:cs typeface="Courier New" panose="02070309020205020404" pitchFamily="49" charset="0"/>
               </a:rPr>
               <a:t> - 1; ++j)</a:t>
@@ -17311,31 +17555,36 @@
               <a:buNone/>
             </a:pPr>
             <a:r>
-              <a:rPr lang="en-US" sz="2000" dirty="0">
+              <a:rPr lang="en-US" sz="1400" dirty="0">
+                <a:latin typeface="Lucida Console" panose="020B0609040504020204" pitchFamily="49" charset="0"/>
                 <a:cs typeface="Courier New" panose="02070309020205020404" pitchFamily="49" charset="0"/>
               </a:rPr>
               <a:t>            if (</a:t>
             </a:r>
             <a:r>
-              <a:rPr lang="en-US" sz="2000" dirty="0" err="1">
+              <a:rPr lang="en-US" sz="1400" dirty="0" err="1">
+                <a:latin typeface="Lucida Console" panose="020B0609040504020204" pitchFamily="49" charset="0"/>
                 <a:cs typeface="Courier New" panose="02070309020205020404" pitchFamily="49" charset="0"/>
               </a:rPr>
               <a:t>arr</a:t>
             </a:r>
             <a:r>
-              <a:rPr lang="en-US" sz="2000" dirty="0">
+              <a:rPr lang="en-US" sz="1400" dirty="0">
+                <a:latin typeface="Lucida Console" panose="020B0609040504020204" pitchFamily="49" charset="0"/>
                 <a:cs typeface="Courier New" panose="02070309020205020404" pitchFamily="49" charset="0"/>
               </a:rPr>
               <a:t>[j] &gt; </a:t>
             </a:r>
             <a:r>
-              <a:rPr lang="en-US" sz="2000" dirty="0" err="1">
+              <a:rPr lang="en-US" sz="1400" dirty="0" err="1">
+                <a:latin typeface="Lucida Console" panose="020B0609040504020204" pitchFamily="49" charset="0"/>
                 <a:cs typeface="Courier New" panose="02070309020205020404" pitchFamily="49" charset="0"/>
               </a:rPr>
               <a:t>arr</a:t>
             </a:r>
             <a:r>
-              <a:rPr lang="en-US" sz="2000" dirty="0">
+              <a:rPr lang="en-US" sz="1400" dirty="0">
+                <a:latin typeface="Lucida Console" panose="020B0609040504020204" pitchFamily="49" charset="0"/>
                 <a:cs typeface="Courier New" panose="02070309020205020404" pitchFamily="49" charset="0"/>
               </a:rPr>
               <a:t>[j + 1])</a:t>
@@ -17346,31 +17595,36 @@
               <a:buNone/>
             </a:pPr>
             <a:r>
-              <a:rPr lang="en-US" sz="2000" dirty="0">
+              <a:rPr lang="en-US" sz="1400" dirty="0">
+                <a:latin typeface="Lucida Console" panose="020B0609040504020204" pitchFamily="49" charset="0"/>
                 <a:cs typeface="Courier New" panose="02070309020205020404" pitchFamily="49" charset="0"/>
               </a:rPr>
               <a:t>                swap(</a:t>
             </a:r>
             <a:r>
-              <a:rPr lang="en-US" sz="2000" dirty="0" err="1">
+              <a:rPr lang="en-US" sz="1400" dirty="0" err="1">
+                <a:latin typeface="Lucida Console" panose="020B0609040504020204" pitchFamily="49" charset="0"/>
                 <a:cs typeface="Courier New" panose="02070309020205020404" pitchFamily="49" charset="0"/>
               </a:rPr>
               <a:t>arr</a:t>
             </a:r>
             <a:r>
-              <a:rPr lang="en-US" sz="2000" dirty="0">
+              <a:rPr lang="en-US" sz="1400" dirty="0">
+                <a:latin typeface="Lucida Console" panose="020B0609040504020204" pitchFamily="49" charset="0"/>
                 <a:cs typeface="Courier New" panose="02070309020205020404" pitchFamily="49" charset="0"/>
               </a:rPr>
               <a:t>[j], </a:t>
             </a:r>
             <a:r>
-              <a:rPr lang="en-US" sz="2000" dirty="0" err="1">
+              <a:rPr lang="en-US" sz="1400" dirty="0" err="1">
+                <a:latin typeface="Lucida Console" panose="020B0609040504020204" pitchFamily="49" charset="0"/>
                 <a:cs typeface="Courier New" panose="02070309020205020404" pitchFamily="49" charset="0"/>
               </a:rPr>
               <a:t>arr</a:t>
             </a:r>
             <a:r>
-              <a:rPr lang="en-US" sz="2000" dirty="0">
+              <a:rPr lang="en-US" sz="1400" dirty="0">
+                <a:latin typeface="Lucida Console" panose="020B0609040504020204" pitchFamily="49" charset="0"/>
                 <a:cs typeface="Courier New" panose="02070309020205020404" pitchFamily="49" charset="0"/>
               </a:rPr>
               <a:t>[j + 1]);</a:t>
@@ -17381,7 +17635,8 @@
               <a:buNone/>
             </a:pPr>
             <a:r>
-              <a:rPr lang="en-US" sz="2000" dirty="0">
+              <a:rPr lang="en-US" sz="1400" dirty="0">
+                <a:latin typeface="Lucida Console" panose="020B0609040504020204" pitchFamily="49" charset="0"/>
                 <a:cs typeface="Courier New" panose="02070309020205020404" pitchFamily="49" charset="0"/>
               </a:rPr>
               <a:t>}</a:t>
@@ -17593,333 +17848,6 @@
           </p:sp>
         </mc:Fallback>
       </mc:AlternateContent>
-      <p:sp>
-        <p:nvSpPr>
-          <p:cNvPr id="5" name="TextBox 4">
-            <a:extLst>
-              <a:ext uri="{FF2B5EF4-FFF2-40B4-BE49-F238E27FC236}">
-                <a16:creationId xmlns:a16="http://schemas.microsoft.com/office/drawing/2014/main" id="{B9D84CDE-497D-FA48-66D0-E18B617AC311}"/>
-              </a:ext>
-            </a:extLst>
-          </p:cNvPr>
-          <p:cNvSpPr txBox="1"/>
-          <p:nvPr/>
-        </p:nvSpPr>
-        <p:spPr>
-          <a:xfrm>
-            <a:off x="838200" y="1386473"/>
-            <a:ext cx="3903646" cy="3785652"/>
-          </a:xfrm>
-          <a:prstGeom prst="rect">
-            <a:avLst/>
-          </a:prstGeom>
-        </p:spPr>
-        <p:style>
-          <a:lnRef idx="1">
-            <a:schemeClr val="accent4"/>
-          </a:lnRef>
-          <a:fillRef idx="2">
-            <a:schemeClr val="accent4"/>
-          </a:fillRef>
-          <a:effectRef idx="1">
-            <a:schemeClr val="accent4"/>
-          </a:effectRef>
-          <a:fontRef idx="minor">
-            <a:schemeClr val="dk1"/>
-          </a:fontRef>
-        </p:style>
-        <p:txBody>
-          <a:bodyPr wrap="square">
-            <a:spAutoFit/>
-          </a:bodyPr>
-          <a:lstStyle/>
-          <a:p>
-            <a:pPr marL="0" indent="0">
-              <a:buNone/>
-            </a:pPr>
-            <a:r>
-              <a:rPr lang="en-US" sz="2000" dirty="0">
-                <a:cs typeface="Courier New" panose="02070309020205020404" pitchFamily="49" charset="0"/>
-              </a:rPr>
-              <a:t>// n is the length of the </a:t>
-            </a:r>
-            <a:r>
-              <a:rPr lang="en-US" sz="2000" dirty="0" err="1">
-                <a:cs typeface="Courier New" panose="02070309020205020404" pitchFamily="49" charset="0"/>
-              </a:rPr>
-              <a:t>arr</a:t>
-            </a:r>
-            <a:endParaRPr lang="en-US" sz="2000" dirty="0">
-              <a:cs typeface="Courier New" panose="02070309020205020404" pitchFamily="49" charset="0"/>
-            </a:endParaRPr>
-          </a:p>
-          <a:p>
-            <a:pPr marL="0" indent="0">
-              <a:buNone/>
-            </a:pPr>
-            <a:r>
-              <a:rPr lang="en-US" sz="2000" dirty="0">
-                <a:cs typeface="Courier New" panose="02070309020205020404" pitchFamily="49" charset="0"/>
-              </a:rPr>
-              <a:t>void </a:t>
-            </a:r>
-            <a:r>
-              <a:rPr lang="en-US" sz="2000" dirty="0" err="1">
-                <a:cs typeface="Courier New" panose="02070309020205020404" pitchFamily="49" charset="0"/>
-              </a:rPr>
-              <a:t>bubbleSort</a:t>
-            </a:r>
-            <a:r>
-              <a:rPr lang="en-US" sz="2000" dirty="0">
-                <a:cs typeface="Courier New" panose="02070309020205020404" pitchFamily="49" charset="0"/>
-              </a:rPr>
-              <a:t>(int </a:t>
-            </a:r>
-            <a:r>
-              <a:rPr lang="en-US" sz="2000" dirty="0" err="1">
-                <a:cs typeface="Courier New" panose="02070309020205020404" pitchFamily="49" charset="0"/>
-              </a:rPr>
-              <a:t>arr</a:t>
-            </a:r>
-            <a:r>
-              <a:rPr lang="en-US" sz="2000" dirty="0">
-                <a:cs typeface="Courier New" panose="02070309020205020404" pitchFamily="49" charset="0"/>
-              </a:rPr>
-              <a:t>[], int n)</a:t>
-            </a:r>
-          </a:p>
-          <a:p>
-            <a:pPr marL="0" indent="0">
-              <a:buNone/>
-            </a:pPr>
-            <a:r>
-              <a:rPr lang="en-US" sz="2000" dirty="0">
-                <a:cs typeface="Courier New" panose="02070309020205020404" pitchFamily="49" charset="0"/>
-              </a:rPr>
-              <a:t>{</a:t>
-            </a:r>
-          </a:p>
-          <a:p>
-            <a:pPr marL="0" indent="0">
-              <a:buNone/>
-            </a:pPr>
-            <a:r>
-              <a:rPr lang="en-US" sz="2000" dirty="0">
-                <a:cs typeface="Courier New" panose="02070309020205020404" pitchFamily="49" charset="0"/>
-              </a:rPr>
-              <a:t>    int </a:t>
-            </a:r>
-            <a:r>
-              <a:rPr lang="en-US" sz="2000" dirty="0" err="1">
-                <a:cs typeface="Courier New" panose="02070309020205020404" pitchFamily="49" charset="0"/>
-              </a:rPr>
-              <a:t>i</a:t>
-            </a:r>
-            <a:r>
-              <a:rPr lang="en-US" sz="2000" dirty="0">
-                <a:cs typeface="Courier New" panose="02070309020205020404" pitchFamily="49" charset="0"/>
-              </a:rPr>
-              <a:t>, j;</a:t>
-            </a:r>
-          </a:p>
-          <a:p>
-            <a:pPr marL="0" indent="0">
-              <a:buNone/>
-            </a:pPr>
-            <a:r>
-              <a:rPr lang="en-US" sz="2000" dirty="0">
-                <a:cs typeface="Courier New" panose="02070309020205020404" pitchFamily="49" charset="0"/>
-              </a:rPr>
-              <a:t>    for (</a:t>
-            </a:r>
-            <a:r>
-              <a:rPr lang="en-US" sz="2000" dirty="0" err="1">
-                <a:cs typeface="Courier New" panose="02070309020205020404" pitchFamily="49" charset="0"/>
-              </a:rPr>
-              <a:t>i</a:t>
-            </a:r>
-            <a:r>
-              <a:rPr lang="en-US" sz="2000" dirty="0">
-                <a:cs typeface="Courier New" panose="02070309020205020404" pitchFamily="49" charset="0"/>
-              </a:rPr>
-              <a:t> = 0; </a:t>
-            </a:r>
-            <a:r>
-              <a:rPr lang="en-US" sz="2000" dirty="0" err="1">
-                <a:cs typeface="Courier New" panose="02070309020205020404" pitchFamily="49" charset="0"/>
-              </a:rPr>
-              <a:t>i</a:t>
-            </a:r>
-            <a:r>
-              <a:rPr lang="en-US" sz="2000" dirty="0">
-                <a:cs typeface="Courier New" panose="02070309020205020404" pitchFamily="49" charset="0"/>
-              </a:rPr>
-              <a:t> &lt; n - 1; ++</a:t>
-            </a:r>
-            <a:r>
-              <a:rPr lang="en-US" sz="2000" dirty="0" err="1">
-                <a:cs typeface="Courier New" panose="02070309020205020404" pitchFamily="49" charset="0"/>
-              </a:rPr>
-              <a:t>i</a:t>
-            </a:r>
-            <a:r>
-              <a:rPr lang="en-US" sz="2000" dirty="0">
-                <a:cs typeface="Courier New" panose="02070309020205020404" pitchFamily="49" charset="0"/>
-              </a:rPr>
-              <a:t>)</a:t>
-            </a:r>
-          </a:p>
-          <a:p>
-            <a:pPr marL="0" indent="0">
-              <a:buNone/>
-            </a:pPr>
-            <a:r>
-              <a:rPr lang="en-US" sz="2000" dirty="0">
-                <a:cs typeface="Courier New" panose="02070309020205020404" pitchFamily="49" charset="0"/>
-              </a:rPr>
-              <a:t>  </a:t>
-            </a:r>
-          </a:p>
-          <a:p>
-            <a:pPr marL="0" indent="0">
-              <a:buNone/>
-            </a:pPr>
-            <a:r>
-              <a:rPr lang="en-US" sz="2000" dirty="0">
-                <a:cs typeface="Courier New" panose="02070309020205020404" pitchFamily="49" charset="0"/>
-              </a:rPr>
-              <a:t>        // Last </a:t>
-            </a:r>
-            <a:r>
-              <a:rPr lang="en-US" sz="2000" dirty="0" err="1">
-                <a:cs typeface="Courier New" panose="02070309020205020404" pitchFamily="49" charset="0"/>
-              </a:rPr>
-              <a:t>i</a:t>
-            </a:r>
-            <a:r>
-              <a:rPr lang="en-US" sz="2000" dirty="0">
-                <a:cs typeface="Courier New" panose="02070309020205020404" pitchFamily="49" charset="0"/>
-              </a:rPr>
-              <a:t> elements are already </a:t>
-            </a:r>
-          </a:p>
-          <a:p>
-            <a:pPr marL="0" indent="0">
-              <a:buNone/>
-            </a:pPr>
-            <a:r>
-              <a:rPr lang="en-US" sz="2000" dirty="0">
-                <a:cs typeface="Courier New" panose="02070309020205020404" pitchFamily="49" charset="0"/>
-              </a:rPr>
-              <a:t>        // in place</a:t>
-            </a:r>
-          </a:p>
-          <a:p>
-            <a:pPr marL="0" indent="0">
-              <a:buNone/>
-            </a:pPr>
-            <a:r>
-              <a:rPr lang="en-US" sz="2000" dirty="0">
-                <a:cs typeface="Courier New" panose="02070309020205020404" pitchFamily="49" charset="0"/>
-              </a:rPr>
-              <a:t>        for (j = 0; j &lt; n - </a:t>
-            </a:r>
-            <a:r>
-              <a:rPr lang="en-US" sz="2000" dirty="0" err="1">
-                <a:cs typeface="Courier New" panose="02070309020205020404" pitchFamily="49" charset="0"/>
-              </a:rPr>
-              <a:t>i</a:t>
-            </a:r>
-            <a:r>
-              <a:rPr lang="en-US" sz="2000" dirty="0">
-                <a:cs typeface="Courier New" panose="02070309020205020404" pitchFamily="49" charset="0"/>
-              </a:rPr>
-              <a:t> - 1; ++j)</a:t>
-            </a:r>
-          </a:p>
-          <a:p>
-            <a:pPr marL="0" indent="0">
-              <a:buNone/>
-            </a:pPr>
-            <a:r>
-              <a:rPr lang="en-US" sz="2000" dirty="0">
-                <a:cs typeface="Courier New" panose="02070309020205020404" pitchFamily="49" charset="0"/>
-              </a:rPr>
-              <a:t>            if (</a:t>
-            </a:r>
-            <a:r>
-              <a:rPr lang="en-US" sz="2000" dirty="0" err="1">
-                <a:cs typeface="Courier New" panose="02070309020205020404" pitchFamily="49" charset="0"/>
-              </a:rPr>
-              <a:t>arr</a:t>
-            </a:r>
-            <a:r>
-              <a:rPr lang="en-US" sz="2000" dirty="0">
-                <a:cs typeface="Courier New" panose="02070309020205020404" pitchFamily="49" charset="0"/>
-              </a:rPr>
-              <a:t>[j] &gt; </a:t>
-            </a:r>
-            <a:r>
-              <a:rPr lang="en-US" sz="2000" dirty="0" err="1">
-                <a:cs typeface="Courier New" panose="02070309020205020404" pitchFamily="49" charset="0"/>
-              </a:rPr>
-              <a:t>arr</a:t>
-            </a:r>
-            <a:r>
-              <a:rPr lang="en-US" sz="2000" dirty="0">
-                <a:cs typeface="Courier New" panose="02070309020205020404" pitchFamily="49" charset="0"/>
-              </a:rPr>
-              <a:t>[j + 1])</a:t>
-            </a:r>
-          </a:p>
-          <a:p>
-            <a:pPr marL="0" indent="0">
-              <a:buNone/>
-            </a:pPr>
-            <a:r>
-              <a:rPr lang="en-US" sz="2000" dirty="0">
-                <a:cs typeface="Courier New" panose="02070309020205020404" pitchFamily="49" charset="0"/>
-              </a:rPr>
-              <a:t>                swap(</a:t>
-            </a:r>
-            <a:r>
-              <a:rPr lang="en-US" sz="2000" dirty="0" err="1">
-                <a:cs typeface="Courier New" panose="02070309020205020404" pitchFamily="49" charset="0"/>
-              </a:rPr>
-              <a:t>arr</a:t>
-            </a:r>
-            <a:r>
-              <a:rPr lang="en-US" sz="2000" dirty="0">
-                <a:cs typeface="Courier New" panose="02070309020205020404" pitchFamily="49" charset="0"/>
-              </a:rPr>
-              <a:t>[j], </a:t>
-            </a:r>
-            <a:r>
-              <a:rPr lang="en-US" sz="2000" dirty="0" err="1">
-                <a:cs typeface="Courier New" panose="02070309020205020404" pitchFamily="49" charset="0"/>
-              </a:rPr>
-              <a:t>arr</a:t>
-            </a:r>
-            <a:r>
-              <a:rPr lang="en-US" sz="2000" dirty="0">
-                <a:cs typeface="Courier New" panose="02070309020205020404" pitchFamily="49" charset="0"/>
-              </a:rPr>
-              <a:t>[j + 1]);</a:t>
-            </a:r>
-          </a:p>
-          <a:p>
-            <a:pPr marL="0" indent="0">
-              <a:buNone/>
-            </a:pPr>
-            <a:r>
-              <a:rPr lang="en-US" sz="2000" dirty="0">
-                <a:cs typeface="Courier New" panose="02070309020205020404" pitchFamily="49" charset="0"/>
-              </a:rPr>
-              <a:t>}</a:t>
-            </a:r>
-          </a:p>
-        </p:txBody>
-      </p:sp>
       <mc:AlternateContent xmlns:mc="http://schemas.openxmlformats.org/markup-compatibility/2006">
         <mc:Choice xmlns:a14="http://schemas.microsoft.com/office/drawing/2010/main" Requires="a14">
           <p:sp>
@@ -17936,7 +17864,7 @@
             </p:nvSpPr>
             <p:spPr>
               <a:xfrm>
-                <a:off x="5197640" y="1386473"/>
+                <a:off x="5720815" y="1386473"/>
                 <a:ext cx="6006166" cy="3456074"/>
               </a:xfrm>
               <a:prstGeom prst="rect">
@@ -18334,7 +18262,7 @@
             </p:nvSpPr>
             <p:spPr>
               <a:xfrm>
-                <a:off x="5197640" y="1386473"/>
+                <a:off x="5720815" y="1386473"/>
                 <a:ext cx="6006166" cy="3456074"/>
               </a:xfrm>
               <a:prstGeom prst="rect">
@@ -18343,7 +18271,7 @@
               <a:blipFill>
                 <a:blip r:embed="rId3"/>
                 <a:stretch>
-                  <a:fillRect l="-1624" t="-1411"/>
+                  <a:fillRect l="-1521" t="-1411"/>
                 </a:stretch>
               </a:blipFill>
             </p:spPr>
@@ -18362,6 +18290,371 @@
           </p:sp>
         </mc:Fallback>
       </mc:AlternateContent>
+      <p:sp>
+        <p:nvSpPr>
+          <p:cNvPr id="6" name="TextBox 5">
+            <a:extLst>
+              <a:ext uri="{FF2B5EF4-FFF2-40B4-BE49-F238E27FC236}">
+                <a16:creationId xmlns:a16="http://schemas.microsoft.com/office/drawing/2014/main" id="{D13DDD63-4160-2C61-7F10-ABE171335AF8}"/>
+              </a:ext>
+            </a:extLst>
+          </p:cNvPr>
+          <p:cNvSpPr txBox="1"/>
+          <p:nvPr/>
+        </p:nvSpPr>
+        <p:spPr>
+          <a:xfrm>
+            <a:off x="976362" y="1386473"/>
+            <a:ext cx="4606291" cy="2677656"/>
+          </a:xfrm>
+          <a:prstGeom prst="rect">
+            <a:avLst/>
+          </a:prstGeom>
+        </p:spPr>
+        <p:style>
+          <a:lnRef idx="1">
+            <a:schemeClr val="accent4"/>
+          </a:lnRef>
+          <a:fillRef idx="2">
+            <a:schemeClr val="accent4"/>
+          </a:fillRef>
+          <a:effectRef idx="1">
+            <a:schemeClr val="accent4"/>
+          </a:effectRef>
+          <a:fontRef idx="minor">
+            <a:schemeClr val="dk1"/>
+          </a:fontRef>
+        </p:style>
+        <p:txBody>
+          <a:bodyPr wrap="square">
+            <a:spAutoFit/>
+          </a:bodyPr>
+          <a:lstStyle/>
+          <a:p>
+            <a:pPr marL="0" indent="0">
+              <a:buNone/>
+            </a:pPr>
+            <a:r>
+              <a:rPr lang="en-US" sz="1400" dirty="0">
+                <a:latin typeface="Lucida Console" panose="020B0609040504020204" pitchFamily="49" charset="0"/>
+                <a:cs typeface="Courier New" panose="02070309020205020404" pitchFamily="49" charset="0"/>
+              </a:rPr>
+              <a:t>// n is the length of the </a:t>
+            </a:r>
+            <a:r>
+              <a:rPr lang="en-US" sz="1400" dirty="0" err="1">
+                <a:latin typeface="Lucida Console" panose="020B0609040504020204" pitchFamily="49" charset="0"/>
+                <a:cs typeface="Courier New" panose="02070309020205020404" pitchFamily="49" charset="0"/>
+              </a:rPr>
+              <a:t>arr</a:t>
+            </a:r>
+            <a:endParaRPr lang="en-US" sz="1400" dirty="0">
+              <a:latin typeface="Lucida Console" panose="020B0609040504020204" pitchFamily="49" charset="0"/>
+              <a:cs typeface="Courier New" panose="02070309020205020404" pitchFamily="49" charset="0"/>
+            </a:endParaRPr>
+          </a:p>
+          <a:p>
+            <a:pPr marL="0" indent="0">
+              <a:buNone/>
+            </a:pPr>
+            <a:r>
+              <a:rPr lang="en-US" sz="1400" dirty="0">
+                <a:latin typeface="Lucida Console" panose="020B0609040504020204" pitchFamily="49" charset="0"/>
+                <a:cs typeface="Courier New" panose="02070309020205020404" pitchFamily="49" charset="0"/>
+              </a:rPr>
+              <a:t>void </a:t>
+            </a:r>
+            <a:r>
+              <a:rPr lang="en-US" sz="1400" dirty="0" err="1">
+                <a:latin typeface="Lucida Console" panose="020B0609040504020204" pitchFamily="49" charset="0"/>
+                <a:cs typeface="Courier New" panose="02070309020205020404" pitchFamily="49" charset="0"/>
+              </a:rPr>
+              <a:t>bubbleSort</a:t>
+            </a:r>
+            <a:r>
+              <a:rPr lang="en-US" sz="1400" dirty="0">
+                <a:latin typeface="Lucida Console" panose="020B0609040504020204" pitchFamily="49" charset="0"/>
+                <a:cs typeface="Courier New" panose="02070309020205020404" pitchFamily="49" charset="0"/>
+              </a:rPr>
+              <a:t>(int </a:t>
+            </a:r>
+            <a:r>
+              <a:rPr lang="en-US" sz="1400" dirty="0" err="1">
+                <a:latin typeface="Lucida Console" panose="020B0609040504020204" pitchFamily="49" charset="0"/>
+                <a:cs typeface="Courier New" panose="02070309020205020404" pitchFamily="49" charset="0"/>
+              </a:rPr>
+              <a:t>arr</a:t>
+            </a:r>
+            <a:r>
+              <a:rPr lang="en-US" sz="1400" dirty="0">
+                <a:latin typeface="Lucida Console" panose="020B0609040504020204" pitchFamily="49" charset="0"/>
+                <a:cs typeface="Courier New" panose="02070309020205020404" pitchFamily="49" charset="0"/>
+              </a:rPr>
+              <a:t>[], int n)</a:t>
+            </a:r>
+          </a:p>
+          <a:p>
+            <a:pPr marL="0" indent="0">
+              <a:buNone/>
+            </a:pPr>
+            <a:r>
+              <a:rPr lang="en-US" sz="1400" dirty="0">
+                <a:latin typeface="Lucida Console" panose="020B0609040504020204" pitchFamily="49" charset="0"/>
+                <a:cs typeface="Courier New" panose="02070309020205020404" pitchFamily="49" charset="0"/>
+              </a:rPr>
+              <a:t>{</a:t>
+            </a:r>
+          </a:p>
+          <a:p>
+            <a:pPr marL="0" indent="0">
+              <a:buNone/>
+            </a:pPr>
+            <a:r>
+              <a:rPr lang="en-US" sz="1400" dirty="0">
+                <a:latin typeface="Lucida Console" panose="020B0609040504020204" pitchFamily="49" charset="0"/>
+                <a:cs typeface="Courier New" panose="02070309020205020404" pitchFamily="49" charset="0"/>
+              </a:rPr>
+              <a:t>    int </a:t>
+            </a:r>
+            <a:r>
+              <a:rPr lang="en-US" sz="1400" dirty="0" err="1">
+                <a:latin typeface="Lucida Console" panose="020B0609040504020204" pitchFamily="49" charset="0"/>
+                <a:cs typeface="Courier New" panose="02070309020205020404" pitchFamily="49" charset="0"/>
+              </a:rPr>
+              <a:t>i</a:t>
+            </a:r>
+            <a:r>
+              <a:rPr lang="en-US" sz="1400" dirty="0">
+                <a:latin typeface="Lucida Console" panose="020B0609040504020204" pitchFamily="49" charset="0"/>
+                <a:cs typeface="Courier New" panose="02070309020205020404" pitchFamily="49" charset="0"/>
+              </a:rPr>
+              <a:t>, j;</a:t>
+            </a:r>
+          </a:p>
+          <a:p>
+            <a:pPr marL="0" indent="0">
+              <a:buNone/>
+            </a:pPr>
+            <a:r>
+              <a:rPr lang="en-US" sz="1400" dirty="0">
+                <a:latin typeface="Lucida Console" panose="020B0609040504020204" pitchFamily="49" charset="0"/>
+                <a:cs typeface="Courier New" panose="02070309020205020404" pitchFamily="49" charset="0"/>
+              </a:rPr>
+              <a:t>    for (</a:t>
+            </a:r>
+            <a:r>
+              <a:rPr lang="en-US" sz="1400" dirty="0" err="1">
+                <a:latin typeface="Lucida Console" panose="020B0609040504020204" pitchFamily="49" charset="0"/>
+                <a:cs typeface="Courier New" panose="02070309020205020404" pitchFamily="49" charset="0"/>
+              </a:rPr>
+              <a:t>i</a:t>
+            </a:r>
+            <a:r>
+              <a:rPr lang="en-US" sz="1400" dirty="0">
+                <a:latin typeface="Lucida Console" panose="020B0609040504020204" pitchFamily="49" charset="0"/>
+                <a:cs typeface="Courier New" panose="02070309020205020404" pitchFamily="49" charset="0"/>
+              </a:rPr>
+              <a:t> = 0; </a:t>
+            </a:r>
+            <a:r>
+              <a:rPr lang="en-US" sz="1400" dirty="0" err="1">
+                <a:latin typeface="Lucida Console" panose="020B0609040504020204" pitchFamily="49" charset="0"/>
+                <a:cs typeface="Courier New" panose="02070309020205020404" pitchFamily="49" charset="0"/>
+              </a:rPr>
+              <a:t>i</a:t>
+            </a:r>
+            <a:r>
+              <a:rPr lang="en-US" sz="1400" dirty="0">
+                <a:latin typeface="Lucida Console" panose="020B0609040504020204" pitchFamily="49" charset="0"/>
+                <a:cs typeface="Courier New" panose="02070309020205020404" pitchFamily="49" charset="0"/>
+              </a:rPr>
+              <a:t> &lt; n - 1; ++</a:t>
+            </a:r>
+            <a:r>
+              <a:rPr lang="en-US" sz="1400" dirty="0" err="1">
+                <a:latin typeface="Lucida Console" panose="020B0609040504020204" pitchFamily="49" charset="0"/>
+                <a:cs typeface="Courier New" panose="02070309020205020404" pitchFamily="49" charset="0"/>
+              </a:rPr>
+              <a:t>i</a:t>
+            </a:r>
+            <a:r>
+              <a:rPr lang="en-US" sz="1400" dirty="0">
+                <a:latin typeface="Lucida Console" panose="020B0609040504020204" pitchFamily="49" charset="0"/>
+                <a:cs typeface="Courier New" panose="02070309020205020404" pitchFamily="49" charset="0"/>
+              </a:rPr>
+              <a:t>)</a:t>
+            </a:r>
+          </a:p>
+          <a:p>
+            <a:pPr marL="0" indent="0">
+              <a:buNone/>
+            </a:pPr>
+            <a:r>
+              <a:rPr lang="en-US" sz="1400" dirty="0">
+                <a:latin typeface="Lucida Console" panose="020B0609040504020204" pitchFamily="49" charset="0"/>
+                <a:cs typeface="Courier New" panose="02070309020205020404" pitchFamily="49" charset="0"/>
+              </a:rPr>
+              <a:t>  </a:t>
+            </a:r>
+          </a:p>
+          <a:p>
+            <a:pPr marL="0" indent="0">
+              <a:buNone/>
+            </a:pPr>
+            <a:r>
+              <a:rPr lang="en-US" sz="1400" dirty="0">
+                <a:latin typeface="Lucida Console" panose="020B0609040504020204" pitchFamily="49" charset="0"/>
+                <a:cs typeface="Courier New" panose="02070309020205020404" pitchFamily="49" charset="0"/>
+              </a:rPr>
+              <a:t>        // Last </a:t>
+            </a:r>
+            <a:r>
+              <a:rPr lang="en-US" sz="1400" dirty="0" err="1">
+                <a:latin typeface="Lucida Console" panose="020B0609040504020204" pitchFamily="49" charset="0"/>
+                <a:cs typeface="Courier New" panose="02070309020205020404" pitchFamily="49" charset="0"/>
+              </a:rPr>
+              <a:t>i</a:t>
+            </a:r>
+            <a:r>
+              <a:rPr lang="en-US" sz="1400" dirty="0">
+                <a:latin typeface="Lucida Console" panose="020B0609040504020204" pitchFamily="49" charset="0"/>
+                <a:cs typeface="Courier New" panose="02070309020205020404" pitchFamily="49" charset="0"/>
+              </a:rPr>
+              <a:t> elements are already </a:t>
+            </a:r>
+          </a:p>
+          <a:p>
+            <a:pPr marL="0" indent="0">
+              <a:buNone/>
+            </a:pPr>
+            <a:r>
+              <a:rPr lang="en-US" sz="1400" dirty="0">
+                <a:latin typeface="Lucida Console" panose="020B0609040504020204" pitchFamily="49" charset="0"/>
+                <a:cs typeface="Courier New" panose="02070309020205020404" pitchFamily="49" charset="0"/>
+              </a:rPr>
+              <a:t>        // in place</a:t>
+            </a:r>
+          </a:p>
+          <a:p>
+            <a:pPr marL="0" indent="0">
+              <a:buNone/>
+            </a:pPr>
+            <a:r>
+              <a:rPr lang="en-US" sz="1400" dirty="0">
+                <a:latin typeface="Lucida Console" panose="020B0609040504020204" pitchFamily="49" charset="0"/>
+                <a:cs typeface="Courier New" panose="02070309020205020404" pitchFamily="49" charset="0"/>
+              </a:rPr>
+              <a:t>        for (j = 0; j &lt; n - </a:t>
+            </a:r>
+            <a:r>
+              <a:rPr lang="en-US" sz="1400" dirty="0" err="1">
+                <a:latin typeface="Lucida Console" panose="020B0609040504020204" pitchFamily="49" charset="0"/>
+                <a:cs typeface="Courier New" panose="02070309020205020404" pitchFamily="49" charset="0"/>
+              </a:rPr>
+              <a:t>i</a:t>
+            </a:r>
+            <a:r>
+              <a:rPr lang="en-US" sz="1400" dirty="0">
+                <a:latin typeface="Lucida Console" panose="020B0609040504020204" pitchFamily="49" charset="0"/>
+                <a:cs typeface="Courier New" panose="02070309020205020404" pitchFamily="49" charset="0"/>
+              </a:rPr>
+              <a:t> - 1; ++j)</a:t>
+            </a:r>
+          </a:p>
+          <a:p>
+            <a:pPr marL="0" indent="0">
+              <a:buNone/>
+            </a:pPr>
+            <a:r>
+              <a:rPr lang="en-US" sz="1400" dirty="0">
+                <a:latin typeface="Lucida Console" panose="020B0609040504020204" pitchFamily="49" charset="0"/>
+                <a:cs typeface="Courier New" panose="02070309020205020404" pitchFamily="49" charset="0"/>
+              </a:rPr>
+              <a:t>            if (</a:t>
+            </a:r>
+            <a:r>
+              <a:rPr lang="en-US" sz="1400" dirty="0" err="1">
+                <a:latin typeface="Lucida Console" panose="020B0609040504020204" pitchFamily="49" charset="0"/>
+                <a:cs typeface="Courier New" panose="02070309020205020404" pitchFamily="49" charset="0"/>
+              </a:rPr>
+              <a:t>arr</a:t>
+            </a:r>
+            <a:r>
+              <a:rPr lang="en-US" sz="1400" dirty="0">
+                <a:latin typeface="Lucida Console" panose="020B0609040504020204" pitchFamily="49" charset="0"/>
+                <a:cs typeface="Courier New" panose="02070309020205020404" pitchFamily="49" charset="0"/>
+              </a:rPr>
+              <a:t>[j] &gt; </a:t>
+            </a:r>
+            <a:r>
+              <a:rPr lang="en-US" sz="1400" dirty="0" err="1">
+                <a:latin typeface="Lucida Console" panose="020B0609040504020204" pitchFamily="49" charset="0"/>
+                <a:cs typeface="Courier New" panose="02070309020205020404" pitchFamily="49" charset="0"/>
+              </a:rPr>
+              <a:t>arr</a:t>
+            </a:r>
+            <a:r>
+              <a:rPr lang="en-US" sz="1400" dirty="0">
+                <a:latin typeface="Lucida Console" panose="020B0609040504020204" pitchFamily="49" charset="0"/>
+                <a:cs typeface="Courier New" panose="02070309020205020404" pitchFamily="49" charset="0"/>
+              </a:rPr>
+              <a:t>[j + 1])</a:t>
+            </a:r>
+          </a:p>
+          <a:p>
+            <a:pPr marL="0" indent="0">
+              <a:buNone/>
+            </a:pPr>
+            <a:r>
+              <a:rPr lang="en-US" sz="1400" dirty="0">
+                <a:latin typeface="Lucida Console" panose="020B0609040504020204" pitchFamily="49" charset="0"/>
+                <a:cs typeface="Courier New" panose="02070309020205020404" pitchFamily="49" charset="0"/>
+              </a:rPr>
+              <a:t>                swap(</a:t>
+            </a:r>
+            <a:r>
+              <a:rPr lang="en-US" sz="1400" dirty="0" err="1">
+                <a:latin typeface="Lucida Console" panose="020B0609040504020204" pitchFamily="49" charset="0"/>
+                <a:cs typeface="Courier New" panose="02070309020205020404" pitchFamily="49" charset="0"/>
+              </a:rPr>
+              <a:t>arr</a:t>
+            </a:r>
+            <a:r>
+              <a:rPr lang="en-US" sz="1400" dirty="0">
+                <a:latin typeface="Lucida Console" panose="020B0609040504020204" pitchFamily="49" charset="0"/>
+                <a:cs typeface="Courier New" panose="02070309020205020404" pitchFamily="49" charset="0"/>
+              </a:rPr>
+              <a:t>[j], </a:t>
+            </a:r>
+            <a:r>
+              <a:rPr lang="en-US" sz="1400" dirty="0" err="1">
+                <a:latin typeface="Lucida Console" panose="020B0609040504020204" pitchFamily="49" charset="0"/>
+                <a:cs typeface="Courier New" panose="02070309020205020404" pitchFamily="49" charset="0"/>
+              </a:rPr>
+              <a:t>arr</a:t>
+            </a:r>
+            <a:r>
+              <a:rPr lang="en-US" sz="1400" dirty="0">
+                <a:latin typeface="Lucida Console" panose="020B0609040504020204" pitchFamily="49" charset="0"/>
+                <a:cs typeface="Courier New" panose="02070309020205020404" pitchFamily="49" charset="0"/>
+              </a:rPr>
+              <a:t>[j + 1]);</a:t>
+            </a:r>
+          </a:p>
+          <a:p>
+            <a:pPr marL="0" indent="0">
+              <a:buNone/>
+            </a:pPr>
+            <a:r>
+              <a:rPr lang="en-US" sz="1400" dirty="0">
+                <a:latin typeface="Lucida Console" panose="020B0609040504020204" pitchFamily="49" charset="0"/>
+                <a:cs typeface="Courier New" panose="02070309020205020404" pitchFamily="49" charset="0"/>
+              </a:rPr>
+              <a:t>}</a:t>
+            </a:r>
+          </a:p>
+        </p:txBody>
+      </p:sp>
     </p:spTree>
     <p:extLst>
       <p:ext uri="{BB962C8B-B14F-4D97-AF65-F5344CB8AC3E}">
